--- a/Documentation/3 - Documentation technique/Modelisation_EntrepotDeDonnées.pptx
+++ b/Documentation/3 - Documentation technique/Modelisation_EntrepotDeDonnées.pptx
@@ -5,7 +5,7 @@
     <p:sldMasterId id="2147483660" r:id="rId1"/>
   </p:sldMasterIdLst>
   <p:notesMasterIdLst>
-    <p:notesMasterId r:id="rId14"/>
+    <p:notesMasterId r:id="rId15"/>
   </p:notesMasterIdLst>
   <p:sldIdLst>
     <p:sldId id="301" r:id="rId2"/>
@@ -14,12 +14,13 @@
     <p:sldId id="359" r:id="rId5"/>
     <p:sldId id="365" r:id="rId6"/>
     <p:sldId id="358" r:id="rId7"/>
-    <p:sldId id="367" r:id="rId8"/>
-    <p:sldId id="366" r:id="rId9"/>
-    <p:sldId id="361" r:id="rId10"/>
-    <p:sldId id="362" r:id="rId11"/>
-    <p:sldId id="363" r:id="rId12"/>
-    <p:sldId id="364" r:id="rId13"/>
+    <p:sldId id="368" r:id="rId8"/>
+    <p:sldId id="367" r:id="rId9"/>
+    <p:sldId id="366" r:id="rId10"/>
+    <p:sldId id="361" r:id="rId11"/>
+    <p:sldId id="362" r:id="rId12"/>
+    <p:sldId id="363" r:id="rId13"/>
+    <p:sldId id="364" r:id="rId14"/>
   </p:sldIdLst>
   <p:sldSz cx="9144000" cy="6858000" type="screen4x3"/>
   <p:notesSz cx="6858000" cy="9144000"/>
@@ -645,7 +646,7 @@
     </p:spTree>
     <p:extLst>
       <p:ext uri="{BB962C8B-B14F-4D97-AF65-F5344CB8AC3E}">
-        <p14:creationId xmlns:p14="http://schemas.microsoft.com/office/powerpoint/2010/main" val="177792407"/>
+        <p14:creationId xmlns:p14="http://schemas.microsoft.com/office/powerpoint/2010/main" val="22076538"/>
       </p:ext>
     </p:extLst>
   </p:cSld>
@@ -729,7 +730,7 @@
     </p:spTree>
     <p:extLst>
       <p:ext uri="{BB962C8B-B14F-4D97-AF65-F5344CB8AC3E}">
-        <p14:creationId xmlns:p14="http://schemas.microsoft.com/office/powerpoint/2010/main" val="3875815214"/>
+        <p14:creationId xmlns:p14="http://schemas.microsoft.com/office/powerpoint/2010/main" val="177792407"/>
       </p:ext>
     </p:extLst>
   </p:cSld>
@@ -805,6 +806,90 @@
             <a:fld id="{0C080E5F-76A7-426C-8874-1B043B738D2C}" type="slidenum">
               <a:rPr lang="fr-FR" smtClean="0"/>
               <a:t>12</a:t>
+            </a:fld>
+            <a:endParaRPr lang="fr-FR"/>
+          </a:p>
+        </p:txBody>
+      </p:sp>
+    </p:spTree>
+    <p:extLst>
+      <p:ext uri="{BB962C8B-B14F-4D97-AF65-F5344CB8AC3E}">
+        <p14:creationId xmlns:p14="http://schemas.microsoft.com/office/powerpoint/2010/main" val="3875815214"/>
+      </p:ext>
+    </p:extLst>
+  </p:cSld>
+  <p:clrMapOvr>
+    <a:masterClrMapping/>
+  </p:clrMapOvr>
+</p:notes>
+</file>
+
+<file path=ppt/notesSlides/notesSlide13.xml><?xml version="1.0" encoding="utf-8"?>
+<p:notes xmlns:a="http://schemas.openxmlformats.org/drawingml/2006/main" xmlns:r="http://schemas.openxmlformats.org/officeDocument/2006/relationships" xmlns:p="http://schemas.openxmlformats.org/presentationml/2006/main">
+  <p:cSld>
+    <p:spTree>
+      <p:nvGrpSpPr>
+        <p:cNvPr id="1" name=""/>
+        <p:cNvGrpSpPr/>
+        <p:nvPr/>
+      </p:nvGrpSpPr>
+      <p:grpSpPr>
+        <a:xfrm>
+          <a:off x="0" y="0"/>
+          <a:ext cx="0" cy="0"/>
+          <a:chOff x="0" y="0"/>
+          <a:chExt cx="0" cy="0"/>
+        </a:xfrm>
+      </p:grpSpPr>
+      <p:sp>
+        <p:nvSpPr>
+          <p:cNvPr id="2" name="Espace réservé de l'image des diapositives 1"/>
+          <p:cNvSpPr>
+            <a:spLocks noGrp="1" noRot="1" noChangeAspect="1"/>
+          </p:cNvSpPr>
+          <p:nvPr>
+            <p:ph type="sldImg"/>
+          </p:nvPr>
+        </p:nvSpPr>
+        <p:spPr/>
+      </p:sp>
+      <p:sp>
+        <p:nvSpPr>
+          <p:cNvPr id="3" name="Espace réservé des commentaires 2"/>
+          <p:cNvSpPr>
+            <a:spLocks noGrp="1"/>
+          </p:cNvSpPr>
+          <p:nvPr>
+            <p:ph type="body" idx="1"/>
+          </p:nvPr>
+        </p:nvSpPr>
+        <p:spPr/>
+        <p:txBody>
+          <a:bodyPr/>
+          <a:lstStyle/>
+          <a:p>
+            <a:endParaRPr lang="fr-FR"/>
+          </a:p>
+        </p:txBody>
+      </p:sp>
+      <p:sp>
+        <p:nvSpPr>
+          <p:cNvPr id="4" name="Espace réservé du numéro de diapositive 3"/>
+          <p:cNvSpPr>
+            <a:spLocks noGrp="1"/>
+          </p:cNvSpPr>
+          <p:nvPr>
+            <p:ph type="sldNum" sz="quarter" idx="10"/>
+          </p:nvPr>
+        </p:nvSpPr>
+        <p:spPr/>
+        <p:txBody>
+          <a:bodyPr/>
+          <a:lstStyle/>
+          <a:p>
+            <a:fld id="{0C080E5F-76A7-426C-8874-1B043B738D2C}" type="slidenum">
+              <a:rPr lang="fr-FR" smtClean="0"/>
+              <a:t>13</a:t>
             </a:fld>
             <a:endParaRPr lang="fr-FR"/>
           </a:p>
@@ -1317,7 +1402,7 @@
     </p:spTree>
     <p:extLst>
       <p:ext uri="{BB962C8B-B14F-4D97-AF65-F5344CB8AC3E}">
-        <p14:creationId xmlns:p14="http://schemas.microsoft.com/office/powerpoint/2010/main" val="3397552861"/>
+        <p14:creationId xmlns:p14="http://schemas.microsoft.com/office/powerpoint/2010/main" val="253523349"/>
       </p:ext>
     </p:extLst>
   </p:cSld>
@@ -1401,7 +1486,7 @@
     </p:spTree>
     <p:extLst>
       <p:ext uri="{BB962C8B-B14F-4D97-AF65-F5344CB8AC3E}">
-        <p14:creationId xmlns:p14="http://schemas.microsoft.com/office/powerpoint/2010/main" val="3698616411"/>
+        <p14:creationId xmlns:p14="http://schemas.microsoft.com/office/powerpoint/2010/main" val="3397552861"/>
       </p:ext>
     </p:extLst>
   </p:cSld>
@@ -1485,7 +1570,7 @@
     </p:spTree>
     <p:extLst>
       <p:ext uri="{BB962C8B-B14F-4D97-AF65-F5344CB8AC3E}">
-        <p14:creationId xmlns:p14="http://schemas.microsoft.com/office/powerpoint/2010/main" val="22076538"/>
+        <p14:creationId xmlns:p14="http://schemas.microsoft.com/office/powerpoint/2010/main" val="3698616411"/>
       </p:ext>
     </p:extLst>
   </p:cSld>
@@ -4900,7 +4985,7 @@
         <p:spPr>
           <a:xfrm>
             <a:off x="107504" y="107340"/>
-            <a:ext cx="2071401" cy="369332"/>
+            <a:ext cx="2185983" cy="369332"/>
           </a:xfrm>
           <a:prstGeom prst="rect">
             <a:avLst/>
@@ -4928,7 +5013,7 @@
           <a:p>
             <a:r>
               <a:rPr lang="fr-FR" dirty="0" smtClean="0"/>
-              <a:t>Dimension « Lieux »</a:t>
+              <a:t>Dimension « Temps »</a:t>
             </a:r>
             <a:endParaRPr lang="fr-FR" dirty="0"/>
           </a:p>
@@ -4936,14 +5021,127 @@
       </p:sp>
       <p:sp>
         <p:nvSpPr>
-          <p:cNvPr id="9" name="ZoneTexte 8"/>
+          <p:cNvPr id="7" name="Rectangle 6"/>
+          <p:cNvSpPr/>
+          <p:nvPr/>
+        </p:nvSpPr>
+        <p:spPr>
+          <a:xfrm>
+            <a:off x="107504" y="1125167"/>
+            <a:ext cx="8856984" cy="646331"/>
+          </a:xfrm>
+          <a:prstGeom prst="rect">
+            <a:avLst/>
+          </a:prstGeom>
+        </p:spPr>
+        <p:txBody>
+          <a:bodyPr wrap="square">
+            <a:spAutoFit/>
+          </a:bodyPr>
+          <a:lstStyle/>
+          <a:p>
+            <a:pPr>
+              <a:spcBef>
+                <a:spcPts val="300"/>
+              </a:spcBef>
+              <a:spcAft>
+                <a:spcPts val="300"/>
+              </a:spcAft>
+            </a:pPr>
+            <a:r>
+              <a:rPr lang="fr-FR" dirty="0" smtClean="0"/>
+              <a:t>Pour cette dimension temps, nous utiliserons le format « standard</a:t>
+            </a:r>
+            <a:r>
+              <a:rPr lang="fr-FR" dirty="0"/>
+              <a:t> », q</a:t>
+            </a:r>
+            <a:r>
+              <a:rPr lang="fr-FR" dirty="0" smtClean="0"/>
+              <a:t>ui </a:t>
+            </a:r>
+            <a:r>
+              <a:rPr lang="fr-FR" dirty="0"/>
+              <a:t>est issue de l’assistant de création SQL SERVER, puis quelques « retouches » des auteurs du livre. </a:t>
+            </a:r>
+          </a:p>
+        </p:txBody>
+      </p:sp>
+      <p:sp>
+        <p:nvSpPr>
+          <p:cNvPr id="10" name="Rectangle 9"/>
+          <p:cNvSpPr/>
+          <p:nvPr/>
+        </p:nvSpPr>
+        <p:spPr>
+          <a:xfrm>
+            <a:off x="2480595" y="114304"/>
+            <a:ext cx="5334474" cy="646331"/>
+          </a:xfrm>
+          <a:prstGeom prst="rect">
+            <a:avLst/>
+          </a:prstGeom>
+        </p:spPr>
+        <p:style>
+          <a:lnRef idx="2">
+            <a:schemeClr val="accent5"/>
+          </a:lnRef>
+          <a:fillRef idx="1">
+            <a:schemeClr val="lt1"/>
+          </a:fillRef>
+          <a:effectRef idx="0">
+            <a:schemeClr val="accent5"/>
+          </a:effectRef>
+          <a:fontRef idx="minor">
+            <a:schemeClr val="dk1"/>
+          </a:fontRef>
+        </p:style>
+        <p:txBody>
+          <a:bodyPr wrap="none">
+            <a:spAutoFit/>
+          </a:bodyPr>
+          <a:lstStyle/>
+          <a:p>
+            <a:r>
+              <a:rPr lang="fr-FR" dirty="0" smtClean="0"/>
+              <a:t>Cf. </a:t>
+            </a:r>
+            <a:r>
+              <a:rPr lang="fr-FR" dirty="0"/>
+              <a:t>livre « Business Intelligence avec SQL Server 2014 </a:t>
+            </a:r>
+            <a:r>
+              <a:rPr lang="fr-FR" dirty="0" smtClean="0"/>
+              <a:t>»</a:t>
+            </a:r>
+          </a:p>
+          <a:p>
+            <a:r>
+              <a:rPr lang="fr-FR" dirty="0" smtClean="0"/>
+              <a:t>Sébastien </a:t>
+            </a:r>
+            <a:r>
+              <a:rPr lang="fr-FR" dirty="0"/>
+              <a:t>FANTINI - Franck GAVAND </a:t>
+            </a:r>
+            <a:r>
+              <a:rPr lang="fr-FR" dirty="0" smtClean="0"/>
+              <a:t>// Edition ENI</a:t>
+            </a:r>
+            <a:endParaRPr lang="fr-FR" dirty="0"/>
+          </a:p>
+        </p:txBody>
+      </p:sp>
+      <p:sp>
+        <p:nvSpPr>
+          <p:cNvPr id="14" name="ZoneTexte 13"/>
           <p:cNvSpPr txBox="1"/>
           <p:nvPr/>
         </p:nvSpPr>
         <p:spPr>
           <a:xfrm>
-            <a:off x="539552" y="1840036"/>
-            <a:ext cx="2664296" cy="307777"/>
+            <a:off x="443266" y="2271257"/>
+            <a:ext cx="2904598" cy="307777"/>
           </a:xfrm>
           <a:prstGeom prst="rect">
             <a:avLst/>
@@ -4963,7 +5161,7 @@
           <a:p>
             <a:r>
               <a:rPr lang="fr-FR" sz="1400" dirty="0" smtClean="0"/>
-              <a:t>LIEU_PK		</a:t>
+              <a:t>TEMPS_PK		</a:t>
             </a:r>
             <a:r>
               <a:rPr lang="fr-FR" sz="1400" dirty="0" err="1" smtClean="0"/>
@@ -4975,14 +5173,14 @@
       </p:sp>
       <p:sp>
         <p:nvSpPr>
-          <p:cNvPr id="10" name="Rogner un rectangle avec un coin du même côté 9"/>
+          <p:cNvPr id="15" name="Rogner un rectangle avec un coin du même côté 14"/>
           <p:cNvSpPr/>
           <p:nvPr/>
         </p:nvSpPr>
         <p:spPr>
           <a:xfrm>
-            <a:off x="539552" y="1412776"/>
-            <a:ext cx="2664296" cy="360040"/>
+            <a:off x="443266" y="1843044"/>
+            <a:ext cx="2904597" cy="360040"/>
           </a:xfrm>
           <a:prstGeom prst="snip2SameRect">
             <a:avLst>
@@ -5017,7 +5215,7 @@
             <a:pPr algn="ctr"/>
             <a:r>
               <a:rPr lang="fr-FR" sz="1400" b="1" dirty="0" smtClean="0"/>
-              <a:t>DIM_LIEU</a:t>
+              <a:t>DIM_TEMPS</a:t>
             </a:r>
             <a:endParaRPr lang="fr-FR" sz="1400" b="1" dirty="0"/>
           </a:p>
@@ -5025,14 +5223,14 @@
       </p:sp>
       <p:sp>
         <p:nvSpPr>
-          <p:cNvPr id="13" name="ZoneTexte 12"/>
+          <p:cNvPr id="17" name="ZoneTexte 16"/>
           <p:cNvSpPr txBox="1"/>
           <p:nvPr/>
         </p:nvSpPr>
         <p:spPr>
           <a:xfrm>
-            <a:off x="539552" y="2237821"/>
-            <a:ext cx="2664296" cy="1384995"/>
+            <a:off x="443266" y="2631221"/>
+            <a:ext cx="2904598" cy="3754874"/>
           </a:xfrm>
           <a:prstGeom prst="rect">
             <a:avLst/>
@@ -5051,8 +5249,29 @@
           <a:lstStyle/>
           <a:p>
             <a:r>
-              <a:rPr lang="fr-FR" sz="1400" dirty="0"/>
-              <a:t>VILLE_FK		</a:t>
+              <a:rPr lang="fr-FR" sz="1400" dirty="0" smtClean="0"/>
+              <a:t>DATE		date</a:t>
+            </a:r>
+          </a:p>
+          <a:p>
+            <a:r>
+              <a:rPr lang="fr-FR" sz="1400" dirty="0" smtClean="0"/>
+              <a:t>JOUR		</a:t>
+            </a:r>
+            <a:r>
+              <a:rPr lang="fr-FR" sz="1400" dirty="0" err="1"/>
+              <a:t>v</a:t>
+            </a:r>
+            <a:r>
+              <a:rPr lang="fr-FR" sz="1400" dirty="0" err="1" smtClean="0"/>
+              <a:t>archar</a:t>
+            </a:r>
+            <a:endParaRPr lang="fr-FR" sz="1400" dirty="0" smtClean="0"/>
+          </a:p>
+          <a:p>
+            <a:r>
+              <a:rPr lang="fr-FR" sz="1400" dirty="0" smtClean="0"/>
+              <a:t>ANNEE_CODE	</a:t>
             </a:r>
             <a:r>
               <a:rPr lang="fr-FR" sz="1400" dirty="0" err="1" smtClean="0"/>
@@ -5063,59 +5282,167 @@
           <a:p>
             <a:r>
               <a:rPr lang="fr-FR" sz="1400" dirty="0" smtClean="0"/>
-              <a:t>TYPE_LIEU		</a:t>
+              <a:t>ANNEE_DATE	date</a:t>
+            </a:r>
+          </a:p>
+          <a:p>
+            <a:r>
+              <a:rPr lang="fr-FR" sz="1400" dirty="0" smtClean="0"/>
+              <a:t>ANNEE_NOM	</a:t>
+            </a:r>
+            <a:r>
+              <a:rPr lang="fr-FR" sz="1400" dirty="0" err="1"/>
+              <a:t>v</a:t>
             </a:r>
             <a:r>
               <a:rPr lang="fr-FR" sz="1400" dirty="0" err="1" smtClean="0"/>
-              <a:t>varchar</a:t>
+              <a:t>archar</a:t>
+            </a:r>
+            <a:endParaRPr lang="fr-FR" sz="1400" dirty="0" smtClean="0"/>
+          </a:p>
+          <a:p>
+            <a:r>
+              <a:rPr lang="fr-FR" sz="1400" dirty="0" smtClean="0"/>
+              <a:t>TRIMESTRE_CODE	</a:t>
+            </a:r>
+            <a:r>
+              <a:rPr lang="fr-FR" sz="1400" dirty="0" err="1" smtClean="0"/>
+              <a:t>int</a:t>
             </a:r>
             <a:endParaRPr lang="fr-FR" sz="1400" dirty="0"/>
           </a:p>
           <a:p>
             <a:r>
               <a:rPr lang="fr-FR" sz="1400" dirty="0" smtClean="0"/>
-              <a:t>LIBEL_LIEU		</a:t>
+              <a:t>TRIMESTRE_DATE	date</a:t>
+            </a:r>
+            <a:endParaRPr lang="fr-FR" sz="1400" dirty="0"/>
+          </a:p>
+          <a:p>
+            <a:r>
+              <a:rPr lang="fr-FR" sz="1400" dirty="0" smtClean="0"/>
+              <a:t>TRIMESTRE_NOM	</a:t>
+            </a:r>
+            <a:r>
+              <a:rPr lang="fr-FR" sz="1400" dirty="0" err="1"/>
+              <a:t>v</a:t>
             </a:r>
             <a:r>
               <a:rPr lang="fr-FR" sz="1400" dirty="0" err="1" smtClean="0"/>
-              <a:t>varchar</a:t>
+              <a:t>archar</a:t>
             </a:r>
             <a:endParaRPr lang="fr-FR" sz="1400" dirty="0" smtClean="0"/>
           </a:p>
           <a:p>
             <a:r>
               <a:rPr lang="fr-FR" sz="1400" dirty="0" smtClean="0"/>
-              <a:t>DATE_OUVERTURE	date</a:t>
-            </a:r>
+              <a:t>MOIS_CODE		</a:t>
+            </a:r>
+            <a:r>
+              <a:rPr lang="fr-FR" sz="1400" dirty="0" err="1" smtClean="0"/>
+              <a:t>int</a:t>
+            </a:r>
+            <a:endParaRPr lang="fr-FR" sz="1400" dirty="0"/>
           </a:p>
           <a:p>
             <a:r>
               <a:rPr lang="fr-FR" sz="1400" dirty="0" smtClean="0"/>
-              <a:t>DATE_FERMETURE	date</a:t>
-            </a:r>
+              <a:t>MOIS_DATE		date</a:t>
+            </a:r>
+            <a:endParaRPr lang="fr-FR" sz="1400" dirty="0"/>
           </a:p>
           <a:p>
             <a:r>
               <a:rPr lang="fr-FR" sz="1400" dirty="0" smtClean="0"/>
-              <a:t>SURFACE_M2	</a:t>
+              <a:t>MOIS_NOM		</a:t>
+            </a:r>
+            <a:r>
+              <a:rPr lang="fr-FR" sz="1400" dirty="0" err="1"/>
+              <a:t>v</a:t>
             </a:r>
             <a:r>
               <a:rPr lang="fr-FR" sz="1400" dirty="0" err="1" smtClean="0"/>
-              <a:t>numeric</a:t>
+              <a:t>archar</a:t>
+            </a:r>
+            <a:endParaRPr lang="fr-FR" sz="1400" dirty="0" smtClean="0"/>
+          </a:p>
+          <a:p>
+            <a:r>
+              <a:rPr lang="fr-FR" sz="1400" dirty="0" smtClean="0"/>
+              <a:t>SEMAINE_CODE	</a:t>
+            </a:r>
+            <a:r>
+              <a:rPr lang="fr-FR" sz="1400" dirty="0" err="1" smtClean="0"/>
+              <a:t>int</a:t>
             </a:r>
             <a:endParaRPr lang="fr-FR" sz="1400" dirty="0"/>
           </a:p>
-        </p:txBody>
-      </p:sp>
-      <p:sp>
-        <p:nvSpPr>
-          <p:cNvPr id="14" name="Rectangle 13"/>
+          <a:p>
+            <a:r>
+              <a:rPr lang="fr-FR" sz="1400" dirty="0" smtClean="0"/>
+              <a:t>SEMAINE_DATE	date</a:t>
+            </a:r>
+            <a:endParaRPr lang="fr-FR" sz="1400" dirty="0"/>
+          </a:p>
+          <a:p>
+            <a:r>
+              <a:rPr lang="fr-FR" sz="1400" dirty="0" smtClean="0"/>
+              <a:t>SEMAINE_NOM	</a:t>
+            </a:r>
+            <a:r>
+              <a:rPr lang="fr-FR" sz="1400" dirty="0" err="1"/>
+              <a:t>v</a:t>
+            </a:r>
+            <a:r>
+              <a:rPr lang="fr-FR" sz="1400" dirty="0" err="1" smtClean="0"/>
+              <a:t>archar</a:t>
+            </a:r>
+            <a:endParaRPr lang="fr-FR" sz="1400" dirty="0" smtClean="0"/>
+          </a:p>
+          <a:p>
+            <a:r>
+              <a:rPr lang="fr-FR" sz="1400" dirty="0" smtClean="0"/>
+              <a:t>JOUR_CODE		</a:t>
+            </a:r>
+            <a:r>
+              <a:rPr lang="fr-FR" sz="1400" dirty="0" err="1" smtClean="0"/>
+              <a:t>int</a:t>
+            </a:r>
+            <a:endParaRPr lang="fr-FR" sz="1400" dirty="0"/>
+          </a:p>
+          <a:p>
+            <a:r>
+              <a:rPr lang="fr-FR" sz="1400" dirty="0" smtClean="0"/>
+              <a:t>JOUR_DATE		date</a:t>
+            </a:r>
+            <a:endParaRPr lang="fr-FR" sz="1400" dirty="0"/>
+          </a:p>
+          <a:p>
+            <a:r>
+              <a:rPr lang="fr-FR" sz="1400" dirty="0" smtClean="0"/>
+              <a:t>JOUR_NOM		</a:t>
+            </a:r>
+            <a:r>
+              <a:rPr lang="fr-FR" sz="1400" dirty="0" err="1"/>
+              <a:t>v</a:t>
+            </a:r>
+            <a:r>
+              <a:rPr lang="fr-FR" sz="1400" dirty="0" err="1" smtClean="0"/>
+              <a:t>archar</a:t>
+            </a:r>
+            <a:endParaRPr lang="fr-FR" sz="1400" dirty="0"/>
+          </a:p>
+        </p:txBody>
+      </p:sp>
+      <p:sp>
+        <p:nvSpPr>
+          <p:cNvPr id="18" name="Rectangle 17"/>
           <p:cNvSpPr/>
           <p:nvPr/>
         </p:nvSpPr>
         <p:spPr>
           <a:xfrm>
-            <a:off x="3707904" y="1809258"/>
+            <a:off x="3635896" y="2235327"/>
             <a:ext cx="4032448" cy="369332"/>
           </a:xfrm>
           <a:prstGeom prst="rect">
@@ -5149,14 +5476,14 @@
       </p:sp>
       <p:sp>
         <p:nvSpPr>
-          <p:cNvPr id="15" name="Rectangle 14"/>
+          <p:cNvPr id="19" name="Rectangle 18"/>
           <p:cNvSpPr/>
           <p:nvPr/>
         </p:nvSpPr>
         <p:spPr>
           <a:xfrm>
-            <a:off x="3707904" y="2422487"/>
-            <a:ext cx="5326645" cy="369332"/>
+            <a:off x="3635896" y="2646474"/>
+            <a:ext cx="4968552" cy="369332"/>
           </a:xfrm>
           <a:prstGeom prst="rect">
             <a:avLst/>
@@ -5182,225 +5509,74 @@
             </a:r>
             <a:r>
               <a:rPr lang="fr-FR" dirty="0" smtClean="0"/>
-              <a:t> : Données du lieu et FK vers la ville du lieu</a:t>
-            </a:r>
-          </a:p>
-        </p:txBody>
-      </p:sp>
-      <p:sp>
-        <p:nvSpPr>
-          <p:cNvPr id="16" name="ZoneTexte 15"/>
-          <p:cNvSpPr txBox="1"/>
-          <p:nvPr/>
-        </p:nvSpPr>
-        <p:spPr>
-          <a:xfrm>
-            <a:off x="243729" y="4293095"/>
-            <a:ext cx="5431680" cy="2308324"/>
+              <a:t> : Données en trio {Code ; Date ; Nom}</a:t>
+            </a:r>
+          </a:p>
+        </p:txBody>
+      </p:sp>
+      <p:pic>
+        <p:nvPicPr>
+          <p:cNvPr id="5" name="Image 4"/>
+          <p:cNvPicPr>
+            <a:picLocks noChangeAspect="1"/>
+          </p:cNvPicPr>
+          <p:nvPr/>
+        </p:nvPicPr>
+        <p:blipFill rotWithShape="1">
+          <a:blip r:embed="rId3"/>
+          <a:srcRect r="9399"/>
+          <a:stretch/>
+        </p:blipFill>
+        <p:spPr>
+          <a:xfrm>
+            <a:off x="3446010" y="4869160"/>
+            <a:ext cx="5688632" cy="1228465"/>
           </a:xfrm>
           <a:prstGeom prst="rect">
             <a:avLst/>
           </a:prstGeom>
-          <a:noFill/>
-        </p:spPr>
-        <p:txBody>
-          <a:bodyPr wrap="none" rtlCol="0">
+        </p:spPr>
+      </p:pic>
+      <p:sp>
+        <p:nvSpPr>
+          <p:cNvPr id="20" name="Rectangle 19"/>
+          <p:cNvSpPr/>
+          <p:nvPr/>
+        </p:nvSpPr>
+        <p:spPr>
+          <a:xfrm>
+            <a:off x="5119232" y="4449075"/>
+            <a:ext cx="2520280" cy="369332"/>
+          </a:xfrm>
+          <a:prstGeom prst="rect">
+            <a:avLst/>
+          </a:prstGeom>
+        </p:spPr>
+        <p:txBody>
+          <a:bodyPr wrap="square">
             <a:spAutoFit/>
           </a:bodyPr>
           <a:lstStyle/>
           <a:p>
-            <a:r>
-              <a:rPr lang="fr-FR" b="1" dirty="0" smtClean="0"/>
-              <a:t>Exemples</a:t>
-            </a:r>
+            <a:pPr>
+              <a:spcBef>
+                <a:spcPts val="300"/>
+              </a:spcBef>
+              <a:spcAft>
+                <a:spcPts val="300"/>
+              </a:spcAft>
+            </a:pPr>
             <a:r>
               <a:rPr lang="fr-FR" dirty="0" smtClean="0"/>
-              <a:t> </a:t>
-            </a:r>
-            <a:r>
-              <a:rPr lang="fr-FR" b="1" dirty="0" smtClean="0"/>
-              <a:t>de {Type de lieu ; Libellé de lieu} </a:t>
-            </a:r>
-            <a:endParaRPr lang="fr-FR" b="1" dirty="0" smtClean="0"/>
-          </a:p>
-          <a:p>
-            <a:pPr marL="285750" indent="-285750">
-              <a:buFont typeface="Arial" panose="020B0604020202020204" pitchFamily="34" charset="0"/>
-              <a:buChar char="•"/>
-            </a:pPr>
-            <a:r>
-              <a:rPr lang="fr-FR" dirty="0" smtClean="0"/>
-              <a:t>{« R », « Magasin de Talence ZAC (33) »}</a:t>
-            </a:r>
-          </a:p>
-          <a:p>
-            <a:pPr marL="285750" indent="-285750">
-              <a:buFont typeface="Arial" panose="020B0604020202020204" pitchFamily="34" charset="0"/>
-              <a:buChar char="•"/>
-            </a:pPr>
-            <a:r>
-              <a:rPr lang="fr-FR" dirty="0"/>
-              <a:t>{« </a:t>
-            </a:r>
-            <a:r>
-              <a:rPr lang="fr-FR" dirty="0" smtClean="0"/>
-              <a:t>M</a:t>
-            </a:r>
-            <a:r>
-              <a:rPr lang="fr-FR" dirty="0"/>
-              <a:t> », « </a:t>
-            </a:r>
-            <a:r>
-              <a:rPr lang="fr-FR" dirty="0" smtClean="0"/>
-              <a:t>Stock du magasin </a:t>
-            </a:r>
-            <a:r>
-              <a:rPr lang="fr-FR" dirty="0"/>
-              <a:t>de Talence ZAC (33) </a:t>
-            </a:r>
-            <a:r>
-              <a:rPr lang="fr-FR" dirty="0" smtClean="0"/>
-              <a:t>»}</a:t>
-            </a:r>
-          </a:p>
-          <a:p>
-            <a:pPr marL="285750" indent="-285750">
-              <a:buFont typeface="Arial" panose="020B0604020202020204" pitchFamily="34" charset="0"/>
-              <a:buChar char="•"/>
-            </a:pPr>
-            <a:r>
-              <a:rPr lang="fr-FR" dirty="0"/>
-              <a:t>{« </a:t>
-            </a:r>
-            <a:r>
-              <a:rPr lang="fr-FR" dirty="0" smtClean="0"/>
-              <a:t>I</a:t>
-            </a:r>
-            <a:r>
-              <a:rPr lang="fr-FR" dirty="0"/>
-              <a:t> », « </a:t>
-            </a:r>
-            <a:r>
-              <a:rPr lang="fr-FR" dirty="0" smtClean="0"/>
-              <a:t>Site Internet vente au public</a:t>
-            </a:r>
-            <a:r>
-              <a:rPr lang="fr-FR" dirty="0"/>
-              <a:t> </a:t>
-            </a:r>
-            <a:r>
-              <a:rPr lang="fr-FR" dirty="0" smtClean="0"/>
-              <a:t>»}</a:t>
-            </a:r>
-          </a:p>
-          <a:p>
-            <a:pPr marL="285750" indent="-285750">
-              <a:buFont typeface="Arial" panose="020B0604020202020204" pitchFamily="34" charset="0"/>
-              <a:buChar char="•"/>
-            </a:pPr>
-            <a:r>
-              <a:rPr lang="fr-FR" dirty="0"/>
-              <a:t>{« </a:t>
-            </a:r>
-            <a:r>
-              <a:rPr lang="fr-FR" dirty="0" smtClean="0"/>
-              <a:t>S</a:t>
-            </a:r>
-            <a:r>
-              <a:rPr lang="fr-FR" dirty="0"/>
-              <a:t> », « </a:t>
-            </a:r>
-            <a:r>
-              <a:rPr lang="fr-FR" dirty="0" smtClean="0"/>
-              <a:t>Stock pour site </a:t>
-            </a:r>
-            <a:r>
-              <a:rPr lang="fr-FR" dirty="0"/>
-              <a:t>Internet </a:t>
-            </a:r>
-            <a:r>
-              <a:rPr lang="fr-FR" dirty="0" smtClean="0"/>
-              <a:t>à Gradignan (33)</a:t>
-            </a:r>
-            <a:r>
-              <a:rPr lang="fr-FR" dirty="0"/>
-              <a:t> </a:t>
-            </a:r>
-            <a:r>
-              <a:rPr lang="fr-FR" dirty="0" smtClean="0"/>
-              <a:t>»}</a:t>
-            </a:r>
-          </a:p>
-          <a:p>
-            <a:pPr marL="285750" indent="-285750">
-              <a:buFont typeface="Arial" panose="020B0604020202020204" pitchFamily="34" charset="0"/>
-              <a:buChar char="•"/>
-            </a:pPr>
-            <a:r>
-              <a:rPr lang="fr-FR" dirty="0"/>
-              <a:t>{« </a:t>
-            </a:r>
-            <a:r>
-              <a:rPr lang="fr-FR" dirty="0" smtClean="0"/>
-              <a:t>E</a:t>
-            </a:r>
-            <a:r>
-              <a:rPr lang="fr-FR" dirty="0"/>
-              <a:t> », « </a:t>
-            </a:r>
-            <a:r>
-              <a:rPr lang="fr-FR" dirty="0" smtClean="0"/>
-              <a:t>Entrepôt de Gradignan (33) »}</a:t>
-            </a:r>
-          </a:p>
-          <a:p>
-            <a:pPr marL="285750" indent="-285750">
-              <a:buFont typeface="Arial" panose="020B0604020202020204" pitchFamily="34" charset="0"/>
-              <a:buChar char="•"/>
-            </a:pPr>
-            <a:r>
-              <a:rPr lang="fr-FR" dirty="0"/>
-              <a:t>{« </a:t>
-            </a:r>
-            <a:r>
-              <a:rPr lang="fr-FR" dirty="0" smtClean="0"/>
-              <a:t>P</a:t>
-            </a:r>
-            <a:r>
-              <a:rPr lang="fr-FR" dirty="0"/>
-              <a:t> », « </a:t>
-            </a:r>
-            <a:r>
-              <a:rPr lang="fr-FR" dirty="0" smtClean="0"/>
-              <a:t>Plateforme logistique de </a:t>
-            </a:r>
-            <a:r>
-              <a:rPr lang="fr-FR" dirty="0" err="1" smtClean="0"/>
-              <a:t>Fos-sur-mer</a:t>
-            </a:r>
-            <a:r>
-              <a:rPr lang="fr-FR" dirty="0" smtClean="0"/>
-              <a:t> (13</a:t>
-            </a:r>
-            <a:r>
-              <a:rPr lang="fr-FR" dirty="0"/>
-              <a:t>) </a:t>
-            </a:r>
-            <a:r>
-              <a:rPr lang="fr-FR" dirty="0" smtClean="0"/>
-              <a:t>»}</a:t>
-            </a:r>
-            <a:endParaRPr lang="fr-FR" dirty="0"/>
-          </a:p>
-          <a:p>
-            <a:endParaRPr lang="fr-FR" dirty="0"/>
+              <a:t>Exemple pour les mois :</a:t>
+            </a:r>
           </a:p>
         </p:txBody>
       </p:sp>
     </p:spTree>
     <p:extLst>
       <p:ext uri="{BB962C8B-B14F-4D97-AF65-F5344CB8AC3E}">
-        <p14:creationId xmlns:p14="http://schemas.microsoft.com/office/powerpoint/2010/main" val="4266799694"/>
+        <p14:creationId xmlns:p14="http://schemas.microsoft.com/office/powerpoint/2010/main" val="1667709609"/>
       </p:ext>
     </p:extLst>
   </p:cSld>
@@ -5443,7 +5619,7 @@
         <p:spPr>
           <a:xfrm>
             <a:off x="107504" y="107340"/>
-            <a:ext cx="2215158" cy="369332"/>
+            <a:ext cx="2071401" cy="369332"/>
           </a:xfrm>
           <a:prstGeom prst="rect">
             <a:avLst/>
@@ -5471,7 +5647,7 @@
           <a:p>
             <a:r>
               <a:rPr lang="fr-FR" dirty="0" smtClean="0"/>
-              <a:t>Dimension « Clients »</a:t>
+              <a:t>Dimension « Lieux »</a:t>
             </a:r>
             <a:endParaRPr lang="fr-FR" dirty="0"/>
           </a:p>
@@ -5506,7 +5682,7 @@
           <a:p>
             <a:r>
               <a:rPr lang="fr-FR" sz="1400" dirty="0" smtClean="0"/>
-              <a:t>CLIENT_PK		</a:t>
+              <a:t>LIEU_PK		</a:t>
             </a:r>
             <a:r>
               <a:rPr lang="fr-FR" sz="1400" dirty="0" err="1" smtClean="0"/>
@@ -5560,7 +5736,7 @@
             <a:pPr algn="ctr"/>
             <a:r>
               <a:rPr lang="fr-FR" sz="1400" b="1" dirty="0" smtClean="0"/>
-              <a:t>DIM_CLIENT</a:t>
+              <a:t>DIM_LIEU</a:t>
             </a:r>
             <a:endParaRPr lang="fr-FR" sz="1400" b="1" dirty="0"/>
           </a:p>
@@ -5575,7 +5751,7 @@
         <p:spPr>
           <a:xfrm>
             <a:off x="539552" y="2237821"/>
-            <a:ext cx="2664296" cy="1600438"/>
+            <a:ext cx="2664296" cy="1384995"/>
           </a:xfrm>
           <a:prstGeom prst="rect">
             <a:avLst/>
@@ -5594,12 +5770,8 @@
           <a:lstStyle/>
           <a:p>
             <a:r>
-              <a:rPr lang="fr-FR" sz="1400" dirty="0" smtClean="0"/>
-              <a:t>VILLE</a:t>
-            </a:r>
-            <a:r>
-              <a:rPr lang="fr-FR" sz="1400" dirty="0" smtClean="0"/>
-              <a:t>_FK	 	</a:t>
+              <a:rPr lang="fr-FR" sz="1400" dirty="0"/>
+              <a:t>VILLE_FK		</a:t>
             </a:r>
             <a:r>
               <a:rPr lang="fr-FR" sz="1400" dirty="0" err="1" smtClean="0"/>
@@ -5610,56 +5782,45 @@
           <a:p>
             <a:r>
               <a:rPr lang="fr-FR" sz="1400" dirty="0" smtClean="0"/>
-              <a:t>TAUX_REMISE	</a:t>
+              <a:t>TYPE_LIEU		</a:t>
+            </a:r>
+            <a:r>
+              <a:rPr lang="fr-FR" sz="1400" dirty="0" err="1" smtClean="0"/>
+              <a:t>varchar</a:t>
+            </a:r>
+            <a:endParaRPr lang="fr-FR" sz="1400" dirty="0"/>
+          </a:p>
+          <a:p>
+            <a:r>
+              <a:rPr lang="fr-FR" sz="1400" dirty="0" smtClean="0"/>
+              <a:t>LIBEL_LIEU		</a:t>
+            </a:r>
+            <a:r>
+              <a:rPr lang="fr-FR" sz="1400" dirty="0" err="1" smtClean="0"/>
+              <a:t>varchar</a:t>
+            </a:r>
+            <a:endParaRPr lang="fr-FR" sz="1400" dirty="0" smtClean="0"/>
+          </a:p>
+          <a:p>
+            <a:r>
+              <a:rPr lang="fr-FR" sz="1400" dirty="0" smtClean="0"/>
+              <a:t>DATE_OUVERTURE	date</a:t>
+            </a:r>
+          </a:p>
+          <a:p>
+            <a:r>
+              <a:rPr lang="fr-FR" sz="1400" dirty="0" smtClean="0"/>
+              <a:t>DATE_FERMETURE	date</a:t>
+            </a:r>
+          </a:p>
+          <a:p>
+            <a:r>
+              <a:rPr lang="fr-FR" sz="1400" dirty="0" smtClean="0"/>
+              <a:t>SURFACE_M2	</a:t>
             </a:r>
             <a:r>
               <a:rPr lang="fr-FR" sz="1400" dirty="0" err="1" smtClean="0"/>
               <a:t>numeric</a:t>
-            </a:r>
-            <a:endParaRPr lang="fr-FR" sz="1400" dirty="0"/>
-          </a:p>
-          <a:p>
-            <a:r>
-              <a:rPr lang="fr-FR" sz="1400" dirty="0" smtClean="0"/>
-              <a:t>TYPE_CLIENT	</a:t>
-            </a:r>
-            <a:r>
-              <a:rPr lang="fr-FR" sz="1400" dirty="0" err="1" smtClean="0"/>
-              <a:t>varchar</a:t>
-            </a:r>
-            <a:endParaRPr lang="fr-FR" sz="1400" dirty="0" smtClean="0"/>
-          </a:p>
-          <a:p>
-            <a:r>
-              <a:rPr lang="fr-FR" sz="1400" dirty="0" smtClean="0"/>
-              <a:t>NOM_CLIENT	</a:t>
-            </a:r>
-            <a:r>
-              <a:rPr lang="fr-FR" sz="1400" dirty="0" err="1" smtClean="0"/>
-              <a:t>varchar</a:t>
-            </a:r>
-            <a:endParaRPr lang="fr-FR" sz="1400" dirty="0" smtClean="0"/>
-          </a:p>
-          <a:p>
-            <a:r>
-              <a:rPr lang="fr-FR" sz="1400" dirty="0" smtClean="0"/>
-              <a:t>DATE_NAISSANCE	date</a:t>
-            </a:r>
-          </a:p>
-          <a:p>
-            <a:r>
-              <a:rPr lang="fr-FR" sz="1400" dirty="0" smtClean="0"/>
-              <a:t>DATE_SOUSCRIPTION	date</a:t>
-            </a:r>
-          </a:p>
-          <a:p>
-            <a:r>
-              <a:rPr lang="fr-FR" sz="1400" dirty="0" smtClean="0"/>
-              <a:t>CODE_FIDELITE	</a:t>
-            </a:r>
-            <a:r>
-              <a:rPr lang="fr-FR" sz="1400" dirty="0" err="1" smtClean="0"/>
-              <a:t>varchar</a:t>
             </a:r>
             <a:endParaRPr lang="fr-FR" sz="1400" dirty="0"/>
           </a:p>
@@ -5713,7 +5874,7 @@
         </p:nvSpPr>
         <p:spPr>
           <a:xfrm>
-            <a:off x="3707904" y="2213979"/>
+            <a:off x="3707904" y="2422487"/>
             <a:ext cx="5326645" cy="369332"/>
           </a:xfrm>
           <a:prstGeom prst="rect">
@@ -5740,7 +5901,7 @@
             </a:r>
             <a:r>
               <a:rPr lang="fr-FR" dirty="0" smtClean="0"/>
-              <a:t> : Données du client et FK vers la ville du client</a:t>
+              <a:t> : Données du lieu et FK vers la ville du lieu</a:t>
             </a:r>
           </a:p>
         </p:txBody>
@@ -5753,8 +5914,8 @@
         </p:nvSpPr>
         <p:spPr>
           <a:xfrm>
-            <a:off x="467544" y="4797152"/>
-            <a:ext cx="5487271" cy="923330"/>
+            <a:off x="243729" y="4293095"/>
+            <a:ext cx="5431680" cy="2308324"/>
           </a:xfrm>
           <a:prstGeom prst="rect">
             <a:avLst/>
@@ -5769,13 +5930,16 @@
           <a:p>
             <a:r>
               <a:rPr lang="fr-FR" b="1" dirty="0" smtClean="0"/>
-              <a:t>Exemples de {Nom client ; Type client ; Taux de remise}</a:t>
+              <a:t>Exemples</a:t>
             </a:r>
             <a:r>
               <a:rPr lang="fr-FR" dirty="0" smtClean="0"/>
               <a:t> </a:t>
             </a:r>
-            <a:endParaRPr lang="fr-FR" dirty="0" smtClean="0"/>
+            <a:r>
+              <a:rPr lang="fr-FR" b="1" dirty="0" smtClean="0"/>
+              <a:t>de {Type de lieu ; Libellé de lieu} </a:t>
+            </a:r>
           </a:p>
           <a:p>
             <a:pPr marL="285750" indent="-285750">
@@ -5784,27 +5948,7 @@
             </a:pPr>
             <a:r>
               <a:rPr lang="fr-FR" dirty="0" smtClean="0"/>
-              <a:t>{« Client anonyme »,« </a:t>
-            </a:r>
-            <a:r>
-              <a:rPr lang="fr-FR" dirty="0"/>
-              <a:t>A </a:t>
-            </a:r>
-            <a:r>
-              <a:rPr lang="fr-FR" dirty="0" smtClean="0"/>
-              <a:t>», «</a:t>
-            </a:r>
-            <a:r>
-              <a:rPr lang="fr-FR" dirty="0" smtClean="0"/>
-              <a:t> 0%</a:t>
-            </a:r>
-            <a:r>
-              <a:rPr lang="fr-FR" dirty="0"/>
-              <a:t> </a:t>
-            </a:r>
-            <a:r>
-              <a:rPr lang="fr-FR" dirty="0" smtClean="0"/>
-              <a:t>»}</a:t>
+              <a:t>{« R », « Magasin de Talence ZAC (33) »}</a:t>
             </a:r>
           </a:p>
           <a:p>
@@ -5814,15 +5958,67 @@
             </a:pPr>
             <a:r>
               <a:rPr lang="fr-FR" dirty="0"/>
-              <a:t>{« </a:t>
+              <a:t>{« </a:t>
             </a:r>
             <a:r>
               <a:rPr lang="fr-FR" dirty="0" smtClean="0"/>
-              <a:t>Mon Jardin SARL</a:t>
+              <a:t>M</a:t>
             </a:r>
             <a:r>
               <a:rPr lang="fr-FR" dirty="0"/>
-              <a:t> »,« </a:t>
+              <a:t> », « </a:t>
+            </a:r>
+            <a:r>
+              <a:rPr lang="fr-FR" dirty="0" smtClean="0"/>
+              <a:t>Stock du magasin </a:t>
+            </a:r>
+            <a:r>
+              <a:rPr lang="fr-FR" dirty="0"/>
+              <a:t>de Talence ZAC (33) </a:t>
+            </a:r>
+            <a:r>
+              <a:rPr lang="fr-FR" dirty="0" smtClean="0"/>
+              <a:t>»}</a:t>
+            </a:r>
+          </a:p>
+          <a:p>
+            <a:pPr marL="285750" indent="-285750">
+              <a:buFont typeface="Arial" panose="020B0604020202020204" pitchFamily="34" charset="0"/>
+              <a:buChar char="•"/>
+            </a:pPr>
+            <a:r>
+              <a:rPr lang="fr-FR" dirty="0"/>
+              <a:t>{« </a:t>
+            </a:r>
+            <a:r>
+              <a:rPr lang="fr-FR" dirty="0" smtClean="0"/>
+              <a:t>I</a:t>
+            </a:r>
+            <a:r>
+              <a:rPr lang="fr-FR" dirty="0"/>
+              <a:t> », « </a:t>
+            </a:r>
+            <a:r>
+              <a:rPr lang="fr-FR" dirty="0" smtClean="0"/>
+              <a:t>Site Internet vente au public</a:t>
+            </a:r>
+            <a:r>
+              <a:rPr lang="fr-FR" dirty="0"/>
+              <a:t> </a:t>
+            </a:r>
+            <a:r>
+              <a:rPr lang="fr-FR" dirty="0" smtClean="0"/>
+              <a:t>»}</a:t>
+            </a:r>
+          </a:p>
+          <a:p>
+            <a:pPr marL="285750" indent="-285750">
+              <a:buFont typeface="Arial" panose="020B0604020202020204" pitchFamily="34" charset="0"/>
+              <a:buChar char="•"/>
+            </a:pPr>
+            <a:r>
+              <a:rPr lang="fr-FR" dirty="0"/>
+              <a:t>{« </a:t>
             </a:r>
             <a:r>
               <a:rPr lang="fr-FR" dirty="0" smtClean="0"/>
@@ -5830,11 +6026,19 @@
             </a:r>
             <a:r>
               <a:rPr lang="fr-FR" dirty="0"/>
-              <a:t> </a:t>
+              <a:t> », « </a:t>
             </a:r>
             <a:r>
               <a:rPr lang="fr-FR" dirty="0" smtClean="0"/>
-              <a:t>», «</a:t>
+              <a:t>Stock pour site </a:t>
+            </a:r>
+            <a:r>
+              <a:rPr lang="fr-FR" dirty="0"/>
+              <a:t>Internet </a:t>
+            </a:r>
+            <a:r>
+              <a:rPr lang="fr-FR" dirty="0" smtClean="0"/>
+              <a:t>à Gradignan (33)</a:t>
             </a:r>
             <a:r>
               <a:rPr lang="fr-FR" dirty="0"/>
@@ -5842,19 +6046,79 @@
             </a:r>
             <a:r>
               <a:rPr lang="fr-FR" dirty="0" smtClean="0"/>
-              <a:t>5%</a:t>
-            </a:r>
+              <a:t>»}</a:t>
+            </a:r>
+          </a:p>
+          <a:p>
+            <a:pPr marL="285750" indent="-285750">
+              <a:buFont typeface="Arial" panose="020B0604020202020204" pitchFamily="34" charset="0"/>
+              <a:buChar char="•"/>
+            </a:pPr>
             <a:r>
               <a:rPr lang="fr-FR" dirty="0"/>
-              <a:t> »}</a:t>
-            </a:r>
+              <a:t>{« </a:t>
+            </a:r>
+            <a:r>
+              <a:rPr lang="fr-FR" dirty="0" smtClean="0"/>
+              <a:t>E</a:t>
+            </a:r>
+            <a:r>
+              <a:rPr lang="fr-FR" dirty="0"/>
+              <a:t> », « </a:t>
+            </a:r>
+            <a:r>
+              <a:rPr lang="fr-FR" dirty="0" smtClean="0"/>
+              <a:t>Entrepôt de Gradignan (33) »}</a:t>
+            </a:r>
+          </a:p>
+          <a:p>
+            <a:pPr marL="285750" indent="-285750">
+              <a:buFont typeface="Arial" panose="020B0604020202020204" pitchFamily="34" charset="0"/>
+              <a:buChar char="•"/>
+            </a:pPr>
+            <a:r>
+              <a:rPr lang="fr-FR" dirty="0"/>
+              <a:t>{« </a:t>
+            </a:r>
+            <a:r>
+              <a:rPr lang="fr-FR" dirty="0" smtClean="0"/>
+              <a:t>P</a:t>
+            </a:r>
+            <a:r>
+              <a:rPr lang="fr-FR" dirty="0"/>
+              <a:t> », « </a:t>
+            </a:r>
+            <a:r>
+              <a:rPr lang="fr-FR" dirty="0" smtClean="0"/>
+              <a:t>Plateforme logistique de </a:t>
+            </a:r>
+            <a:r>
+              <a:rPr lang="fr-FR" dirty="0" err="1" smtClean="0"/>
+              <a:t>Fos-sur-mer</a:t>
+            </a:r>
+            <a:r>
+              <a:rPr lang="fr-FR" dirty="0" smtClean="0"/>
+              <a:t> (13</a:t>
+            </a:r>
+            <a:r>
+              <a:rPr lang="fr-FR" dirty="0"/>
+              <a:t>) </a:t>
+            </a:r>
+            <a:r>
+              <a:rPr lang="fr-FR" dirty="0" smtClean="0"/>
+              <a:t>»}</a:t>
+            </a:r>
+            <a:endParaRPr lang="fr-FR" dirty="0"/>
+          </a:p>
+          <a:p>
+            <a:endParaRPr lang="fr-FR" dirty="0"/>
           </a:p>
         </p:txBody>
       </p:sp>
     </p:spTree>
     <p:extLst>
       <p:ext uri="{BB962C8B-B14F-4D97-AF65-F5344CB8AC3E}">
-        <p14:creationId xmlns:p14="http://schemas.microsoft.com/office/powerpoint/2010/main" val="565715729"/>
+        <p14:creationId xmlns:p14="http://schemas.microsoft.com/office/powerpoint/2010/main" val="4266799694"/>
       </p:ext>
     </p:extLst>
   </p:cSld>
@@ -5897,7 +6161,7 @@
         <p:spPr>
           <a:xfrm>
             <a:off x="107504" y="107340"/>
-            <a:ext cx="2079415" cy="369332"/>
+            <a:ext cx="2215158" cy="369332"/>
           </a:xfrm>
           <a:prstGeom prst="rect">
             <a:avLst/>
@@ -5925,7 +6189,7 @@
           <a:p>
             <a:r>
               <a:rPr lang="fr-FR" dirty="0" smtClean="0"/>
-              <a:t>Dimension « Villes »</a:t>
+              <a:t>Dimension « Clients »</a:t>
             </a:r>
             <a:endParaRPr lang="fr-FR" dirty="0"/>
           </a:p>
@@ -5933,7 +6197,7 @@
       </p:sp>
       <p:sp>
         <p:nvSpPr>
-          <p:cNvPr id="10" name="ZoneTexte 9"/>
+          <p:cNvPr id="9" name="ZoneTexte 8"/>
           <p:cNvSpPr txBox="1"/>
           <p:nvPr/>
         </p:nvSpPr>
@@ -5960,7 +6224,7 @@
           <a:p>
             <a:r>
               <a:rPr lang="fr-FR" sz="1400" dirty="0" smtClean="0"/>
-              <a:t>VILLE_PK	</a:t>
+              <a:t>CLIENT_PK		</a:t>
             </a:r>
             <a:r>
               <a:rPr lang="fr-FR" sz="1400" dirty="0" err="1" smtClean="0"/>
@@ -5972,7 +6236,7 @@
       </p:sp>
       <p:sp>
         <p:nvSpPr>
-          <p:cNvPr id="13" name="Rogner un rectangle avec un coin du même côté 12"/>
+          <p:cNvPr id="10" name="Rogner un rectangle avec un coin du même côté 9"/>
           <p:cNvSpPr/>
           <p:nvPr/>
         </p:nvSpPr>
@@ -6014,7 +6278,7 @@
             <a:pPr algn="ctr"/>
             <a:r>
               <a:rPr lang="fr-FR" sz="1400" b="1" dirty="0" smtClean="0"/>
-              <a:t>DIM_VILLE</a:t>
+              <a:t>DIM_CLIENT</a:t>
             </a:r>
             <a:endParaRPr lang="fr-FR" sz="1400" b="1" dirty="0"/>
           </a:p>
@@ -6022,14 +6286,14 @@
       </p:sp>
       <p:sp>
         <p:nvSpPr>
-          <p:cNvPr id="14" name="ZoneTexte 13"/>
+          <p:cNvPr id="13" name="ZoneTexte 12"/>
           <p:cNvSpPr txBox="1"/>
           <p:nvPr/>
         </p:nvSpPr>
         <p:spPr>
           <a:xfrm>
             <a:off x="539552" y="2237821"/>
-            <a:ext cx="2664296" cy="954107"/>
+            <a:ext cx="2664296" cy="1600438"/>
           </a:xfrm>
           <a:prstGeom prst="rect">
             <a:avLst/>
@@ -6049,18 +6313,40 @@
           <a:p>
             <a:r>
               <a:rPr lang="fr-FR" sz="1400" dirty="0" smtClean="0"/>
-              <a:t>CODE_POSTAL	</a:t>
+              <a:t>VILLE_FK	 	</a:t>
+            </a:r>
+            <a:r>
+              <a:rPr lang="fr-FR" sz="1400" dirty="0" err="1" smtClean="0"/>
+              <a:t>int</a:t>
+            </a:r>
+            <a:endParaRPr lang="fr-FR" sz="1400" dirty="0" smtClean="0"/>
+          </a:p>
+          <a:p>
+            <a:r>
+              <a:rPr lang="fr-FR" sz="1400" dirty="0" smtClean="0"/>
+              <a:t>TAUX_REMISE	</a:t>
+            </a:r>
+            <a:r>
+              <a:rPr lang="fr-FR" sz="1400" dirty="0" err="1" smtClean="0"/>
+              <a:t>numeric</a:t>
+            </a:r>
+            <a:endParaRPr lang="fr-FR" sz="1400" dirty="0"/>
+          </a:p>
+          <a:p>
+            <a:r>
+              <a:rPr lang="fr-FR" sz="1400" dirty="0" smtClean="0"/>
+              <a:t>TYPE_CLIENT	</a:t>
             </a:r>
             <a:r>
               <a:rPr lang="fr-FR" sz="1400" dirty="0" err="1" smtClean="0"/>
               <a:t>varchar</a:t>
             </a:r>
-            <a:endParaRPr lang="fr-FR" sz="1400" dirty="0"/>
+            <a:endParaRPr lang="fr-FR" sz="1400" dirty="0" smtClean="0"/>
           </a:p>
           <a:p>
             <a:r>
               <a:rPr lang="fr-FR" sz="1400" dirty="0" smtClean="0"/>
-              <a:t>NOM_VILLE		</a:t>
+              <a:t>NOM_CLIENT	</a:t>
             </a:r>
             <a:r>
               <a:rPr lang="fr-FR" sz="1400" dirty="0" err="1" smtClean="0"/>
@@ -6071,30 +6357,31 @@
           <a:p>
             <a:r>
               <a:rPr lang="fr-FR" sz="1400" dirty="0" smtClean="0"/>
-              <a:t>DEPARTEMENT	</a:t>
+              <a:t>DATE_NAISSANCE	date</a:t>
+            </a:r>
+          </a:p>
+          <a:p>
+            <a:r>
+              <a:rPr lang="fr-FR" sz="1400" dirty="0" smtClean="0"/>
+              <a:t>DATE_SOUSCRIPTION	date</a:t>
+            </a:r>
+          </a:p>
+          <a:p>
+            <a:r>
+              <a:rPr lang="fr-FR" sz="1400" dirty="0" smtClean="0"/>
+              <a:t>CODE_FIDELITE	</a:t>
             </a:r>
             <a:r>
               <a:rPr lang="fr-FR" sz="1400" dirty="0" err="1" smtClean="0"/>
               <a:t>varchar</a:t>
             </a:r>
-            <a:endParaRPr lang="fr-FR" sz="1400" dirty="0" smtClean="0"/>
-          </a:p>
-          <a:p>
-            <a:r>
-              <a:rPr lang="fr-FR" sz="1400" dirty="0" smtClean="0"/>
-              <a:t>REGION		</a:t>
-            </a:r>
-            <a:r>
-              <a:rPr lang="fr-FR" sz="1400" dirty="0" err="1" smtClean="0"/>
-              <a:t>varchar</a:t>
-            </a:r>
-            <a:endParaRPr lang="fr-FR" sz="1400" dirty="0" smtClean="0"/>
-          </a:p>
-        </p:txBody>
-      </p:sp>
-      <p:sp>
-        <p:nvSpPr>
-          <p:cNvPr id="15" name="Rectangle 14"/>
+            <a:endParaRPr lang="fr-FR" sz="1400" dirty="0"/>
+          </a:p>
+        </p:txBody>
+      </p:sp>
+      <p:sp>
+        <p:nvSpPr>
+          <p:cNvPr id="14" name="Rectangle 13"/>
           <p:cNvSpPr/>
           <p:nvPr/>
         </p:nvSpPr>
@@ -6134,7 +6421,7 @@
       </p:sp>
       <p:sp>
         <p:nvSpPr>
-          <p:cNvPr id="16" name="Rectangle 15"/>
+          <p:cNvPr id="15" name="Rectangle 14"/>
           <p:cNvSpPr/>
           <p:nvPr/>
         </p:nvSpPr>
@@ -6167,21 +6454,21 @@
             </a:r>
             <a:r>
               <a:rPr lang="fr-FR" dirty="0" smtClean="0"/>
-              <a:t> : Données de la ville</a:t>
-            </a:r>
-          </a:p>
-        </p:txBody>
-      </p:sp>
-      <p:sp>
-        <p:nvSpPr>
-          <p:cNvPr id="17" name="ZoneTexte 16"/>
+              <a:t> : Données du client et FK vers la ville du client</a:t>
+            </a:r>
+          </a:p>
+        </p:txBody>
+      </p:sp>
+      <p:sp>
+        <p:nvSpPr>
+          <p:cNvPr id="16" name="ZoneTexte 15"/>
           <p:cNvSpPr txBox="1"/>
           <p:nvPr/>
         </p:nvSpPr>
         <p:spPr>
           <a:xfrm>
-            <a:off x="899592" y="4581128"/>
-            <a:ext cx="3816366" cy="1200329"/>
+            <a:off x="467544" y="4797152"/>
+            <a:ext cx="5487271" cy="923330"/>
           </a:xfrm>
           <a:prstGeom prst="rect">
             <a:avLst/>
@@ -6196,13 +6483,434 @@
           <a:p>
             <a:r>
               <a:rPr lang="fr-FR" b="1" dirty="0" smtClean="0"/>
-              <a:t>Exemples de {Code postal ; Nom ville}</a:t>
+              <a:t>Exemples de {Nom client ; Type client ; Taux de remise}</a:t>
             </a:r>
             <a:r>
               <a:rPr lang="fr-FR" dirty="0" smtClean="0"/>
               <a:t> </a:t>
             </a:r>
-            <a:endParaRPr lang="fr-FR" dirty="0" smtClean="0"/>
+          </a:p>
+          <a:p>
+            <a:pPr marL="285750" indent="-285750">
+              <a:buFont typeface="Arial" panose="020B0604020202020204" pitchFamily="34" charset="0"/>
+              <a:buChar char="•"/>
+            </a:pPr>
+            <a:r>
+              <a:rPr lang="fr-FR" dirty="0" smtClean="0"/>
+              <a:t>{« Client anonyme »,« </a:t>
+            </a:r>
+            <a:r>
+              <a:rPr lang="fr-FR" dirty="0"/>
+              <a:t>A </a:t>
+            </a:r>
+            <a:r>
+              <a:rPr lang="fr-FR" dirty="0" smtClean="0"/>
+              <a:t>», « 0%</a:t>
+            </a:r>
+            <a:r>
+              <a:rPr lang="fr-FR" dirty="0"/>
+              <a:t> </a:t>
+            </a:r>
+            <a:r>
+              <a:rPr lang="fr-FR" dirty="0" smtClean="0"/>
+              <a:t>»}</a:t>
+            </a:r>
+          </a:p>
+          <a:p>
+            <a:pPr marL="285750" indent="-285750">
+              <a:buFont typeface="Arial" panose="020B0604020202020204" pitchFamily="34" charset="0"/>
+              <a:buChar char="•"/>
+            </a:pPr>
+            <a:r>
+              <a:rPr lang="fr-FR" dirty="0"/>
+              <a:t>{« </a:t>
+            </a:r>
+            <a:r>
+              <a:rPr lang="fr-FR" dirty="0" smtClean="0"/>
+              <a:t>Mon Jardin SARL</a:t>
+            </a:r>
+            <a:r>
+              <a:rPr lang="fr-FR" dirty="0"/>
+              <a:t> »,« </a:t>
+            </a:r>
+            <a:r>
+              <a:rPr lang="fr-FR" dirty="0" smtClean="0"/>
+              <a:t>S</a:t>
+            </a:r>
+            <a:r>
+              <a:rPr lang="fr-FR" dirty="0"/>
+              <a:t> </a:t>
+            </a:r>
+            <a:r>
+              <a:rPr lang="fr-FR" dirty="0" smtClean="0"/>
+              <a:t>», «</a:t>
+            </a:r>
+            <a:r>
+              <a:rPr lang="fr-FR" dirty="0"/>
+              <a:t> </a:t>
+            </a:r>
+            <a:r>
+              <a:rPr lang="fr-FR" dirty="0" smtClean="0"/>
+              <a:t>5%</a:t>
+            </a:r>
+            <a:r>
+              <a:rPr lang="fr-FR" dirty="0"/>
+              <a:t> »}</a:t>
+            </a:r>
+          </a:p>
+        </p:txBody>
+      </p:sp>
+    </p:spTree>
+    <p:extLst>
+      <p:ext uri="{BB962C8B-B14F-4D97-AF65-F5344CB8AC3E}">
+        <p14:creationId xmlns:p14="http://schemas.microsoft.com/office/powerpoint/2010/main" val="565715729"/>
+      </p:ext>
+    </p:extLst>
+  </p:cSld>
+  <p:clrMapOvr>
+    <a:masterClrMapping/>
+  </p:clrMapOvr>
+  <p:timing>
+    <p:tnLst>
+      <p:par>
+        <p:cTn id="1" dur="indefinite" restart="never" nodeType="tmRoot"/>
+      </p:par>
+    </p:tnLst>
+  </p:timing>
+</p:sld>
+</file>
+
+<file path=ppt/slides/slide13.xml><?xml version="1.0" encoding="utf-8"?>
+<p:sld xmlns:a="http://schemas.openxmlformats.org/drawingml/2006/main" xmlns:r="http://schemas.openxmlformats.org/officeDocument/2006/relationships" xmlns:p="http://schemas.openxmlformats.org/presentationml/2006/main">
+  <p:cSld>
+    <p:spTree>
+      <p:nvGrpSpPr>
+        <p:cNvPr id="1" name=""/>
+        <p:cNvGrpSpPr/>
+        <p:nvPr/>
+      </p:nvGrpSpPr>
+      <p:grpSpPr>
+        <a:xfrm>
+          <a:off x="0" y="0"/>
+          <a:ext cx="0" cy="0"/>
+          <a:chOff x="0" y="0"/>
+          <a:chExt cx="0" cy="0"/>
+        </a:xfrm>
+      </p:grpSpPr>
+      <p:sp>
+        <p:nvSpPr>
+          <p:cNvPr id="3" name="ZoneTexte 2"/>
+          <p:cNvSpPr txBox="1"/>
+          <p:nvPr/>
+        </p:nvSpPr>
+        <p:spPr>
+          <a:xfrm>
+            <a:off x="107504" y="107340"/>
+            <a:ext cx="2079415" cy="369332"/>
+          </a:xfrm>
+          <a:prstGeom prst="rect">
+            <a:avLst/>
+          </a:prstGeom>
+        </p:spPr>
+        <p:style>
+          <a:lnRef idx="0">
+            <a:schemeClr val="accent1"/>
+          </a:lnRef>
+          <a:fillRef idx="3">
+            <a:schemeClr val="accent1"/>
+          </a:fillRef>
+          <a:effectRef idx="3">
+            <a:schemeClr val="accent1"/>
+          </a:effectRef>
+          <a:fontRef idx="minor">
+            <a:schemeClr val="lt1"/>
+          </a:fontRef>
+        </p:style>
+        <p:txBody>
+          <a:bodyPr wrap="none" rtlCol="0">
+            <a:spAutoFit/>
+          </a:bodyPr>
+          <a:lstStyle/>
+          <a:p>
+            <a:r>
+              <a:rPr lang="fr-FR" dirty="0" smtClean="0"/>
+              <a:t>Dimension « Villes »</a:t>
+            </a:r>
+            <a:endParaRPr lang="fr-FR" dirty="0"/>
+          </a:p>
+        </p:txBody>
+      </p:sp>
+      <p:sp>
+        <p:nvSpPr>
+          <p:cNvPr id="10" name="ZoneTexte 9"/>
+          <p:cNvSpPr txBox="1"/>
+          <p:nvPr/>
+        </p:nvSpPr>
+        <p:spPr>
+          <a:xfrm>
+            <a:off x="539552" y="1840036"/>
+            <a:ext cx="2664296" cy="307777"/>
+          </a:xfrm>
+          <a:prstGeom prst="rect">
+            <a:avLst/>
+          </a:prstGeom>
+          <a:solidFill>
+            <a:schemeClr val="tx2">
+              <a:lumMod val="20000"/>
+              <a:lumOff val="80000"/>
+            </a:schemeClr>
+          </a:solidFill>
+        </p:spPr>
+        <p:txBody>
+          <a:bodyPr wrap="square" rtlCol="0">
+            <a:spAutoFit/>
+          </a:bodyPr>
+          <a:lstStyle/>
+          <a:p>
+            <a:r>
+              <a:rPr lang="fr-FR" sz="1400" dirty="0" smtClean="0"/>
+              <a:t>VILLE_PK	</a:t>
+            </a:r>
+            <a:r>
+              <a:rPr lang="fr-FR" sz="1400" dirty="0" err="1" smtClean="0"/>
+              <a:t>int</a:t>
+            </a:r>
+            <a:endParaRPr lang="fr-FR" sz="1400" dirty="0" smtClean="0"/>
+          </a:p>
+        </p:txBody>
+      </p:sp>
+      <p:sp>
+        <p:nvSpPr>
+          <p:cNvPr id="13" name="Rogner un rectangle avec un coin du même côté 12"/>
+          <p:cNvSpPr/>
+          <p:nvPr/>
+        </p:nvSpPr>
+        <p:spPr>
+          <a:xfrm>
+            <a:off x="539552" y="1412776"/>
+            <a:ext cx="2664296" cy="360040"/>
+          </a:xfrm>
+          <a:prstGeom prst="snip2SameRect">
+            <a:avLst>
+              <a:gd name="adj1" fmla="val 0"/>
+              <a:gd name="adj2" fmla="val 0"/>
+            </a:avLst>
+          </a:prstGeom>
+          <a:ln>
+            <a:noFill/>
+          </a:ln>
+        </p:spPr>
+        <p:style>
+          <a:lnRef idx="2">
+            <a:schemeClr val="accent1">
+              <a:shade val="50000"/>
+            </a:schemeClr>
+          </a:lnRef>
+          <a:fillRef idx="1">
+            <a:schemeClr val="accent1"/>
+          </a:fillRef>
+          <a:effectRef idx="0">
+            <a:schemeClr val="accent1"/>
+          </a:effectRef>
+          <a:fontRef idx="minor">
+            <a:schemeClr val="lt1"/>
+          </a:fontRef>
+        </p:style>
+        <p:txBody>
+          <a:bodyPr rtlCol="0" anchor="ctr"/>
+          <a:lstStyle/>
+          <a:p>
+            <a:pPr algn="ctr"/>
+            <a:r>
+              <a:rPr lang="fr-FR" sz="1400" b="1" dirty="0" smtClean="0"/>
+              <a:t>DIM_VILLE</a:t>
+            </a:r>
+            <a:endParaRPr lang="fr-FR" sz="1400" b="1" dirty="0"/>
+          </a:p>
+        </p:txBody>
+      </p:sp>
+      <p:sp>
+        <p:nvSpPr>
+          <p:cNvPr id="14" name="ZoneTexte 13"/>
+          <p:cNvSpPr txBox="1"/>
+          <p:nvPr/>
+        </p:nvSpPr>
+        <p:spPr>
+          <a:xfrm>
+            <a:off x="539552" y="2237821"/>
+            <a:ext cx="2664296" cy="954107"/>
+          </a:xfrm>
+          <a:prstGeom prst="rect">
+            <a:avLst/>
+          </a:prstGeom>
+          <a:solidFill>
+            <a:schemeClr val="tx2">
+              <a:lumMod val="20000"/>
+              <a:lumOff val="80000"/>
+            </a:schemeClr>
+          </a:solidFill>
+        </p:spPr>
+        <p:txBody>
+          <a:bodyPr wrap="square" rtlCol="0">
+            <a:spAutoFit/>
+          </a:bodyPr>
+          <a:lstStyle/>
+          <a:p>
+            <a:r>
+              <a:rPr lang="fr-FR" sz="1400" dirty="0" smtClean="0"/>
+              <a:t>CODE_POSTAL	</a:t>
+            </a:r>
+            <a:r>
+              <a:rPr lang="fr-FR" sz="1400" dirty="0" err="1" smtClean="0"/>
+              <a:t>varchar</a:t>
+            </a:r>
+            <a:endParaRPr lang="fr-FR" sz="1400" dirty="0"/>
+          </a:p>
+          <a:p>
+            <a:r>
+              <a:rPr lang="fr-FR" sz="1400" dirty="0" smtClean="0"/>
+              <a:t>NOM_VILLE		</a:t>
+            </a:r>
+            <a:r>
+              <a:rPr lang="fr-FR" sz="1400" dirty="0" err="1" smtClean="0"/>
+              <a:t>varchar</a:t>
+            </a:r>
+            <a:endParaRPr lang="fr-FR" sz="1400" dirty="0" smtClean="0"/>
+          </a:p>
+          <a:p>
+            <a:r>
+              <a:rPr lang="fr-FR" sz="1400" dirty="0" smtClean="0"/>
+              <a:t>DEPARTEMENT	</a:t>
+            </a:r>
+            <a:r>
+              <a:rPr lang="fr-FR" sz="1400" dirty="0" err="1" smtClean="0"/>
+              <a:t>varchar</a:t>
+            </a:r>
+            <a:endParaRPr lang="fr-FR" sz="1400" dirty="0" smtClean="0"/>
+          </a:p>
+          <a:p>
+            <a:r>
+              <a:rPr lang="fr-FR" sz="1400" dirty="0" smtClean="0"/>
+              <a:t>REGION		</a:t>
+            </a:r>
+            <a:r>
+              <a:rPr lang="fr-FR" sz="1400" dirty="0" err="1" smtClean="0"/>
+              <a:t>varchar</a:t>
+            </a:r>
+            <a:endParaRPr lang="fr-FR" sz="1400" dirty="0" smtClean="0"/>
+          </a:p>
+        </p:txBody>
+      </p:sp>
+      <p:sp>
+        <p:nvSpPr>
+          <p:cNvPr id="15" name="Rectangle 14"/>
+          <p:cNvSpPr/>
+          <p:nvPr/>
+        </p:nvSpPr>
+        <p:spPr>
+          <a:xfrm>
+            <a:off x="3707904" y="1809258"/>
+            <a:ext cx="4032448" cy="369332"/>
+          </a:xfrm>
+          <a:prstGeom prst="rect">
+            <a:avLst/>
+          </a:prstGeom>
+        </p:spPr>
+        <p:txBody>
+          <a:bodyPr wrap="square">
+            <a:spAutoFit/>
+          </a:bodyPr>
+          <a:lstStyle/>
+          <a:p>
+            <a:pPr>
+              <a:spcBef>
+                <a:spcPts val="300"/>
+              </a:spcBef>
+              <a:spcAft>
+                <a:spcPts val="300"/>
+              </a:spcAft>
+            </a:pPr>
+            <a:r>
+              <a:rPr lang="fr-FR" b="1" dirty="0" smtClean="0"/>
+              <a:t>Bloc 1</a:t>
+            </a:r>
+            <a:r>
+              <a:rPr lang="fr-FR" dirty="0" smtClean="0"/>
+              <a:t> : PK « technique » de cette table</a:t>
+            </a:r>
+          </a:p>
+        </p:txBody>
+      </p:sp>
+      <p:sp>
+        <p:nvSpPr>
+          <p:cNvPr id="16" name="Rectangle 15"/>
+          <p:cNvSpPr/>
+          <p:nvPr/>
+        </p:nvSpPr>
+        <p:spPr>
+          <a:xfrm>
+            <a:off x="3707904" y="2213979"/>
+            <a:ext cx="5326645" cy="369332"/>
+          </a:xfrm>
+          <a:prstGeom prst="rect">
+            <a:avLst/>
+          </a:prstGeom>
+        </p:spPr>
+        <p:txBody>
+          <a:bodyPr wrap="square">
+            <a:spAutoFit/>
+          </a:bodyPr>
+          <a:lstStyle/>
+          <a:p>
+            <a:pPr>
+              <a:spcBef>
+                <a:spcPts val="300"/>
+              </a:spcBef>
+              <a:spcAft>
+                <a:spcPts val="300"/>
+              </a:spcAft>
+            </a:pPr>
+            <a:r>
+              <a:rPr lang="fr-FR" b="1" dirty="0" smtClean="0"/>
+              <a:t>Bloc 2</a:t>
+            </a:r>
+            <a:r>
+              <a:rPr lang="fr-FR" dirty="0" smtClean="0"/>
+              <a:t> : Données de la ville</a:t>
+            </a:r>
+          </a:p>
+        </p:txBody>
+      </p:sp>
+      <p:sp>
+        <p:nvSpPr>
+          <p:cNvPr id="17" name="ZoneTexte 16"/>
+          <p:cNvSpPr txBox="1"/>
+          <p:nvPr/>
+        </p:nvSpPr>
+        <p:spPr>
+          <a:xfrm>
+            <a:off x="899592" y="4581128"/>
+            <a:ext cx="3816366" cy="1200329"/>
+          </a:xfrm>
+          <a:prstGeom prst="rect">
+            <a:avLst/>
+          </a:prstGeom>
+          <a:noFill/>
+        </p:spPr>
+        <p:txBody>
+          <a:bodyPr wrap="none" rtlCol="0">
+            <a:spAutoFit/>
+          </a:bodyPr>
+          <a:lstStyle/>
+          <a:p>
+            <a:r>
+              <a:rPr lang="fr-FR" b="1" dirty="0" smtClean="0"/>
+              <a:t>Exemples de {Code postal ; Nom ville}</a:t>
+            </a:r>
+            <a:r>
+              <a:rPr lang="fr-FR" dirty="0" smtClean="0"/>
+              <a:t> </a:t>
+            </a:r>
           </a:p>
           <a:p>
             <a:pPr marL="285750" indent="-285750">
@@ -6348,15 +7056,7 @@
             <a:pPr algn="ctr"/>
             <a:r>
               <a:rPr lang="fr-FR" sz="3600" b="1" dirty="0" smtClean="0"/>
-              <a:t>MODELE </a:t>
-            </a:r>
-            <a:r>
-              <a:rPr lang="fr-FR" sz="3600" b="1" dirty="0" smtClean="0"/>
-              <a:t>DE DONNEES DU </a:t>
-            </a:r>
-            <a:r>
-              <a:rPr lang="fr-FR" sz="3600" b="1" dirty="0" smtClean="0"/>
-              <a:t>DWH</a:t>
+              <a:t>MODELE DE DONNEES DU DWH</a:t>
             </a:r>
             <a:endParaRPr lang="fr-FR" sz="3600" b="1" dirty="0"/>
           </a:p>
@@ -8752,11 +9452,7 @@
             </a:pPr>
             <a:r>
               <a:rPr lang="fr-FR" dirty="0" smtClean="0"/>
-              <a:t>La double liaison « Villes – Magasins » et « Villes – Clients » est correcte car les villes sont partagés pa</a:t>
-            </a:r>
-            <a:r>
-              <a:rPr lang="fr-FR" dirty="0" smtClean="0"/>
-              <a:t>r les lieux (Magasins, dépôts…) et les clients.</a:t>
+              <a:t>La double liaison « Villes – Magasins » et « Villes – Clients » est correcte car les villes sont partagés par les lieux (Magasins, dépôts…) et les clients.</a:t>
             </a:r>
           </a:p>
           <a:p>
@@ -8770,13 +9466,8 @@
             </a:pPr>
             <a:r>
               <a:rPr lang="fr-FR" dirty="0" smtClean="0"/>
-              <a:t>De plus, les flèches vont bien du centre vers l’extérieur</a:t>
-            </a:r>
-            <a:r>
-              <a:rPr lang="fr-FR" dirty="0" smtClean="0"/>
-              <a:t> (PK -&gt; FK)</a:t>
-            </a:r>
-            <a:endParaRPr lang="fr-FR" dirty="0" smtClean="0"/>
+              <a:t>De plus, les flèches vont bien du centre vers l’extérieur (PK -&gt; FK)</a:t>
+            </a:r>
           </a:p>
         </p:txBody>
       </p:sp>
@@ -8869,11 +9560,7 @@
             <a:pPr algn="ctr"/>
             <a:r>
               <a:rPr lang="fr-FR" dirty="0" smtClean="0"/>
-              <a:t>Dimen</a:t>
-            </a:r>
-            <a:r>
-              <a:rPr lang="fr-FR" dirty="0" smtClean="0"/>
-              <a:t>sion « Clients »</a:t>
+              <a:t>Dimension « Clients »</a:t>
             </a:r>
             <a:endParaRPr lang="fr-FR" dirty="0"/>
           </a:p>
@@ -8917,11 +9604,7 @@
             <a:pPr algn="ctr"/>
             <a:r>
               <a:rPr lang="fr-FR" dirty="0" smtClean="0"/>
-              <a:t>Dimen</a:t>
-            </a:r>
-            <a:r>
-              <a:rPr lang="fr-FR" dirty="0" smtClean="0"/>
-              <a:t>sion « Temps »</a:t>
+              <a:t>Dimension « Temps »</a:t>
             </a:r>
             <a:endParaRPr lang="fr-FR" dirty="0"/>
           </a:p>
@@ -8965,11 +9648,7 @@
             <a:pPr algn="ctr"/>
             <a:r>
               <a:rPr lang="fr-FR" dirty="0" smtClean="0"/>
-              <a:t>Dimen</a:t>
-            </a:r>
-            <a:r>
-              <a:rPr lang="fr-FR" dirty="0" smtClean="0"/>
-              <a:t>sion « Villes »</a:t>
+              <a:t>Dimension « Villes »</a:t>
             </a:r>
             <a:endParaRPr lang="fr-FR" dirty="0"/>
           </a:p>
@@ -9013,11 +9692,7 @@
             <a:pPr algn="ctr"/>
             <a:r>
               <a:rPr lang="fr-FR" dirty="0" smtClean="0"/>
-              <a:t>Dimen</a:t>
-            </a:r>
-            <a:r>
-              <a:rPr lang="fr-FR" dirty="0" smtClean="0"/>
-              <a:t>sion « Lieux »</a:t>
+              <a:t>Dimension « Lieux »</a:t>
             </a:r>
             <a:endParaRPr lang="fr-FR" dirty="0"/>
           </a:p>
@@ -9061,11 +9736,7 @@
             <a:pPr algn="ctr"/>
             <a:r>
               <a:rPr lang="fr-FR" dirty="0" smtClean="0"/>
-              <a:t>Dimen</a:t>
-            </a:r>
-            <a:r>
-              <a:rPr lang="fr-FR" dirty="0" smtClean="0"/>
-              <a:t>sion « Produits »</a:t>
+              <a:t>Dimension « Produits »</a:t>
             </a:r>
             <a:endParaRPr lang="fr-FR" dirty="0"/>
           </a:p>
@@ -9352,7 +10023,6 @@
               <a:rPr lang="fr-FR" dirty="0" smtClean="0"/>
               <a:t> Key</a:t>
             </a:r>
-            <a:endParaRPr lang="fr-FR" dirty="0" smtClean="0"/>
           </a:p>
         </p:txBody>
       </p:sp>
@@ -9801,11 +10471,7 @@
             <a:pPr algn="ctr"/>
             <a:r>
               <a:rPr lang="fr-FR" dirty="0" smtClean="0"/>
-              <a:t>Dimen</a:t>
-            </a:r>
-            <a:r>
-              <a:rPr lang="fr-FR" dirty="0" smtClean="0"/>
-              <a:t>sion « Catégories »</a:t>
+              <a:t>Dimension « Catégories »</a:t>
             </a:r>
             <a:endParaRPr lang="fr-FR" dirty="0"/>
           </a:p>
@@ -9916,6 +10582,397 @@
             <a:r>
               <a:rPr lang="fr-FR" b="1" dirty="0" smtClean="0"/>
               <a:t>FK</a:t>
+            </a:r>
+            <a:endParaRPr lang="fr-FR" dirty="0" smtClean="0"/>
+          </a:p>
+        </p:txBody>
+      </p:sp>
+      <p:sp>
+        <p:nvSpPr>
+          <p:cNvPr id="33" name="Rectangle 32"/>
+          <p:cNvSpPr/>
+          <p:nvPr/>
+        </p:nvSpPr>
+        <p:spPr>
+          <a:xfrm>
+            <a:off x="4415957" y="426261"/>
+            <a:ext cx="1764196" cy="810002"/>
+          </a:xfrm>
+          <a:prstGeom prst="rect">
+            <a:avLst/>
+          </a:prstGeom>
+        </p:spPr>
+        <p:style>
+          <a:lnRef idx="2">
+            <a:schemeClr val="accent1">
+              <a:shade val="50000"/>
+            </a:schemeClr>
+          </a:lnRef>
+          <a:fillRef idx="1">
+            <a:schemeClr val="accent1"/>
+          </a:fillRef>
+          <a:effectRef idx="0">
+            <a:schemeClr val="accent1"/>
+          </a:effectRef>
+          <a:fontRef idx="minor">
+            <a:schemeClr val="lt1"/>
+          </a:fontRef>
+        </p:style>
+        <p:txBody>
+          <a:bodyPr rtlCol="0" anchor="ctr"/>
+          <a:lstStyle/>
+          <a:p>
+            <a:pPr algn="ctr"/>
+            <a:r>
+              <a:rPr lang="fr-FR" dirty="0" smtClean="0"/>
+              <a:t>Table de faits </a:t>
+            </a:r>
+          </a:p>
+          <a:p>
+            <a:pPr algn="ctr"/>
+            <a:r>
+              <a:rPr lang="fr-FR" dirty="0" smtClean="0"/>
+              <a:t>« </a:t>
+            </a:r>
+            <a:r>
+              <a:rPr lang="fr-FR" dirty="0" smtClean="0"/>
+              <a:t>Stocks</a:t>
+            </a:r>
+            <a:r>
+              <a:rPr lang="fr-FR" dirty="0" smtClean="0"/>
+              <a:t> »</a:t>
+            </a:r>
+            <a:endParaRPr lang="fr-FR" dirty="0"/>
+          </a:p>
+        </p:txBody>
+      </p:sp>
+      <p:cxnSp>
+        <p:nvCxnSpPr>
+          <p:cNvPr id="35" name="Connecteur droit avec flèche 34"/>
+          <p:cNvCxnSpPr>
+            <a:stCxn id="33" idx="1"/>
+            <a:endCxn id="13" idx="0"/>
+          </p:cNvCxnSpPr>
+          <p:nvPr/>
+        </p:nvCxnSpPr>
+        <p:spPr>
+          <a:xfrm flipH="1">
+            <a:off x="3426551" y="831262"/>
+            <a:ext cx="989406" cy="854712"/>
+          </a:xfrm>
+          <a:prstGeom prst="straightConnector1">
+            <a:avLst/>
+          </a:prstGeom>
+          <a:ln>
+            <a:tailEnd type="triangle"/>
+          </a:ln>
+        </p:spPr>
+        <p:style>
+          <a:lnRef idx="2">
+            <a:schemeClr val="accent2"/>
+          </a:lnRef>
+          <a:fillRef idx="0">
+            <a:schemeClr val="accent2"/>
+          </a:fillRef>
+          <a:effectRef idx="1">
+            <a:schemeClr val="accent2"/>
+          </a:effectRef>
+          <a:fontRef idx="minor">
+            <a:schemeClr val="tx1"/>
+          </a:fontRef>
+        </p:style>
+      </p:cxnSp>
+      <p:sp>
+        <p:nvSpPr>
+          <p:cNvPr id="37" name="Rectangle 36"/>
+          <p:cNvSpPr/>
+          <p:nvPr/>
+        </p:nvSpPr>
+        <p:spPr>
+          <a:xfrm>
+            <a:off x="3137734" y="1316642"/>
+            <a:ext cx="432048" cy="369332"/>
+          </a:xfrm>
+          <a:prstGeom prst="rect">
+            <a:avLst/>
+          </a:prstGeom>
+        </p:spPr>
+        <p:txBody>
+          <a:bodyPr wrap="square">
+            <a:spAutoFit/>
+          </a:bodyPr>
+          <a:lstStyle/>
+          <a:p>
+            <a:pPr>
+              <a:spcBef>
+                <a:spcPts val="300"/>
+              </a:spcBef>
+              <a:spcAft>
+                <a:spcPts val="300"/>
+              </a:spcAft>
+            </a:pPr>
+            <a:r>
+              <a:rPr lang="fr-FR" b="1" dirty="0" smtClean="0"/>
+              <a:t>PK</a:t>
+            </a:r>
+            <a:endParaRPr lang="fr-FR" dirty="0" smtClean="0"/>
+          </a:p>
+        </p:txBody>
+      </p:sp>
+      <p:sp>
+        <p:nvSpPr>
+          <p:cNvPr id="39" name="Rectangle 38"/>
+          <p:cNvSpPr/>
+          <p:nvPr/>
+        </p:nvSpPr>
+        <p:spPr>
+          <a:xfrm>
+            <a:off x="4031940" y="576512"/>
+            <a:ext cx="432048" cy="369332"/>
+          </a:xfrm>
+          <a:prstGeom prst="rect">
+            <a:avLst/>
+          </a:prstGeom>
+        </p:spPr>
+        <p:txBody>
+          <a:bodyPr wrap="square">
+            <a:spAutoFit/>
+          </a:bodyPr>
+          <a:lstStyle/>
+          <a:p>
+            <a:pPr>
+              <a:spcBef>
+                <a:spcPts val="300"/>
+              </a:spcBef>
+              <a:spcAft>
+                <a:spcPts val="300"/>
+              </a:spcAft>
+            </a:pPr>
+            <a:r>
+              <a:rPr lang="fr-FR" b="1" dirty="0" smtClean="0"/>
+              <a:t>FK</a:t>
+            </a:r>
+            <a:endParaRPr lang="fr-FR" dirty="0" smtClean="0"/>
+          </a:p>
+        </p:txBody>
+      </p:sp>
+      <p:cxnSp>
+        <p:nvCxnSpPr>
+          <p:cNvPr id="41" name="Connecteur droit avec flèche 40"/>
+          <p:cNvCxnSpPr>
+            <a:stCxn id="33" idx="3"/>
+          </p:cNvCxnSpPr>
+          <p:nvPr/>
+        </p:nvCxnSpPr>
+        <p:spPr>
+          <a:xfrm>
+            <a:off x="6180153" y="831262"/>
+            <a:ext cx="852888" cy="854712"/>
+          </a:xfrm>
+          <a:prstGeom prst="straightConnector1">
+            <a:avLst/>
+          </a:prstGeom>
+          <a:ln>
+            <a:tailEnd type="triangle"/>
+          </a:ln>
+        </p:spPr>
+        <p:style>
+          <a:lnRef idx="2">
+            <a:schemeClr val="accent2"/>
+          </a:lnRef>
+          <a:fillRef idx="0">
+            <a:schemeClr val="accent2"/>
+          </a:fillRef>
+          <a:effectRef idx="1">
+            <a:schemeClr val="accent2"/>
+          </a:effectRef>
+          <a:fontRef idx="minor">
+            <a:schemeClr val="tx1"/>
+          </a:fontRef>
+        </p:style>
+      </p:cxnSp>
+      <p:cxnSp>
+        <p:nvCxnSpPr>
+          <p:cNvPr id="16" name="Connecteur en angle 15"/>
+          <p:cNvCxnSpPr>
+            <a:stCxn id="33" idx="0"/>
+            <a:endCxn id="8" idx="3"/>
+          </p:cNvCxnSpPr>
+          <p:nvPr/>
+        </p:nvCxnSpPr>
+        <p:spPr>
+          <a:xfrm rot="16200000" flipH="1">
+            <a:off x="4898891" y="825424"/>
+            <a:ext cx="4103967" cy="3305640"/>
+          </a:xfrm>
+          <a:prstGeom prst="bentConnector4">
+            <a:avLst>
+              <a:gd name="adj1" fmla="val -5570"/>
+              <a:gd name="adj2" fmla="val 106915"/>
+            </a:avLst>
+          </a:prstGeom>
+          <a:ln>
+            <a:tailEnd type="triangle"/>
+          </a:ln>
+        </p:spPr>
+        <p:style>
+          <a:lnRef idx="2">
+            <a:schemeClr val="accent2"/>
+          </a:lnRef>
+          <a:fillRef idx="0">
+            <a:schemeClr val="accent2"/>
+          </a:fillRef>
+          <a:effectRef idx="1">
+            <a:schemeClr val="accent2"/>
+          </a:effectRef>
+          <a:fontRef idx="minor">
+            <a:schemeClr val="tx1"/>
+          </a:fontRef>
+        </p:style>
+      </p:cxnSp>
+      <p:sp>
+        <p:nvSpPr>
+          <p:cNvPr id="58" name="Rectangle 57"/>
+          <p:cNvSpPr/>
+          <p:nvPr/>
+        </p:nvSpPr>
+        <p:spPr>
+          <a:xfrm>
+            <a:off x="4923582" y="86252"/>
+            <a:ext cx="432048" cy="369332"/>
+          </a:xfrm>
+          <a:prstGeom prst="rect">
+            <a:avLst/>
+          </a:prstGeom>
+        </p:spPr>
+        <p:txBody>
+          <a:bodyPr wrap="square">
+            <a:spAutoFit/>
+          </a:bodyPr>
+          <a:lstStyle/>
+          <a:p>
+            <a:pPr>
+              <a:spcBef>
+                <a:spcPts val="300"/>
+              </a:spcBef>
+              <a:spcAft>
+                <a:spcPts val="300"/>
+              </a:spcAft>
+            </a:pPr>
+            <a:r>
+              <a:rPr lang="fr-FR" b="1" dirty="0" smtClean="0"/>
+              <a:t>FK</a:t>
+            </a:r>
+            <a:endParaRPr lang="fr-FR" dirty="0" smtClean="0"/>
+          </a:p>
+        </p:txBody>
+      </p:sp>
+      <p:sp>
+        <p:nvSpPr>
+          <p:cNvPr id="61" name="Rectangle 60"/>
+          <p:cNvSpPr/>
+          <p:nvPr/>
+        </p:nvSpPr>
+        <p:spPr>
+          <a:xfrm>
+            <a:off x="6159273" y="567002"/>
+            <a:ext cx="432048" cy="369332"/>
+          </a:xfrm>
+          <a:prstGeom prst="rect">
+            <a:avLst/>
+          </a:prstGeom>
+        </p:spPr>
+        <p:txBody>
+          <a:bodyPr wrap="square">
+            <a:spAutoFit/>
+          </a:bodyPr>
+          <a:lstStyle/>
+          <a:p>
+            <a:pPr>
+              <a:spcBef>
+                <a:spcPts val="300"/>
+              </a:spcBef>
+              <a:spcAft>
+                <a:spcPts val="300"/>
+              </a:spcAft>
+            </a:pPr>
+            <a:r>
+              <a:rPr lang="fr-FR" b="1" dirty="0" smtClean="0"/>
+              <a:t>FK</a:t>
+            </a:r>
+            <a:endParaRPr lang="fr-FR" dirty="0" smtClean="0"/>
+          </a:p>
+        </p:txBody>
+      </p:sp>
+      <p:sp>
+        <p:nvSpPr>
+          <p:cNvPr id="62" name="Rectangle 61"/>
+          <p:cNvSpPr/>
+          <p:nvPr/>
+        </p:nvSpPr>
+        <p:spPr>
+          <a:xfrm>
+            <a:off x="6530568" y="1474570"/>
+            <a:ext cx="432048" cy="369332"/>
+          </a:xfrm>
+          <a:prstGeom prst="rect">
+            <a:avLst/>
+          </a:prstGeom>
+        </p:spPr>
+        <p:txBody>
+          <a:bodyPr wrap="square">
+            <a:spAutoFit/>
+          </a:bodyPr>
+          <a:lstStyle/>
+          <a:p>
+            <a:pPr>
+              <a:spcBef>
+                <a:spcPts val="300"/>
+              </a:spcBef>
+              <a:spcAft>
+                <a:spcPts val="300"/>
+              </a:spcAft>
+            </a:pPr>
+            <a:r>
+              <a:rPr lang="fr-FR" b="1" dirty="0" smtClean="0"/>
+              <a:t>PK</a:t>
+            </a:r>
+            <a:endParaRPr lang="fr-FR" dirty="0" smtClean="0"/>
+          </a:p>
+        </p:txBody>
+      </p:sp>
+      <p:sp>
+        <p:nvSpPr>
+          <p:cNvPr id="63" name="Rectangle 62"/>
+          <p:cNvSpPr/>
+          <p:nvPr/>
+        </p:nvSpPr>
+        <p:spPr>
+          <a:xfrm>
+            <a:off x="8603695" y="4491865"/>
+            <a:ext cx="432048" cy="369332"/>
+          </a:xfrm>
+          <a:prstGeom prst="rect">
+            <a:avLst/>
+          </a:prstGeom>
+        </p:spPr>
+        <p:txBody>
+          <a:bodyPr wrap="square">
+            <a:spAutoFit/>
+          </a:bodyPr>
+          <a:lstStyle/>
+          <a:p>
+            <a:pPr>
+              <a:spcBef>
+                <a:spcPts val="300"/>
+              </a:spcBef>
+              <a:spcAft>
+                <a:spcPts val="300"/>
+              </a:spcAft>
+            </a:pPr>
+            <a:r>
+              <a:rPr lang="fr-FR" b="1" dirty="0" smtClean="0"/>
+              <a:t>PK</a:t>
             </a:r>
             <a:endParaRPr lang="fr-FR" dirty="0" smtClean="0"/>
           </a:p>
@@ -10516,7 +11573,7 @@
         <p:spPr>
           <a:xfrm>
             <a:off x="107504" y="107340"/>
-            <a:ext cx="2364237" cy="369332"/>
+            <a:ext cx="2406813" cy="369332"/>
           </a:xfrm>
           <a:prstGeom prst="rect">
             <a:avLst/>
@@ -10544,7 +11601,15 @@
           <a:p>
             <a:r>
               <a:rPr lang="fr-FR" dirty="0" smtClean="0"/>
-              <a:t>Dimension « Produits »</a:t>
+              <a:t>Table de faits « </a:t>
+            </a:r>
+            <a:r>
+              <a:rPr lang="fr-FR" dirty="0" smtClean="0"/>
+              <a:t>Stocks</a:t>
+            </a:r>
+            <a:r>
+              <a:rPr lang="fr-FR" dirty="0" smtClean="0"/>
+              <a:t> »</a:t>
             </a:r>
             <a:endParaRPr lang="fr-FR" dirty="0"/>
           </a:p>
@@ -10552,14 +11617,82 @@
       </p:sp>
       <p:sp>
         <p:nvSpPr>
-          <p:cNvPr id="29" name="ZoneTexte 28"/>
+          <p:cNvPr id="8" name="Rectangle 7"/>
+          <p:cNvSpPr/>
+          <p:nvPr/>
+        </p:nvSpPr>
+        <p:spPr>
+          <a:xfrm>
+            <a:off x="395536" y="5333104"/>
+            <a:ext cx="7533281" cy="1077218"/>
+          </a:xfrm>
+          <a:prstGeom prst="rect">
+            <a:avLst/>
+          </a:prstGeom>
+        </p:spPr>
+        <p:txBody>
+          <a:bodyPr wrap="square">
+            <a:spAutoFit/>
+          </a:bodyPr>
+          <a:lstStyle/>
+          <a:p>
+            <a:pPr>
+              <a:spcBef>
+                <a:spcPts val="300"/>
+              </a:spcBef>
+              <a:spcAft>
+                <a:spcPts val="300"/>
+              </a:spcAft>
+            </a:pPr>
+            <a:r>
+              <a:rPr lang="fr-FR" dirty="0" smtClean="0"/>
+              <a:t>Comme toute table de faits :</a:t>
+            </a:r>
+          </a:p>
+          <a:p>
+            <a:pPr marL="285750" indent="-285750">
+              <a:spcBef>
+                <a:spcPts val="300"/>
+              </a:spcBef>
+              <a:spcAft>
+                <a:spcPts val="300"/>
+              </a:spcAft>
+              <a:buFont typeface="Arial" panose="020B0604020202020204" pitchFamily="34" charset="0"/>
+              <a:buChar char="•"/>
+            </a:pPr>
+            <a:r>
+              <a:rPr lang="fr-FR" dirty="0" smtClean="0"/>
+              <a:t>Elle ne contient que des FK (Les PK sont dans les tables de dimensions)</a:t>
+            </a:r>
+          </a:p>
+          <a:p>
+            <a:pPr marL="285750" indent="-285750">
+              <a:spcBef>
+                <a:spcPts val="300"/>
+              </a:spcBef>
+              <a:spcAft>
+                <a:spcPts val="300"/>
+              </a:spcAft>
+              <a:buFont typeface="Arial" panose="020B0604020202020204" pitchFamily="34" charset="0"/>
+              <a:buChar char="•"/>
+            </a:pPr>
+            <a:r>
+              <a:rPr lang="fr-FR" dirty="0" smtClean="0"/>
+              <a:t>Une FK par table de dimension qui lui sont liés directement</a:t>
+            </a:r>
+          </a:p>
+        </p:txBody>
+      </p:sp>
+      <p:sp>
+        <p:nvSpPr>
+          <p:cNvPr id="10" name="ZoneTexte 9"/>
           <p:cNvSpPr txBox="1"/>
           <p:nvPr/>
         </p:nvSpPr>
         <p:spPr>
           <a:xfrm>
-            <a:off x="539552" y="1840036"/>
-            <a:ext cx="2664296" cy="307777"/>
+            <a:off x="2843808" y="1835898"/>
+            <a:ext cx="2664296" cy="738664"/>
           </a:xfrm>
           <a:prstGeom prst="rect">
             <a:avLst/>
@@ -10579,7 +11712,11 @@
           <a:p>
             <a:r>
               <a:rPr lang="fr-FR" sz="1400" dirty="0" smtClean="0"/>
-              <a:t>PRODUIT_PK	</a:t>
+              <a:t>DATE_INVENTAIRE_FK</a:t>
+            </a:r>
+            <a:r>
+              <a:rPr lang="fr-FR" sz="1400" dirty="0" smtClean="0"/>
+              <a:t>	</a:t>
             </a:r>
             <a:r>
               <a:rPr lang="fr-FR" sz="1400" dirty="0" err="1" smtClean="0"/>
@@ -10587,17 +11724,43 @@
             </a:r>
             <a:endParaRPr lang="fr-FR" sz="1400" dirty="0" smtClean="0"/>
           </a:p>
-        </p:txBody>
-      </p:sp>
-      <p:sp>
-        <p:nvSpPr>
-          <p:cNvPr id="30" name="Rogner un rectangle avec un coin du même côté 29"/>
+          <a:p>
+            <a:r>
+              <a:rPr lang="fr-FR" sz="1400" dirty="0" smtClean="0"/>
+              <a:t>PRODUIT_FK	</a:t>
+            </a:r>
+            <a:r>
+              <a:rPr lang="fr-FR" sz="1400" dirty="0" err="1" smtClean="0"/>
+              <a:t>int</a:t>
+            </a:r>
+            <a:endParaRPr lang="fr-FR" sz="1400" dirty="0" smtClean="0"/>
+          </a:p>
+          <a:p>
+            <a:r>
+              <a:rPr lang="fr-FR" sz="1400" dirty="0" smtClean="0"/>
+              <a:t>LIEU_FK</a:t>
+            </a:r>
+            <a:r>
+              <a:rPr lang="fr-FR" sz="1400" dirty="0" smtClean="0"/>
+              <a:t>		</a:t>
+            </a:r>
+            <a:r>
+              <a:rPr lang="fr-FR" sz="1400" dirty="0" err="1" smtClean="0"/>
+              <a:t>int</a:t>
+            </a:r>
+            <a:endParaRPr lang="fr-FR" sz="1400" dirty="0" smtClean="0"/>
+          </a:p>
+        </p:txBody>
+      </p:sp>
+      <p:sp>
+        <p:nvSpPr>
+          <p:cNvPr id="13" name="Rogner un rectangle avec un coin du même côté 12"/>
           <p:cNvSpPr/>
           <p:nvPr/>
         </p:nvSpPr>
         <p:spPr>
           <a:xfrm>
-            <a:off x="539552" y="1412776"/>
+            <a:off x="2843808" y="1408638"/>
             <a:ext cx="2664296" cy="360040"/>
           </a:xfrm>
           <a:prstGeom prst="snip2SameRect">
@@ -10633,7 +11796,7 @@
             <a:pPr algn="ctr"/>
             <a:r>
               <a:rPr lang="fr-FR" sz="1400" b="1" dirty="0" smtClean="0"/>
-              <a:t>DIM_PRODUIT</a:t>
+              <a:t>FACT_STOCK</a:t>
             </a:r>
             <a:endParaRPr lang="fr-FR" sz="1400" b="1" dirty="0"/>
           </a:p>
@@ -10641,14 +11804,14 @@
       </p:sp>
       <p:sp>
         <p:nvSpPr>
-          <p:cNvPr id="31" name="ZoneTexte 30"/>
+          <p:cNvPr id="14" name="ZoneTexte 13"/>
           <p:cNvSpPr txBox="1"/>
           <p:nvPr/>
         </p:nvSpPr>
         <p:spPr>
           <a:xfrm>
-            <a:off x="539552" y="2237821"/>
-            <a:ext cx="2664296" cy="1384995"/>
+            <a:off x="2843808" y="2629113"/>
+            <a:ext cx="2664296" cy="307777"/>
           </a:xfrm>
           <a:prstGeom prst="rect">
             <a:avLst/>
@@ -10668,7 +11831,15 @@
           <a:p>
             <a:r>
               <a:rPr lang="fr-FR" sz="1400" dirty="0" smtClean="0"/>
-              <a:t>CATEGORIE_FK	</a:t>
+              <a:t>NBR_DISPO</a:t>
+            </a:r>
+            <a:r>
+              <a:rPr lang="fr-FR" sz="1400" dirty="0" smtClean="0"/>
+              <a:t>	 </a:t>
+            </a:r>
+            <a:r>
+              <a:rPr lang="fr-FR" sz="1400" dirty="0" smtClean="0"/>
+              <a:t>	</a:t>
             </a:r>
             <a:r>
               <a:rPr lang="fr-FR" sz="1400" dirty="0" err="1" smtClean="0"/>
@@ -10676,73 +11847,18 @@
             </a:r>
             <a:endParaRPr lang="fr-FR" sz="1400" dirty="0" smtClean="0"/>
           </a:p>
-          <a:p>
-            <a:r>
-              <a:rPr lang="fr-FR" sz="1400" dirty="0" smtClean="0"/>
-              <a:t>LIBEL_PRODUIT	</a:t>
-            </a:r>
-            <a:r>
-              <a:rPr lang="fr-FR" sz="1400" dirty="0" err="1" smtClean="0"/>
-              <a:t>varchar</a:t>
-            </a:r>
-            <a:endParaRPr lang="fr-FR" sz="1400" dirty="0"/>
-          </a:p>
-          <a:p>
-            <a:r>
-              <a:rPr lang="fr-FR" sz="1400" dirty="0" smtClean="0"/>
-              <a:t>PRIX_ACHAT		</a:t>
-            </a:r>
-            <a:r>
-              <a:rPr lang="fr-FR" sz="1400" dirty="0" err="1" smtClean="0"/>
-              <a:t>numeric</a:t>
-            </a:r>
-            <a:endParaRPr lang="fr-FR" sz="1400" dirty="0"/>
-          </a:p>
-          <a:p>
-            <a:r>
-              <a:rPr lang="fr-FR" sz="1400" dirty="0" smtClean="0"/>
-              <a:t>TAUX_TVA		</a:t>
-            </a:r>
-            <a:r>
-              <a:rPr lang="fr-FR" sz="1400" dirty="0" err="1" smtClean="0"/>
-              <a:t>numeric</a:t>
-            </a:r>
-            <a:endParaRPr lang="fr-FR" sz="1400" dirty="0"/>
-          </a:p>
-          <a:p>
-            <a:r>
-              <a:rPr lang="fr-FR" sz="1400" dirty="0" smtClean="0"/>
-              <a:t>MARQUE_PRODUIT	</a:t>
-            </a:r>
-            <a:r>
-              <a:rPr lang="fr-FR" sz="1400" dirty="0" err="1" smtClean="0"/>
-              <a:t>varchar</a:t>
-            </a:r>
-            <a:endParaRPr lang="fr-FR" sz="1400" dirty="0"/>
-          </a:p>
-          <a:p>
-            <a:r>
-              <a:rPr lang="fr-FR" sz="1400" dirty="0" smtClean="0"/>
-              <a:t>GROSSISTE_PRODUIT	</a:t>
-            </a:r>
-            <a:r>
-              <a:rPr lang="fr-FR" sz="1400" dirty="0" err="1" smtClean="0"/>
-              <a:t>varchar</a:t>
-            </a:r>
-            <a:endParaRPr lang="fr-FR" sz="1400" dirty="0"/>
-          </a:p>
-        </p:txBody>
-      </p:sp>
-      <p:sp>
-        <p:nvSpPr>
-          <p:cNvPr id="34" name="Rectangle 33"/>
+        </p:txBody>
+      </p:sp>
+      <p:sp>
+        <p:nvSpPr>
+          <p:cNvPr id="15" name="Rectangle 14"/>
           <p:cNvSpPr/>
           <p:nvPr/>
         </p:nvSpPr>
         <p:spPr>
           <a:xfrm>
-            <a:off x="3707904" y="1809258"/>
-            <a:ext cx="4032448" cy="369332"/>
+            <a:off x="5868144" y="1994989"/>
+            <a:ext cx="3096344" cy="369332"/>
           </a:xfrm>
           <a:prstGeom prst="rect">
             <a:avLst/>
@@ -10768,21 +11884,21 @@
             </a:r>
             <a:r>
               <a:rPr lang="fr-FR" dirty="0" smtClean="0"/>
-              <a:t> : PK « technique » de cette table</a:t>
-            </a:r>
-          </a:p>
-        </p:txBody>
-      </p:sp>
-      <p:sp>
-        <p:nvSpPr>
-          <p:cNvPr id="35" name="Rectangle 34"/>
+              <a:t> : FK vers les dimensions</a:t>
+            </a:r>
+          </a:p>
+        </p:txBody>
+      </p:sp>
+      <p:sp>
+        <p:nvSpPr>
+          <p:cNvPr id="16" name="Rectangle 15"/>
           <p:cNvSpPr/>
           <p:nvPr/>
         </p:nvSpPr>
         <p:spPr>
           <a:xfrm>
-            <a:off x="3707904" y="2213979"/>
-            <a:ext cx="5326645" cy="369332"/>
+            <a:off x="5868144" y="2593434"/>
+            <a:ext cx="3096344" cy="369332"/>
           </a:xfrm>
           <a:prstGeom prst="rect">
             <a:avLst/>
@@ -10808,150 +11924,122 @@
             </a:r>
             <a:r>
               <a:rPr lang="fr-FR" dirty="0" smtClean="0"/>
-              <a:t> : Données et FK vers les catégories de produits</a:t>
-            </a:r>
-          </a:p>
-        </p:txBody>
-      </p:sp>
-      <p:sp>
-        <p:nvSpPr>
-          <p:cNvPr id="36" name="ZoneTexte 35"/>
-          <p:cNvSpPr txBox="1"/>
-          <p:nvPr/>
-        </p:nvSpPr>
-        <p:spPr>
-          <a:xfrm>
-            <a:off x="-36512" y="5157192"/>
-            <a:ext cx="9292159" cy="923330"/>
+              <a:t> : </a:t>
+            </a:r>
+            <a:r>
+              <a:rPr lang="fr-FR" dirty="0" smtClean="0"/>
+              <a:t>Mesure</a:t>
+            </a:r>
+            <a:endParaRPr lang="fr-FR" dirty="0" smtClean="0"/>
+          </a:p>
+        </p:txBody>
+      </p:sp>
+      <p:sp>
+        <p:nvSpPr>
+          <p:cNvPr id="17" name="Rectangle 16"/>
+          <p:cNvSpPr/>
+          <p:nvPr/>
+        </p:nvSpPr>
+        <p:spPr>
+          <a:xfrm>
+            <a:off x="5868144" y="2998038"/>
+            <a:ext cx="3203848" cy="1277273"/>
           </a:xfrm>
           <a:prstGeom prst="rect">
             <a:avLst/>
           </a:prstGeom>
-          <a:noFill/>
-        </p:spPr>
-        <p:txBody>
-          <a:bodyPr wrap="none" rtlCol="0">
+        </p:spPr>
+        <p:txBody>
+          <a:bodyPr wrap="square">
             <a:spAutoFit/>
           </a:bodyPr>
           <a:lstStyle/>
           <a:p>
+            <a:pPr>
+              <a:spcBef>
+                <a:spcPts val="300"/>
+              </a:spcBef>
+              <a:spcAft>
+                <a:spcPts val="300"/>
+              </a:spcAft>
+            </a:pPr>
             <a:r>
               <a:rPr lang="fr-FR" b="1" dirty="0" smtClean="0"/>
-              <a:t>Exemples </a:t>
-            </a:r>
-            <a:r>
-              <a:rPr lang="fr-FR" b="1" dirty="0" smtClean="0"/>
-              <a:t>de {Libellé produit ; Prix d’achat ; Taux TVA ; Marque produit ; Fournisseur produit}</a:t>
+              <a:t>Bloc 3</a:t>
             </a:r>
             <a:r>
               <a:rPr lang="fr-FR" dirty="0" smtClean="0"/>
-              <a:t> </a:t>
-            </a:r>
-            <a:endParaRPr lang="fr-FR" dirty="0" smtClean="0"/>
-          </a:p>
-          <a:p>
-            <a:pPr marL="285750" indent="-285750">
-              <a:buFont typeface="Arial" panose="020B0604020202020204" pitchFamily="34" charset="0"/>
-              <a:buChar char="•"/>
+              <a:t> : Dimensions dégénérées</a:t>
+            </a:r>
+          </a:p>
+          <a:p>
+            <a:pPr>
+              <a:spcBef>
+                <a:spcPts val="300"/>
+              </a:spcBef>
+              <a:spcAft>
+                <a:spcPts val="300"/>
+              </a:spcAft>
             </a:pPr>
             <a:r>
+              <a:rPr lang="fr-FR" dirty="0"/>
+              <a:t>Champs permettant de faire le lien entre le système décisionnel et le système </a:t>
+            </a:r>
+            <a:r>
               <a:rPr lang="fr-FR" dirty="0" smtClean="0"/>
-              <a:t>{ « Rouleau </a:t>
-            </a:r>
-            <a:r>
-              <a:rPr lang="fr-FR" dirty="0" err="1" smtClean="0"/>
-              <a:t>antigoutte</a:t>
-            </a:r>
-            <a:r>
-              <a:rPr lang="fr-FR" dirty="0" smtClean="0"/>
-              <a:t> L180 »,«</a:t>
-            </a:r>
-            <a:r>
-              <a:rPr lang="fr-FR" dirty="0"/>
-              <a:t> 5,95 € », « 20% </a:t>
-            </a:r>
-            <a:r>
-              <a:rPr lang="fr-FR" dirty="0" smtClean="0"/>
-              <a:t>»,« Julien S.A. »,«</a:t>
-            </a:r>
-            <a:r>
-              <a:rPr lang="fr-FR" dirty="0"/>
-              <a:t> </a:t>
-            </a:r>
-            <a:r>
-              <a:rPr lang="fr-FR" dirty="0" smtClean="0"/>
-              <a:t>France Peintures SARL »}</a:t>
-            </a:r>
-          </a:p>
-          <a:p>
-            <a:pPr marL="285750" indent="-285750">
-              <a:buFont typeface="Arial" panose="020B0604020202020204" pitchFamily="34" charset="0"/>
-              <a:buChar char="•"/>
-            </a:pPr>
-            <a:r>
-              <a:rPr lang="fr-FR" dirty="0"/>
-              <a:t>{ « </a:t>
-            </a:r>
-            <a:r>
-              <a:rPr lang="fr-FR" dirty="0" smtClean="0"/>
-              <a:t>Taille-haie sur perche RPT4545E 450W</a:t>
-            </a:r>
-            <a:r>
-              <a:rPr lang="fr-FR" dirty="0"/>
-              <a:t> </a:t>
-            </a:r>
-            <a:r>
-              <a:rPr lang="fr-FR" dirty="0" smtClean="0"/>
-              <a:t>»,«</a:t>
-            </a:r>
-            <a:r>
-              <a:rPr lang="fr-FR" dirty="0"/>
-              <a:t> </a:t>
-            </a:r>
-            <a:r>
-              <a:rPr lang="fr-FR" dirty="0" smtClean="0"/>
-              <a:t>101,00 </a:t>
-            </a:r>
-            <a:r>
-              <a:rPr lang="fr-FR" dirty="0"/>
-              <a:t>€ </a:t>
-            </a:r>
-            <a:r>
-              <a:rPr lang="fr-FR" dirty="0" smtClean="0"/>
-              <a:t>»,«</a:t>
-            </a:r>
-            <a:r>
-              <a:rPr lang="fr-FR" dirty="0"/>
-              <a:t> 20% </a:t>
-            </a:r>
-            <a:r>
-              <a:rPr lang="fr-FR" dirty="0" smtClean="0"/>
-              <a:t>»,«</a:t>
-            </a:r>
-            <a:r>
-              <a:rPr lang="fr-FR" dirty="0"/>
-              <a:t> Roby LTD </a:t>
-            </a:r>
-            <a:r>
-              <a:rPr lang="fr-FR" dirty="0" smtClean="0"/>
-              <a:t>»,«</a:t>
-            </a:r>
-            <a:r>
-              <a:rPr lang="fr-FR" dirty="0"/>
-              <a:t>Roby LTD »</a:t>
-            </a:r>
-            <a:r>
-              <a:rPr lang="fr-FR" dirty="0" smtClean="0"/>
-              <a:t>}</a:t>
+              <a:t>source</a:t>
             </a:r>
             <a:endParaRPr lang="fr-FR" dirty="0"/>
+          </a:p>
+        </p:txBody>
+      </p:sp>
+      <p:sp>
+        <p:nvSpPr>
+          <p:cNvPr id="18" name="ZoneTexte 17"/>
+          <p:cNvSpPr txBox="1"/>
+          <p:nvPr/>
+        </p:nvSpPr>
+        <p:spPr>
+          <a:xfrm>
+            <a:off x="2843808" y="2998038"/>
+            <a:ext cx="2664296" cy="307777"/>
+          </a:xfrm>
+          <a:prstGeom prst="rect">
+            <a:avLst/>
+          </a:prstGeom>
+          <a:solidFill>
+            <a:schemeClr val="tx2">
+              <a:lumMod val="20000"/>
+              <a:lumOff val="80000"/>
+            </a:schemeClr>
+          </a:solidFill>
+        </p:spPr>
+        <p:txBody>
+          <a:bodyPr wrap="square" rtlCol="0">
+            <a:spAutoFit/>
+          </a:bodyPr>
+          <a:lstStyle/>
+          <a:p>
+            <a:r>
+              <a:rPr lang="fr-FR" sz="1400" dirty="0" smtClean="0"/>
+              <a:t>ID_INVENTAIRE</a:t>
+            </a:r>
+            <a:r>
+              <a:rPr lang="fr-FR" sz="1400" dirty="0" smtClean="0"/>
+              <a:t>	</a:t>
+            </a:r>
+            <a:r>
+              <a:rPr lang="fr-FR" sz="1400" dirty="0" err="1" smtClean="0"/>
+              <a:t>varchar</a:t>
+            </a:r>
+            <a:endParaRPr lang="fr-FR" sz="1400" dirty="0" smtClean="0"/>
           </a:p>
         </p:txBody>
       </p:sp>
     </p:spTree>
     <p:extLst>
       <p:ext uri="{BB962C8B-B14F-4D97-AF65-F5344CB8AC3E}">
-        <p14:creationId xmlns:p14="http://schemas.microsoft.com/office/powerpoint/2010/main" val="2826761366"/>
+        <p14:creationId xmlns:p14="http://schemas.microsoft.com/office/powerpoint/2010/main" val="537171552"/>
       </p:ext>
     </p:extLst>
   </p:cSld>
@@ -10994,7 +12082,7 @@
         <p:spPr>
           <a:xfrm>
             <a:off x="107504" y="107340"/>
-            <a:ext cx="2573333" cy="369332"/>
+            <a:ext cx="2364237" cy="369332"/>
           </a:xfrm>
           <a:prstGeom prst="rect">
             <a:avLst/>
@@ -11022,45 +12110,9 @@
           <a:p>
             <a:r>
               <a:rPr lang="fr-FR" dirty="0" smtClean="0"/>
-              <a:t>Dimension « Catégories »</a:t>
+              <a:t>Dimension « Produits »</a:t>
             </a:r>
             <a:endParaRPr lang="fr-FR" dirty="0"/>
-          </a:p>
-        </p:txBody>
-      </p:sp>
-      <p:sp>
-        <p:nvSpPr>
-          <p:cNvPr id="6" name="Rectangle 5"/>
-          <p:cNvSpPr/>
-          <p:nvPr/>
-        </p:nvSpPr>
-        <p:spPr>
-          <a:xfrm>
-            <a:off x="611560" y="3753336"/>
-            <a:ext cx="6264696" cy="369332"/>
-          </a:xfrm>
-          <a:prstGeom prst="rect">
-            <a:avLst/>
-          </a:prstGeom>
-        </p:spPr>
-        <p:txBody>
-          <a:bodyPr wrap="square">
-            <a:spAutoFit/>
-          </a:bodyPr>
-          <a:lstStyle/>
-          <a:p>
-            <a:pPr>
-              <a:spcBef>
-                <a:spcPts val="300"/>
-              </a:spcBef>
-              <a:spcAft>
-                <a:spcPts val="300"/>
-              </a:spcAft>
-            </a:pPr>
-            <a:r>
-              <a:rPr lang="fr-FR" dirty="0" smtClean="0"/>
-              <a:t>Texte</a:t>
-            </a:r>
           </a:p>
         </p:txBody>
       </p:sp>
@@ -11093,11 +12145,7 @@
           <a:p>
             <a:r>
               <a:rPr lang="fr-FR" sz="1400" dirty="0" smtClean="0"/>
-              <a:t>CATEGORIE</a:t>
-            </a:r>
-            <a:r>
-              <a:rPr lang="fr-FR" sz="1400" dirty="0" smtClean="0"/>
-              <a:t>_PK	</a:t>
+              <a:t>PRODUIT_PK	</a:t>
             </a:r>
             <a:r>
               <a:rPr lang="fr-FR" sz="1400" dirty="0" err="1" smtClean="0"/>
@@ -11151,7 +12199,7 @@
             <a:pPr algn="ctr"/>
             <a:r>
               <a:rPr lang="fr-FR" sz="1400" b="1" dirty="0" smtClean="0"/>
-              <a:t>DIM_CATEGORIE</a:t>
+              <a:t>DIM_PRODUIT</a:t>
             </a:r>
             <a:endParaRPr lang="fr-FR" sz="1400" b="1" dirty="0"/>
           </a:p>
@@ -11166,7 +12214,7 @@
         <p:spPr>
           <a:xfrm>
             <a:off x="539552" y="2237821"/>
-            <a:ext cx="2664296" cy="1815882"/>
+            <a:ext cx="2664296" cy="1384995"/>
           </a:xfrm>
           <a:prstGeom prst="rect">
             <a:avLst/>
@@ -11186,55 +12234,62 @@
           <a:p>
             <a:r>
               <a:rPr lang="fr-FR" sz="1400" dirty="0" smtClean="0"/>
-              <a:t>LIBEL_UNIVERS	</a:t>
+              <a:t>CATEGORIE_FK	</a:t>
+            </a:r>
+            <a:r>
+              <a:rPr lang="fr-FR" sz="1400" dirty="0" err="1" smtClean="0"/>
+              <a:t>int</a:t>
+            </a:r>
+            <a:endParaRPr lang="fr-FR" sz="1400" dirty="0" smtClean="0"/>
+          </a:p>
+          <a:p>
+            <a:r>
+              <a:rPr lang="fr-FR" sz="1400" dirty="0" smtClean="0"/>
+              <a:t>LIBEL_PRODUIT	</a:t>
             </a:r>
             <a:r>
               <a:rPr lang="fr-FR" sz="1400" dirty="0" err="1" smtClean="0"/>
               <a:t>varchar</a:t>
             </a:r>
-            <a:endParaRPr lang="fr-FR" sz="1400" dirty="0" smtClean="0"/>
+            <a:endParaRPr lang="fr-FR" sz="1400" dirty="0"/>
           </a:p>
           <a:p>
             <a:r>
               <a:rPr lang="fr-FR" sz="1400" dirty="0" smtClean="0"/>
-              <a:t>ID_UNIVERS		</a:t>
+              <a:t>PRIX_ACHAT		</a:t>
             </a:r>
             <a:r>
               <a:rPr lang="fr-FR" sz="1400" dirty="0" err="1" smtClean="0"/>
-              <a:t>int</a:t>
-            </a:r>
-            <a:endParaRPr lang="fr-FR" sz="1400" dirty="0" smtClean="0"/>
-          </a:p>
-          <a:p>
-            <a:r>
-              <a:rPr lang="fr-FR" sz="1400" dirty="0"/>
-              <a:t>LIBEL_RAYON </a:t>
-            </a:r>
+              <a:t>numeric</a:t>
+            </a:r>
+            <a:endParaRPr lang="fr-FR" sz="1400" dirty="0"/>
+          </a:p>
+          <a:p>
             <a:r>
               <a:rPr lang="fr-FR" sz="1400" dirty="0" smtClean="0"/>
-              <a:t>	</a:t>
+              <a:t>TAUX_TVA		</a:t>
+            </a:r>
+            <a:r>
+              <a:rPr lang="fr-FR" sz="1400" dirty="0" err="1" smtClean="0"/>
+              <a:t>numeric</a:t>
+            </a:r>
+            <a:endParaRPr lang="fr-FR" sz="1400" dirty="0"/>
+          </a:p>
+          <a:p>
+            <a:r>
+              <a:rPr lang="fr-FR" sz="1400" dirty="0" smtClean="0"/>
+              <a:t>MARQUE_PRODUIT	</a:t>
             </a:r>
             <a:r>
               <a:rPr lang="fr-FR" sz="1400" dirty="0" err="1" smtClean="0"/>
               <a:t>varchar</a:t>
             </a:r>
-            <a:endParaRPr lang="fr-FR" sz="1400" dirty="0" smtClean="0"/>
+            <a:endParaRPr lang="fr-FR" sz="1400" dirty="0"/>
           </a:p>
           <a:p>
             <a:r>
               <a:rPr lang="fr-FR" sz="1400" dirty="0" smtClean="0"/>
-              <a:t>ID_RAYON		</a:t>
-            </a:r>
-            <a:r>
-              <a:rPr lang="fr-FR" sz="1400" dirty="0" err="1" smtClean="0"/>
-              <a:t>int</a:t>
-            </a:r>
-            <a:endParaRPr lang="fr-FR" sz="1400" dirty="0" smtClean="0"/>
-          </a:p>
-          <a:p>
-            <a:r>
-              <a:rPr lang="fr-FR" sz="1400" dirty="0" smtClean="0"/>
-              <a:t>LIBEL_FAMILLE	</a:t>
+              <a:t>GROSSISTE_PRODUIT	</a:t>
             </a:r>
             <a:r>
               <a:rPr lang="fr-FR" sz="1400" dirty="0" err="1" smtClean="0"/>
@@ -11242,44 +12297,11 @@
             </a:r>
             <a:endParaRPr lang="fr-FR" sz="1400" dirty="0"/>
           </a:p>
-          <a:p>
-            <a:r>
-              <a:rPr lang="fr-FR" sz="1400" dirty="0" smtClean="0"/>
-              <a:t>ID_FAMILLE		</a:t>
-            </a:r>
-            <a:r>
-              <a:rPr lang="fr-FR" sz="1400" dirty="0" err="1" smtClean="0"/>
-              <a:t>int</a:t>
-            </a:r>
-            <a:endParaRPr lang="fr-FR" sz="1400" dirty="0"/>
-          </a:p>
-          <a:p>
-            <a:r>
-              <a:rPr lang="fr-FR" sz="1400" dirty="0" smtClean="0"/>
-              <a:t>LIBEL_SSFAMILLE	</a:t>
-            </a:r>
-            <a:r>
-              <a:rPr lang="fr-FR" sz="1400" dirty="0" err="1" smtClean="0"/>
-              <a:t>varchar</a:t>
-            </a:r>
-            <a:endParaRPr lang="fr-FR" sz="1400" dirty="0"/>
-          </a:p>
-          <a:p>
-            <a:r>
-              <a:rPr lang="fr-FR" sz="1400" dirty="0" smtClean="0"/>
-              <a:t>ID_SSFAMILLE 	</a:t>
-            </a:r>
-            <a:r>
-              <a:rPr lang="fr-FR" sz="1400" dirty="0" err="1" smtClean="0"/>
-              <a:t>int</a:t>
-            </a:r>
-            <a:endParaRPr lang="fr-FR" sz="1400" dirty="0"/>
-          </a:p>
-        </p:txBody>
-      </p:sp>
-      <p:sp>
-        <p:nvSpPr>
-          <p:cNvPr id="32" name="Rectangle 31"/>
+        </p:txBody>
+      </p:sp>
+      <p:sp>
+        <p:nvSpPr>
+          <p:cNvPr id="34" name="Rectangle 33"/>
           <p:cNvSpPr/>
           <p:nvPr/>
         </p:nvSpPr>
@@ -11319,7 +12341,7 @@
       </p:sp>
       <p:sp>
         <p:nvSpPr>
-          <p:cNvPr id="33" name="Rectangle 32"/>
+          <p:cNvPr id="35" name="Rectangle 34"/>
           <p:cNvSpPr/>
           <p:nvPr/>
         </p:nvSpPr>
@@ -11352,21 +12374,21 @@
             </a:r>
             <a:r>
               <a:rPr lang="fr-FR" dirty="0" smtClean="0"/>
-              <a:t> : Données des catégories de produits</a:t>
-            </a:r>
-          </a:p>
-        </p:txBody>
-      </p:sp>
-      <p:sp>
-        <p:nvSpPr>
-          <p:cNvPr id="34" name="ZoneTexte 33"/>
+              <a:t> : Données et FK vers les catégories de produits</a:t>
+            </a:r>
+          </a:p>
+        </p:txBody>
+      </p:sp>
+      <p:sp>
+        <p:nvSpPr>
+          <p:cNvPr id="36" name="ZoneTexte 35"/>
           <p:cNvSpPr txBox="1"/>
           <p:nvPr/>
         </p:nvSpPr>
         <p:spPr>
           <a:xfrm>
-            <a:off x="301494" y="4437111"/>
-            <a:ext cx="8733055" cy="1200329"/>
+            <a:off x="-36512" y="5157192"/>
+            <a:ext cx="9292159" cy="923330"/>
           </a:xfrm>
           <a:prstGeom prst="rect">
             <a:avLst/>
@@ -11374,20 +12396,19 @@
           <a:noFill/>
         </p:spPr>
         <p:txBody>
-          <a:bodyPr wrap="square" rtlCol="0">
+          <a:bodyPr wrap="none" rtlCol="0">
             <a:spAutoFit/>
           </a:bodyPr>
           <a:lstStyle/>
           <a:p>
             <a:r>
               <a:rPr lang="fr-FR" b="1" dirty="0" smtClean="0"/>
-              <a:t>Exemples de {Libellé univers ; libellé rayon ; libellé famille ; libellé sous-famille} </a:t>
+              <a:t>Exemples de {Libellé produit ; Prix d’achat ; Taux TVA ; Marque produit ; Fournisseur produit}</a:t>
             </a:r>
             <a:r>
               <a:rPr lang="fr-FR" dirty="0" smtClean="0"/>
-              <a:t>  </a:t>
-            </a:r>
-            <a:endParaRPr lang="fr-FR" dirty="0" smtClean="0"/>
+              <a:t> </a:t>
+            </a:r>
           </a:p>
           <a:p>
             <a:pPr marL="285750" indent="-285750">
@@ -11396,37 +12417,32 @@
             </a:pPr>
             <a:r>
               <a:rPr lang="fr-FR" dirty="0" smtClean="0"/>
-              <a:t>{ « Intérieur et décoration </a:t>
+              <a:t>{ « Rouleau </a:t>
+            </a:r>
+            <a:r>
+              <a:rPr lang="fr-FR" dirty="0" err="1" smtClean="0"/>
+              <a:t>antigoutte</a:t>
             </a:r>
             <a:r>
               <a:rPr lang="fr-FR" dirty="0" smtClean="0"/>
-              <a:t>» </a:t>
+              <a:t> L180 »,«</a:t>
             </a:r>
             <a:r>
               <a:rPr lang="fr-FR" dirty="0"/>
-              <a:t>; « Peinture, papiers peints et enduits </a:t>
+              <a:t> 5,95 € », « 20% </a:t>
             </a:r>
             <a:r>
               <a:rPr lang="fr-FR" dirty="0" smtClean="0"/>
-              <a:t>» ; </a:t>
+              <a:t>»,« Julien S.A. »,«</a:t>
             </a:r>
             <a:r>
               <a:rPr lang="fr-FR" dirty="0"/>
-              <a:t>« Outils du peintre </a:t>
+              <a:t> </a:t>
             </a:r>
             <a:r>
               <a:rPr lang="fr-FR" dirty="0" smtClean="0"/>
-              <a:t>» ; </a:t>
-            </a:r>
-            <a:r>
-              <a:rPr lang="fr-FR" dirty="0"/>
-              <a:t>« Pinceaux  »</a:t>
-            </a:r>
-            <a:r>
-              <a:rPr lang="fr-FR" dirty="0" smtClean="0"/>
-              <a:t>}</a:t>
-            </a:r>
-            <a:endParaRPr lang="fr-FR" dirty="0" smtClean="0"/>
+              <a:t>France Peintures SARL »}</a:t>
+            </a:r>
           </a:p>
           <a:p>
             <a:pPr marL="285750" indent="-285750">
@@ -11439,7 +12455,7 @@
             </a:r>
             <a:r>
               <a:rPr lang="fr-FR" dirty="0" smtClean="0"/>
-              <a:t>Jardin et extérieur</a:t>
+              <a:t>Taille-haie sur perche RPT4545E 450W</a:t>
             </a:r>
             <a:r>
               <a:rPr lang="fr-FR" dirty="0"/>
@@ -11447,27 +12463,43 @@
             </a:r>
             <a:r>
               <a:rPr lang="fr-FR" dirty="0" smtClean="0"/>
-              <a:t>» </a:t>
+              <a:t>»,«</a:t>
             </a:r>
             <a:r>
               <a:rPr lang="fr-FR" dirty="0"/>
-              <a:t>; « Outils à moteur </a:t>
+              <a:t> </a:t>
             </a:r>
             <a:r>
               <a:rPr lang="fr-FR" dirty="0" smtClean="0"/>
-              <a:t>» ; </a:t>
+              <a:t>101,00 </a:t>
             </a:r>
             <a:r>
               <a:rPr lang="fr-FR" dirty="0"/>
-              <a:t>« Taille-haie </a:t>
+              <a:t>€ </a:t>
             </a:r>
             <a:r>
               <a:rPr lang="fr-FR" dirty="0" smtClean="0"/>
-              <a:t>» ; </a:t>
+              <a:t>»,«</a:t>
             </a:r>
             <a:r>
               <a:rPr lang="fr-FR" dirty="0"/>
-              <a:t>« Taille-haie  électrique »</a:t>
+              <a:t> 20% </a:t>
+            </a:r>
+            <a:r>
+              <a:rPr lang="fr-FR" dirty="0" smtClean="0"/>
+              <a:t>»,«</a:t>
+            </a:r>
+            <a:r>
+              <a:rPr lang="fr-FR" dirty="0"/>
+              <a:t> Roby LTD </a:t>
+            </a:r>
+            <a:r>
+              <a:rPr lang="fr-FR" dirty="0" smtClean="0"/>
+              <a:t>»,«</a:t>
+            </a:r>
+            <a:r>
+              <a:rPr lang="fr-FR" dirty="0"/>
+              <a:t>Roby LTD »</a:t>
             </a:r>
             <a:r>
               <a:rPr lang="fr-FR" dirty="0" smtClean="0"/>
@@ -11480,7 +12512,7 @@
     </p:spTree>
     <p:extLst>
       <p:ext uri="{BB962C8B-B14F-4D97-AF65-F5344CB8AC3E}">
-        <p14:creationId xmlns:p14="http://schemas.microsoft.com/office/powerpoint/2010/main" val="2646522746"/>
+        <p14:creationId xmlns:p14="http://schemas.microsoft.com/office/powerpoint/2010/main" val="2826761366"/>
       </p:ext>
     </p:extLst>
   </p:cSld>
@@ -11523,7 +12555,7 @@
         <p:spPr>
           <a:xfrm>
             <a:off x="107504" y="107340"/>
-            <a:ext cx="2185983" cy="369332"/>
+            <a:ext cx="2573333" cy="369332"/>
           </a:xfrm>
           <a:prstGeom prst="rect">
             <a:avLst/>
@@ -11551,7 +12583,7 @@
           <a:p>
             <a:r>
               <a:rPr lang="fr-FR" dirty="0" smtClean="0"/>
-              <a:t>Dimension « Temps »</a:t>
+              <a:t>Dimension « Catégories »</a:t>
             </a:r>
             <a:endParaRPr lang="fr-FR" dirty="0"/>
           </a:p>
@@ -11559,14 +12591,14 @@
       </p:sp>
       <p:sp>
         <p:nvSpPr>
-          <p:cNvPr id="7" name="Rectangle 6"/>
+          <p:cNvPr id="6" name="Rectangle 5"/>
           <p:cNvSpPr/>
           <p:nvPr/>
         </p:nvSpPr>
         <p:spPr>
           <a:xfrm>
-            <a:off x="107504" y="1125167"/>
-            <a:ext cx="8856984" cy="646331"/>
+            <a:off x="611560" y="3753336"/>
+            <a:ext cx="6264696" cy="369332"/>
           </a:xfrm>
           <a:prstGeom prst="rect">
             <a:avLst/>
@@ -11588,98 +12620,21 @@
             </a:pPr>
             <a:r>
               <a:rPr lang="fr-FR" dirty="0" smtClean="0"/>
-              <a:t>Pour cette dimension temps, nous utiliserons le format « standard</a:t>
-            </a:r>
-            <a:r>
-              <a:rPr lang="fr-FR" dirty="0"/>
-              <a:t> », q</a:t>
-            </a:r>
-            <a:r>
-              <a:rPr lang="fr-FR" dirty="0" smtClean="0"/>
-              <a:t>ui </a:t>
-            </a:r>
-            <a:r>
-              <a:rPr lang="fr-FR" dirty="0"/>
-              <a:t>est issue de l’assistant de création SQL SERVER, puis quelques « retouches » des auteurs du livre. </a:t>
-            </a:r>
-          </a:p>
-        </p:txBody>
-      </p:sp>
-      <p:sp>
-        <p:nvSpPr>
-          <p:cNvPr id="10" name="Rectangle 9"/>
-          <p:cNvSpPr/>
-          <p:nvPr/>
-        </p:nvSpPr>
-        <p:spPr>
-          <a:xfrm>
-            <a:off x="2480595" y="114304"/>
-            <a:ext cx="5334474" cy="646331"/>
-          </a:xfrm>
-          <a:prstGeom prst="rect">
-            <a:avLst/>
-          </a:prstGeom>
-        </p:spPr>
-        <p:style>
-          <a:lnRef idx="2">
-            <a:schemeClr val="accent5"/>
-          </a:lnRef>
-          <a:fillRef idx="1">
-            <a:schemeClr val="lt1"/>
-          </a:fillRef>
-          <a:effectRef idx="0">
-            <a:schemeClr val="accent5"/>
-          </a:effectRef>
-          <a:fontRef idx="minor">
-            <a:schemeClr val="dk1"/>
-          </a:fontRef>
-        </p:style>
-        <p:txBody>
-          <a:bodyPr wrap="none">
-            <a:spAutoFit/>
-          </a:bodyPr>
-          <a:lstStyle/>
-          <a:p>
-            <a:r>
-              <a:rPr lang="fr-FR" dirty="0" smtClean="0"/>
-              <a:t>Cf. </a:t>
-            </a:r>
-            <a:r>
-              <a:rPr lang="fr-FR" dirty="0"/>
-              <a:t>livre « Business Intelligence avec SQL Server 2014 </a:t>
-            </a:r>
-            <a:r>
-              <a:rPr lang="fr-FR" dirty="0" smtClean="0"/>
-              <a:t>»</a:t>
-            </a:r>
-          </a:p>
-          <a:p>
-            <a:r>
-              <a:rPr lang="fr-FR" dirty="0" smtClean="0"/>
-              <a:t>Sébastien </a:t>
-            </a:r>
-            <a:r>
-              <a:rPr lang="fr-FR" dirty="0"/>
-              <a:t>FANTINI - Franck GAVAND </a:t>
-            </a:r>
-            <a:r>
-              <a:rPr lang="fr-FR" dirty="0" smtClean="0"/>
-              <a:t>// Edition ENI</a:t>
-            </a:r>
-            <a:endParaRPr lang="fr-FR" dirty="0"/>
-          </a:p>
-        </p:txBody>
-      </p:sp>
-      <p:sp>
-        <p:nvSpPr>
-          <p:cNvPr id="14" name="ZoneTexte 13"/>
+              <a:t>Texte</a:t>
+            </a:r>
+          </a:p>
+        </p:txBody>
+      </p:sp>
+      <p:sp>
+        <p:nvSpPr>
+          <p:cNvPr id="29" name="ZoneTexte 28"/>
           <p:cNvSpPr txBox="1"/>
           <p:nvPr/>
         </p:nvSpPr>
         <p:spPr>
           <a:xfrm>
-            <a:off x="443266" y="2271257"/>
-            <a:ext cx="2904598" cy="307777"/>
+            <a:off x="539552" y="1840036"/>
+            <a:ext cx="2664296" cy="307777"/>
           </a:xfrm>
           <a:prstGeom prst="rect">
             <a:avLst/>
@@ -11699,7 +12654,7 @@
           <a:p>
             <a:r>
               <a:rPr lang="fr-FR" sz="1400" dirty="0" smtClean="0"/>
-              <a:t>TEMPS_PK		</a:t>
+              <a:t>CATEGORIE_PK	</a:t>
             </a:r>
             <a:r>
               <a:rPr lang="fr-FR" sz="1400" dirty="0" err="1" smtClean="0"/>
@@ -11711,14 +12666,14 @@
       </p:sp>
       <p:sp>
         <p:nvSpPr>
-          <p:cNvPr id="15" name="Rogner un rectangle avec un coin du même côté 14"/>
+          <p:cNvPr id="30" name="Rogner un rectangle avec un coin du même côté 29"/>
           <p:cNvSpPr/>
           <p:nvPr/>
         </p:nvSpPr>
         <p:spPr>
           <a:xfrm>
-            <a:off x="443266" y="1843044"/>
-            <a:ext cx="2904597" cy="360040"/>
+            <a:off x="539552" y="1412776"/>
+            <a:ext cx="2664296" cy="360040"/>
           </a:xfrm>
           <a:prstGeom prst="snip2SameRect">
             <a:avLst>
@@ -11753,11 +12708,7 @@
             <a:pPr algn="ctr"/>
             <a:r>
               <a:rPr lang="fr-FR" sz="1400" b="1" dirty="0" smtClean="0"/>
-              <a:t>DIM</a:t>
-            </a:r>
-            <a:r>
-              <a:rPr lang="fr-FR" sz="1400" b="1" dirty="0" smtClean="0"/>
-              <a:t>_TEMPS</a:t>
+              <a:t>DIM_CATEGORIE</a:t>
             </a:r>
             <a:endParaRPr lang="fr-FR" sz="1400" b="1" dirty="0"/>
           </a:p>
@@ -11765,14 +12716,14 @@
       </p:sp>
       <p:sp>
         <p:nvSpPr>
-          <p:cNvPr id="17" name="ZoneTexte 16"/>
+          <p:cNvPr id="31" name="ZoneTexte 30"/>
           <p:cNvSpPr txBox="1"/>
           <p:nvPr/>
         </p:nvSpPr>
         <p:spPr>
           <a:xfrm>
-            <a:off x="443266" y="2631221"/>
-            <a:ext cx="2904598" cy="3754874"/>
+            <a:off x="539552" y="2237821"/>
+            <a:ext cx="2664296" cy="1815882"/>
           </a:xfrm>
           <a:prstGeom prst="rect">
             <a:avLst/>
@@ -11792,28 +12743,18 @@
           <a:p>
             <a:r>
               <a:rPr lang="fr-FR" sz="1400" dirty="0" smtClean="0"/>
-              <a:t>DATE		date</a:t>
-            </a:r>
+              <a:t>LIBEL_UNIVERS	</a:t>
+            </a:r>
+            <a:r>
+              <a:rPr lang="fr-FR" sz="1400" dirty="0" err="1" smtClean="0"/>
+              <a:t>varchar</a:t>
+            </a:r>
+            <a:endParaRPr lang="fr-FR" sz="1400" dirty="0" smtClean="0"/>
           </a:p>
           <a:p>
             <a:r>
               <a:rPr lang="fr-FR" sz="1400" dirty="0" smtClean="0"/>
-              <a:t>JOUR		</a:t>
-            </a:r>
-            <a:r>
-              <a:rPr lang="fr-FR" sz="1400" dirty="0" err="1"/>
-              <a:t>v</a:t>
-            </a:r>
-            <a:r>
-              <a:rPr lang="fr-FR" sz="1400" dirty="0" err="1" smtClean="0"/>
-              <a:t>archar</a:t>
-            </a:r>
-            <a:endParaRPr lang="fr-FR" sz="1400" dirty="0" smtClean="0"/>
-          </a:p>
-          <a:p>
-            <a:r>
-              <a:rPr lang="fr-FR" sz="1400" dirty="0" smtClean="0"/>
-              <a:t>ANNEE_CODE	</a:t>
+              <a:t>ID_UNIVERS		</a:t>
             </a:r>
             <a:r>
               <a:rPr lang="fr-FR" sz="1400" dirty="0" err="1" smtClean="0"/>
@@ -11823,62 +12764,45 @@
           </a:p>
           <a:p>
             <a:r>
+              <a:rPr lang="fr-FR" sz="1400" dirty="0"/>
+              <a:t>LIBEL_RAYON </a:t>
+            </a:r>
+            <a:r>
               <a:rPr lang="fr-FR" sz="1400" dirty="0" smtClean="0"/>
-              <a:t>ANNEE_DATE	date</a:t>
-            </a:r>
+              <a:t>	</a:t>
+            </a:r>
+            <a:r>
+              <a:rPr lang="fr-FR" sz="1400" dirty="0" err="1" smtClean="0"/>
+              <a:t>varchar</a:t>
+            </a:r>
+            <a:endParaRPr lang="fr-FR" sz="1400" dirty="0" smtClean="0"/>
           </a:p>
           <a:p>
             <a:r>
               <a:rPr lang="fr-FR" sz="1400" dirty="0" smtClean="0"/>
-              <a:t>ANNEE_NOM	</a:t>
-            </a:r>
-            <a:r>
-              <a:rPr lang="fr-FR" sz="1400" dirty="0" err="1"/>
-              <a:t>v</a:t>
-            </a:r>
-            <a:r>
-              <a:rPr lang="fr-FR" sz="1400" dirty="0" err="1" smtClean="0"/>
-              <a:t>archar</a:t>
-            </a:r>
-            <a:endParaRPr lang="fr-FR" sz="1400" dirty="0" smtClean="0"/>
-          </a:p>
-          <a:p>
-            <a:r>
-              <a:rPr lang="fr-FR" sz="1400" dirty="0" smtClean="0"/>
-              <a:t>TRIMESTRE_CODE	</a:t>
+              <a:t>ID_RAYON		</a:t>
             </a:r>
             <a:r>
               <a:rPr lang="fr-FR" sz="1400" dirty="0" err="1" smtClean="0"/>
               <a:t>int</a:t>
             </a:r>
+            <a:endParaRPr lang="fr-FR" sz="1400" dirty="0" smtClean="0"/>
+          </a:p>
+          <a:p>
+            <a:r>
+              <a:rPr lang="fr-FR" sz="1400" dirty="0" smtClean="0"/>
+              <a:t>LIBEL_FAMILLE	</a:t>
+            </a:r>
+            <a:r>
+              <a:rPr lang="fr-FR" sz="1400" dirty="0" err="1" smtClean="0"/>
+              <a:t>varchar</a:t>
+            </a:r>
             <a:endParaRPr lang="fr-FR" sz="1400" dirty="0"/>
           </a:p>
           <a:p>
             <a:r>
               <a:rPr lang="fr-FR" sz="1400" dirty="0" smtClean="0"/>
-              <a:t>TRIMESTRE_DATE	date</a:t>
-            </a:r>
-            <a:endParaRPr lang="fr-FR" sz="1400" dirty="0"/>
-          </a:p>
-          <a:p>
-            <a:r>
-              <a:rPr lang="fr-FR" sz="1400" dirty="0" smtClean="0"/>
-              <a:t>TRIMESTRE_NOM	</a:t>
-            </a:r>
-            <a:r>
-              <a:rPr lang="fr-FR" sz="1400" dirty="0" err="1"/>
-              <a:t>v</a:t>
-            </a:r>
-            <a:r>
-              <a:rPr lang="fr-FR" sz="1400" dirty="0" err="1" smtClean="0"/>
-              <a:t>archar</a:t>
-            </a:r>
-            <a:endParaRPr lang="fr-FR" sz="1400" dirty="0" smtClean="0"/>
-          </a:p>
-          <a:p>
-            <a:r>
-              <a:rPr lang="fr-FR" sz="1400" dirty="0" smtClean="0"/>
-              <a:t>MOIS_CODE		</a:t>
+              <a:t>ID_FAMILLE		</a:t>
             </a:r>
             <a:r>
               <a:rPr lang="fr-FR" sz="1400" dirty="0" err="1" smtClean="0"/>
@@ -11889,29 +12813,18 @@
           <a:p>
             <a:r>
               <a:rPr lang="fr-FR" sz="1400" dirty="0" smtClean="0"/>
-              <a:t>MOIS_DATE		date</a:t>
+              <a:t>LIBEL_SSFAMILLE	</a:t>
+            </a:r>
+            <a:r>
+              <a:rPr lang="fr-FR" sz="1400" dirty="0" err="1" smtClean="0"/>
+              <a:t>varchar</a:t>
             </a:r>
             <a:endParaRPr lang="fr-FR" sz="1400" dirty="0"/>
           </a:p>
           <a:p>
             <a:r>
               <a:rPr lang="fr-FR" sz="1400" dirty="0" smtClean="0"/>
-              <a:t>MOIS_NOM		</a:t>
-            </a:r>
-            <a:r>
-              <a:rPr lang="fr-FR" sz="1400" dirty="0" err="1"/>
-              <a:t>v</a:t>
-            </a:r>
-            <a:r>
-              <a:rPr lang="fr-FR" sz="1400" dirty="0" err="1" smtClean="0"/>
-              <a:t>archar</a:t>
-            </a:r>
-            <a:endParaRPr lang="fr-FR" sz="1400" dirty="0" smtClean="0"/>
-          </a:p>
-          <a:p>
-            <a:r>
-              <a:rPr lang="fr-FR" sz="1400" dirty="0" smtClean="0"/>
-              <a:t>SEMAINE_CODE	</a:t>
+              <a:t>ID_SSFAMILLE 	</a:t>
             </a:r>
             <a:r>
               <a:rPr lang="fr-FR" sz="1400" dirty="0" err="1" smtClean="0"/>
@@ -11919,72 +12832,17 @@
             </a:r>
             <a:endParaRPr lang="fr-FR" sz="1400" dirty="0"/>
           </a:p>
-          <a:p>
-            <a:r>
-              <a:rPr lang="fr-FR" sz="1400" dirty="0" smtClean="0"/>
-              <a:t>SEMAINE_DATE	date</a:t>
-            </a:r>
-            <a:endParaRPr lang="fr-FR" sz="1400" dirty="0"/>
-          </a:p>
-          <a:p>
-            <a:r>
-              <a:rPr lang="fr-FR" sz="1400" dirty="0" smtClean="0"/>
-              <a:t>SEMAINE_NOM	</a:t>
-            </a:r>
-            <a:r>
-              <a:rPr lang="fr-FR" sz="1400" dirty="0" err="1"/>
-              <a:t>v</a:t>
-            </a:r>
-            <a:r>
-              <a:rPr lang="fr-FR" sz="1400" dirty="0" err="1" smtClean="0"/>
-              <a:t>archar</a:t>
-            </a:r>
-            <a:endParaRPr lang="fr-FR" sz="1400" dirty="0" smtClean="0"/>
-          </a:p>
-          <a:p>
-            <a:r>
-              <a:rPr lang="fr-FR" sz="1400" dirty="0" smtClean="0"/>
-              <a:t>JOUR_CODE		</a:t>
-            </a:r>
-            <a:r>
-              <a:rPr lang="fr-FR" sz="1400" dirty="0" err="1" smtClean="0"/>
-              <a:t>int</a:t>
-            </a:r>
-            <a:endParaRPr lang="fr-FR" sz="1400" dirty="0"/>
-          </a:p>
-          <a:p>
-            <a:r>
-              <a:rPr lang="fr-FR" sz="1400" dirty="0" smtClean="0"/>
-              <a:t>JOUR_DATE		date</a:t>
-            </a:r>
-            <a:endParaRPr lang="fr-FR" sz="1400" dirty="0"/>
-          </a:p>
-          <a:p>
-            <a:r>
-              <a:rPr lang="fr-FR" sz="1400" dirty="0" smtClean="0"/>
-              <a:t>JOUR_NOM		</a:t>
-            </a:r>
-            <a:r>
-              <a:rPr lang="fr-FR" sz="1400" dirty="0" err="1"/>
-              <a:t>v</a:t>
-            </a:r>
-            <a:r>
-              <a:rPr lang="fr-FR" sz="1400" dirty="0" err="1" smtClean="0"/>
-              <a:t>archar</a:t>
-            </a:r>
-            <a:endParaRPr lang="fr-FR" sz="1400" dirty="0"/>
-          </a:p>
-        </p:txBody>
-      </p:sp>
-      <p:sp>
-        <p:nvSpPr>
-          <p:cNvPr id="18" name="Rectangle 17"/>
+        </p:txBody>
+      </p:sp>
+      <p:sp>
+        <p:nvSpPr>
+          <p:cNvPr id="32" name="Rectangle 31"/>
           <p:cNvSpPr/>
           <p:nvPr/>
         </p:nvSpPr>
         <p:spPr>
           <a:xfrm>
-            <a:off x="3635896" y="2235327"/>
+            <a:off x="3707904" y="1809258"/>
             <a:ext cx="4032448" cy="369332"/>
           </a:xfrm>
           <a:prstGeom prst="rect">
@@ -12018,14 +12876,14 @@
       </p:sp>
       <p:sp>
         <p:nvSpPr>
-          <p:cNvPr id="19" name="Rectangle 18"/>
+          <p:cNvPr id="33" name="Rectangle 32"/>
           <p:cNvSpPr/>
           <p:nvPr/>
         </p:nvSpPr>
         <p:spPr>
           <a:xfrm>
-            <a:off x="3635896" y="2646474"/>
-            <a:ext cx="4968552" cy="369332"/>
+            <a:off x="3707904" y="2213979"/>
+            <a:ext cx="5326645" cy="369332"/>
           </a:xfrm>
           <a:prstGeom prst="rect">
             <a:avLst/>
@@ -12051,74 +12909,129 @@
             </a:r>
             <a:r>
               <a:rPr lang="fr-FR" dirty="0" smtClean="0"/>
-              <a:t> : Données en trio {Code ; Date ; Nom}</a:t>
-            </a:r>
-          </a:p>
-        </p:txBody>
-      </p:sp>
-      <p:pic>
-        <p:nvPicPr>
-          <p:cNvPr id="5" name="Image 4"/>
-          <p:cNvPicPr>
-            <a:picLocks noChangeAspect="1"/>
-          </p:cNvPicPr>
-          <p:nvPr/>
-        </p:nvPicPr>
-        <p:blipFill rotWithShape="1">
-          <a:blip r:embed="rId3"/>
-          <a:srcRect r="9399"/>
-          <a:stretch/>
-        </p:blipFill>
-        <p:spPr>
-          <a:xfrm>
-            <a:off x="3446010" y="4869160"/>
-            <a:ext cx="5688632" cy="1228465"/>
+              <a:t> : Données des catégories de produits</a:t>
+            </a:r>
+          </a:p>
+        </p:txBody>
+      </p:sp>
+      <p:sp>
+        <p:nvSpPr>
+          <p:cNvPr id="34" name="ZoneTexte 33"/>
+          <p:cNvSpPr txBox="1"/>
+          <p:nvPr/>
+        </p:nvSpPr>
+        <p:spPr>
+          <a:xfrm>
+            <a:off x="301494" y="4437111"/>
+            <a:ext cx="8733055" cy="1200329"/>
           </a:xfrm>
           <a:prstGeom prst="rect">
             <a:avLst/>
           </a:prstGeom>
-        </p:spPr>
-      </p:pic>
-      <p:sp>
-        <p:nvSpPr>
-          <p:cNvPr id="20" name="Rectangle 19"/>
-          <p:cNvSpPr/>
-          <p:nvPr/>
-        </p:nvSpPr>
-        <p:spPr>
-          <a:xfrm>
-            <a:off x="5119232" y="4449075"/>
-            <a:ext cx="2520280" cy="369332"/>
-          </a:xfrm>
-          <a:prstGeom prst="rect">
-            <a:avLst/>
-          </a:prstGeom>
-        </p:spPr>
-        <p:txBody>
-          <a:bodyPr wrap="square">
+          <a:noFill/>
+        </p:spPr>
+        <p:txBody>
+          <a:bodyPr wrap="square" rtlCol="0">
             <a:spAutoFit/>
           </a:bodyPr>
           <a:lstStyle/>
           <a:p>
-            <a:pPr>
-              <a:spcBef>
-                <a:spcPts val="300"/>
-              </a:spcBef>
-              <a:spcAft>
-                <a:spcPts val="300"/>
-              </a:spcAft>
+            <a:r>
+              <a:rPr lang="fr-FR" b="1" dirty="0" smtClean="0"/>
+              <a:t>Exemples de {Libellé univers ; libellé rayon ; libellé famille ; libellé sous-famille} </a:t>
+            </a:r>
+            <a:r>
+              <a:rPr lang="fr-FR" dirty="0" smtClean="0"/>
+              <a:t>  </a:t>
+            </a:r>
+          </a:p>
+          <a:p>
+            <a:pPr marL="285750" indent="-285750">
+              <a:buFont typeface="Arial" panose="020B0604020202020204" pitchFamily="34" charset="0"/>
+              <a:buChar char="•"/>
             </a:pPr>
             <a:r>
               <a:rPr lang="fr-FR" dirty="0" smtClean="0"/>
-              <a:t>Exemple pour les mois :</a:t>
-            </a:r>
+              <a:t>{ « Intérieur et décoration » </a:t>
+            </a:r>
+            <a:r>
+              <a:rPr lang="fr-FR" dirty="0"/>
+              <a:t>; « Peinture, papiers peints et enduits </a:t>
+            </a:r>
+            <a:r>
+              <a:rPr lang="fr-FR" dirty="0" smtClean="0"/>
+              <a:t>» ; </a:t>
+            </a:r>
+            <a:r>
+              <a:rPr lang="fr-FR" dirty="0"/>
+              <a:t>« Outils du peintre </a:t>
+            </a:r>
+            <a:r>
+              <a:rPr lang="fr-FR" dirty="0" smtClean="0"/>
+              <a:t>» ; </a:t>
+            </a:r>
+            <a:r>
+              <a:rPr lang="fr-FR" dirty="0"/>
+              <a:t>« Pinceaux  »</a:t>
+            </a:r>
+            <a:r>
+              <a:rPr lang="fr-FR" dirty="0" smtClean="0"/>
+              <a:t>}</a:t>
+            </a:r>
+          </a:p>
+          <a:p>
+            <a:pPr marL="285750" indent="-285750">
+              <a:buFont typeface="Arial" panose="020B0604020202020204" pitchFamily="34" charset="0"/>
+              <a:buChar char="•"/>
+            </a:pPr>
+            <a:r>
+              <a:rPr lang="fr-FR" dirty="0"/>
+              <a:t>{ « </a:t>
+            </a:r>
+            <a:r>
+              <a:rPr lang="fr-FR" dirty="0" smtClean="0"/>
+              <a:t>Jardin et extérieur</a:t>
+            </a:r>
+            <a:r>
+              <a:rPr lang="fr-FR" dirty="0"/>
+              <a:t> </a:t>
+            </a:r>
+            <a:r>
+              <a:rPr lang="fr-FR" dirty="0" smtClean="0"/>
+              <a:t>» </a:t>
+            </a:r>
+            <a:r>
+              <a:rPr lang="fr-FR" dirty="0"/>
+              <a:t>; « Outils à moteur </a:t>
+            </a:r>
+            <a:r>
+              <a:rPr lang="fr-FR" dirty="0" smtClean="0"/>
+              <a:t>» ; </a:t>
+            </a:r>
+            <a:r>
+              <a:rPr lang="fr-FR" dirty="0"/>
+              <a:t>« Taille-haie </a:t>
+            </a:r>
+            <a:r>
+              <a:rPr lang="fr-FR" dirty="0" smtClean="0"/>
+              <a:t>» ; </a:t>
+            </a:r>
+            <a:r>
+              <a:rPr lang="fr-FR" dirty="0"/>
+              <a:t>« Taille-haie  électrique »</a:t>
+            </a:r>
+            <a:r>
+              <a:rPr lang="fr-FR" dirty="0" smtClean="0"/>
+              <a:t>}</a:t>
+            </a:r>
+            <a:endParaRPr lang="fr-FR" dirty="0"/>
           </a:p>
         </p:txBody>
       </p:sp>
     </p:spTree>
     <p:extLst>
       <p:ext uri="{BB962C8B-B14F-4D97-AF65-F5344CB8AC3E}">
-        <p14:creationId xmlns:p14="http://schemas.microsoft.com/office/powerpoint/2010/main" val="1667709609"/>
+        <p14:creationId xmlns:p14="http://schemas.microsoft.com/office/powerpoint/2010/main" val="2646522746"/>
       </p:ext>
     </p:extLst>
   </p:cSld>

--- a/Documentation/3 - Documentation technique/Modelisation_EntrepotDeDonnées.pptx
+++ b/Documentation/3 - Documentation technique/Modelisation_EntrepotDeDonnées.pptx
@@ -220,7 +220,7 @@
           <a:p>
             <a:fld id="{E52630F6-BB7E-4BB0-B3A1-C739EB574077}" type="datetimeFigureOut">
               <a:rPr lang="fr-FR" smtClean="0"/>
-              <a:t>28/06/2015</a:t>
+              <a:t>29/06/2015</a:t>
             </a:fld>
             <a:endParaRPr lang="fr-FR"/>
           </a:p>
@@ -1775,7 +1775,7 @@
                 </a:solidFill>
               </a:rPr>
               <a:pPr/>
-              <a:t>28/06/2015</a:t>
+              <a:t>29/06/2015</a:t>
             </a:fld>
             <a:endParaRPr lang="fr-FR" b="1" dirty="0">
               <a:solidFill>
@@ -2048,7 +2048,7 @@
           <a:p>
             <a:fld id="{CE5A5207-E07B-4FCF-99F6-F8833A3BB3D7}" type="datetime1">
               <a:rPr lang="fr-FR" smtClean="0"/>
-              <a:t>28/06/2015</a:t>
+              <a:t>29/06/2015</a:t>
             </a:fld>
             <a:endParaRPr lang="fr-FR"/>
           </a:p>
@@ -2228,7 +2228,7 @@
           <a:p>
             <a:fld id="{D68965C6-0898-43EA-9A99-A4039BB22876}" type="datetime1">
               <a:rPr lang="fr-FR" smtClean="0"/>
-              <a:t>28/06/2015</a:t>
+              <a:t>29/06/2015</a:t>
             </a:fld>
             <a:endParaRPr lang="fr-FR"/>
           </a:p>
@@ -2398,7 +2398,7 @@
           <a:p>
             <a:fld id="{94B2F636-2596-4D20-BE75-DC7667EB0908}" type="datetime1">
               <a:rPr lang="fr-FR" smtClean="0"/>
-              <a:t>28/06/2015</a:t>
+              <a:t>29/06/2015</a:t>
             </a:fld>
             <a:endParaRPr lang="fr-FR"/>
           </a:p>
@@ -2644,7 +2644,7 @@
           <a:p>
             <a:fld id="{3941AF55-5B35-49D2-89B7-6A012C2F0023}" type="datetime1">
               <a:rPr lang="fr-FR" smtClean="0"/>
-              <a:t>28/06/2015</a:t>
+              <a:t>29/06/2015</a:t>
             </a:fld>
             <a:endParaRPr lang="fr-FR"/>
           </a:p>
@@ -2932,7 +2932,7 @@
           <a:p>
             <a:fld id="{B36C4D42-2F73-4BB2-8416-8B3A3DDD3EE7}" type="datetime1">
               <a:rPr lang="fr-FR" smtClean="0"/>
-              <a:t>28/06/2015</a:t>
+              <a:t>29/06/2015</a:t>
             </a:fld>
             <a:endParaRPr lang="fr-FR"/>
           </a:p>
@@ -3354,7 +3354,7 @@
           <a:p>
             <a:fld id="{E456F79D-CD5D-4224-B1FA-5F7F3BAA4104}" type="datetime1">
               <a:rPr lang="fr-FR" smtClean="0"/>
-              <a:t>28/06/2015</a:t>
+              <a:t>29/06/2015</a:t>
             </a:fld>
             <a:endParaRPr lang="fr-FR"/>
           </a:p>
@@ -3472,7 +3472,7 @@
           <a:p>
             <a:fld id="{0E910143-4D2C-4FF6-B0A6-06989F9BDBAC}" type="datetime1">
               <a:rPr lang="fr-FR" smtClean="0"/>
-              <a:t>28/06/2015</a:t>
+              <a:t>29/06/2015</a:t>
             </a:fld>
             <a:endParaRPr lang="fr-FR"/>
           </a:p>
@@ -3567,7 +3567,7 @@
           <a:p>
             <a:fld id="{1E0A4A73-C55A-4735-A06F-415E5CC28EBA}" type="datetime1">
               <a:rPr lang="fr-FR" smtClean="0"/>
-              <a:t>28/06/2015</a:t>
+              <a:t>29/06/2015</a:t>
             </a:fld>
             <a:endParaRPr lang="fr-FR"/>
           </a:p>
@@ -3844,7 +3844,7 @@
           <a:p>
             <a:fld id="{B73FC597-E398-43B4-BDF9-08A9085F6959}" type="datetime1">
               <a:rPr lang="fr-FR" smtClean="0"/>
-              <a:t>28/06/2015</a:t>
+              <a:t>29/06/2015</a:t>
             </a:fld>
             <a:endParaRPr lang="fr-FR"/>
           </a:p>
@@ -4097,7 +4097,7 @@
           <a:p>
             <a:fld id="{D6C9D74D-BD35-47D9-98F8-EE91FA02EBB2}" type="datetime1">
               <a:rPr lang="fr-FR" smtClean="0"/>
-              <a:t>28/06/2015</a:t>
+              <a:t>29/06/2015</a:t>
             </a:fld>
             <a:endParaRPr lang="fr-FR"/>
           </a:p>
@@ -4310,7 +4310,7 @@
           <a:p>
             <a:fld id="{C8E6BC2D-0CAC-4C60-B0A8-88D3FE659C6F}" type="datetime1">
               <a:rPr lang="fr-FR" smtClean="0"/>
-              <a:t>28/06/2015</a:t>
+              <a:t>29/06/2015</a:t>
             </a:fld>
             <a:endParaRPr lang="fr-FR"/>
           </a:p>
@@ -9341,6 +9341,38 @@
           </a:p>
         </p:txBody>
       </p:sp>
+      <p:cxnSp>
+        <p:nvCxnSpPr>
+          <p:cNvPr id="54" name="Connecteur droit 53"/>
+          <p:cNvCxnSpPr>
+            <a:endCxn id="47" idx="3"/>
+          </p:cNvCxnSpPr>
+          <p:nvPr/>
+        </p:nvCxnSpPr>
+        <p:spPr>
+          <a:xfrm>
+            <a:off x="4022450" y="2280581"/>
+            <a:ext cx="729570" cy="2535587"/>
+          </a:xfrm>
+          <a:prstGeom prst="line">
+            <a:avLst/>
+          </a:prstGeom>
+        </p:spPr>
+        <p:style>
+          <a:lnRef idx="3">
+            <a:schemeClr val="accent1"/>
+          </a:lnRef>
+          <a:fillRef idx="0">
+            <a:schemeClr val="accent1"/>
+          </a:fillRef>
+          <a:effectRef idx="2">
+            <a:schemeClr val="accent1"/>
+          </a:effectRef>
+          <a:fontRef idx="minor">
+            <a:schemeClr val="tx1"/>
+          </a:fontRef>
+        </p:style>
+      </p:cxnSp>
     </p:spTree>
     <p:extLst>
       <p:ext uri="{BB962C8B-B14F-4D97-AF65-F5344CB8AC3E}">
@@ -10632,15 +10664,7 @@
             <a:pPr algn="ctr"/>
             <a:r>
               <a:rPr lang="fr-FR" dirty="0" smtClean="0"/>
-              <a:t>« </a:t>
-            </a:r>
-            <a:r>
-              <a:rPr lang="fr-FR" dirty="0" smtClean="0"/>
-              <a:t>Stocks</a:t>
-            </a:r>
-            <a:r>
-              <a:rPr lang="fr-FR" dirty="0" smtClean="0"/>
-              <a:t> »</a:t>
+              <a:t>« Stocks »</a:t>
             </a:r>
             <a:endParaRPr lang="fr-FR" dirty="0"/>
           </a:p>
@@ -11601,15 +11625,7 @@
           <a:p>
             <a:r>
               <a:rPr lang="fr-FR" dirty="0" smtClean="0"/>
-              <a:t>Table de faits « </a:t>
-            </a:r>
-            <a:r>
-              <a:rPr lang="fr-FR" dirty="0" smtClean="0"/>
-              <a:t>Stocks</a:t>
-            </a:r>
-            <a:r>
-              <a:rPr lang="fr-FR" dirty="0" smtClean="0"/>
-              <a:t> »</a:t>
+              <a:t>Table de faits « Stocks »</a:t>
             </a:r>
             <a:endParaRPr lang="fr-FR" dirty="0"/>
           </a:p>
@@ -11712,11 +11728,7 @@
           <a:p>
             <a:r>
               <a:rPr lang="fr-FR" sz="1400" dirty="0" smtClean="0"/>
-              <a:t>DATE_INVENTAIRE_FK</a:t>
-            </a:r>
-            <a:r>
-              <a:rPr lang="fr-FR" sz="1400" dirty="0" smtClean="0"/>
-              <a:t>	</a:t>
+              <a:t>DATE_INVENTAIRE_FK	</a:t>
             </a:r>
             <a:r>
               <a:rPr lang="fr-FR" sz="1400" dirty="0" err="1" smtClean="0"/>
@@ -11738,11 +11750,7 @@
           <a:p>
             <a:r>
               <a:rPr lang="fr-FR" sz="1400" dirty="0" smtClean="0"/>
-              <a:t>LIEU_FK</a:t>
-            </a:r>
-            <a:r>
-              <a:rPr lang="fr-FR" sz="1400" dirty="0" smtClean="0"/>
-              <a:t>		</a:t>
+              <a:t>LIEU_FK		</a:t>
             </a:r>
             <a:r>
               <a:rPr lang="fr-FR" sz="1400" dirty="0" err="1" smtClean="0"/>
@@ -11831,15 +11839,7 @@
           <a:p>
             <a:r>
               <a:rPr lang="fr-FR" sz="1400" dirty="0" smtClean="0"/>
-              <a:t>NBR_DISPO</a:t>
-            </a:r>
-            <a:r>
-              <a:rPr lang="fr-FR" sz="1400" dirty="0" smtClean="0"/>
-              <a:t>	 </a:t>
-            </a:r>
-            <a:r>
-              <a:rPr lang="fr-FR" sz="1400" dirty="0" smtClean="0"/>
-              <a:t>	</a:t>
+              <a:t>NBR_DISPO	 	</a:t>
             </a:r>
             <a:r>
               <a:rPr lang="fr-FR" sz="1400" dirty="0" err="1" smtClean="0"/>
@@ -11924,13 +11924,8 @@
             </a:r>
             <a:r>
               <a:rPr lang="fr-FR" dirty="0" smtClean="0"/>
-              <a:t> : </a:t>
-            </a:r>
-            <a:r>
-              <a:rPr lang="fr-FR" dirty="0" smtClean="0"/>
-              <a:t>Mesure</a:t>
-            </a:r>
-            <a:endParaRPr lang="fr-FR" dirty="0" smtClean="0"/>
+              <a:t> : Mesure</a:t>
+            </a:r>
           </a:p>
         </p:txBody>
       </p:sp>
@@ -12022,11 +12017,7 @@
           <a:p>
             <a:r>
               <a:rPr lang="fr-FR" sz="1400" dirty="0" smtClean="0"/>
-              <a:t>ID_INVENTAIRE</a:t>
-            </a:r>
-            <a:r>
-              <a:rPr lang="fr-FR" sz="1400" dirty="0" smtClean="0"/>
-              <a:t>	</a:t>
+              <a:t>ID_INVENTAIRE	</a:t>
             </a:r>
             <a:r>
               <a:rPr lang="fr-FR" sz="1400" dirty="0" err="1" smtClean="0"/>

--- a/Documentation/3 - Documentation technique/Modelisation_EntrepotDeDonnées.pptx
+++ b/Documentation/3 - Documentation technique/Modelisation_EntrepotDeDonnées.pptx
@@ -5160,8 +5160,16 @@
           <a:lstStyle/>
           <a:p>
             <a:r>
+              <a:rPr lang="fr-FR" sz="1400" dirty="0" smtClean="0">
+                <a:solidFill>
+                  <a:srgbClr val="00B050"/>
+                </a:solidFill>
+              </a:rPr>
+              <a:t>TEMPS_PK</a:t>
+            </a:r>
+            <a:r>
               <a:rPr lang="fr-FR" sz="1400" dirty="0" smtClean="0"/>
-              <a:t>TEMPS_PK		</a:t>
+              <a:t>		</a:t>
             </a:r>
             <a:r>
               <a:rPr lang="fr-FR" sz="1400" dirty="0" err="1" smtClean="0"/>
@@ -5309,14 +5317,13 @@
               <a:rPr lang="fr-FR" sz="1400" dirty="0" err="1" smtClean="0"/>
               <a:t>int</a:t>
             </a:r>
-            <a:endParaRPr lang="fr-FR" sz="1400" dirty="0"/>
+            <a:endParaRPr lang="fr-FR" sz="1400" dirty="0" smtClean="0"/>
           </a:p>
           <a:p>
             <a:r>
               <a:rPr lang="fr-FR" sz="1400" dirty="0" smtClean="0"/>
               <a:t>TRIMESTRE_DATE	date</a:t>
             </a:r>
-            <a:endParaRPr lang="fr-FR" sz="1400" dirty="0"/>
           </a:p>
           <a:p>
             <a:r>
@@ -5324,19 +5331,19 @@
               <a:t>TRIMESTRE_NOM	</a:t>
             </a:r>
             <a:r>
-              <a:rPr lang="fr-FR" sz="1400" dirty="0" err="1"/>
-              <a:t>v</a:t>
-            </a:r>
-            <a:r>
               <a:rPr lang="fr-FR" sz="1400" dirty="0" err="1" smtClean="0"/>
-              <a:t>archar</a:t>
+              <a:t>varchar</a:t>
             </a:r>
             <a:endParaRPr lang="fr-FR" sz="1400" dirty="0" smtClean="0"/>
           </a:p>
           <a:p>
             <a:r>
               <a:rPr lang="fr-FR" sz="1400" dirty="0" smtClean="0"/>
-              <a:t>MOIS_CODE		</a:t>
+              <a:t>MOIS_CODE</a:t>
+            </a:r>
+            <a:r>
+              <a:rPr lang="fr-FR" sz="1400" dirty="0" smtClean="0"/>
+              <a:t>		</a:t>
             </a:r>
             <a:r>
               <a:rPr lang="fr-FR" sz="1400" dirty="0" err="1" smtClean="0"/>
@@ -5570,6 +5577,167 @@
               <a:rPr lang="fr-FR" dirty="0" smtClean="0"/>
               <a:t>Exemple pour les mois :</a:t>
             </a:r>
+          </a:p>
+        </p:txBody>
+      </p:sp>
+      <p:sp>
+        <p:nvSpPr>
+          <p:cNvPr id="12" name="Rectangle 11"/>
+          <p:cNvSpPr/>
+          <p:nvPr/>
+        </p:nvSpPr>
+        <p:spPr>
+          <a:xfrm>
+            <a:off x="5106371" y="3344803"/>
+            <a:ext cx="2452198" cy="723275"/>
+          </a:xfrm>
+          <a:prstGeom prst="rect">
+            <a:avLst/>
+          </a:prstGeom>
+        </p:spPr>
+        <p:txBody>
+          <a:bodyPr wrap="square">
+            <a:spAutoFit/>
+          </a:bodyPr>
+          <a:lstStyle/>
+          <a:p>
+            <a:pPr>
+              <a:spcBef>
+                <a:spcPts val="300"/>
+              </a:spcBef>
+              <a:spcAft>
+                <a:spcPts val="300"/>
+              </a:spcAft>
+            </a:pPr>
+            <a:r>
+              <a:rPr lang="fr-FR" b="1" dirty="0" smtClean="0"/>
+              <a:t>PK</a:t>
+            </a:r>
+            <a:r>
+              <a:rPr lang="fr-FR" dirty="0" smtClean="0"/>
+              <a:t> : </a:t>
+            </a:r>
+            <a:r>
+              <a:rPr lang="fr-FR" dirty="0" err="1" smtClean="0"/>
+              <a:t>Primary</a:t>
+            </a:r>
+            <a:r>
+              <a:rPr lang="fr-FR" dirty="0" smtClean="0"/>
+              <a:t> </a:t>
+            </a:r>
+            <a:r>
+              <a:rPr lang="fr-FR" dirty="0" smtClean="0"/>
+              <a:t>Key (Vert)</a:t>
+            </a:r>
+            <a:endParaRPr lang="fr-FR" dirty="0" smtClean="0"/>
+          </a:p>
+          <a:p>
+            <a:pPr>
+              <a:spcBef>
+                <a:spcPts val="300"/>
+              </a:spcBef>
+              <a:spcAft>
+                <a:spcPts val="300"/>
+              </a:spcAft>
+            </a:pPr>
+            <a:r>
+              <a:rPr lang="fr-FR" b="1" dirty="0" smtClean="0"/>
+              <a:t>FK</a:t>
+            </a:r>
+            <a:r>
+              <a:rPr lang="fr-FR" dirty="0" smtClean="0"/>
+              <a:t> : </a:t>
+            </a:r>
+            <a:r>
+              <a:rPr lang="fr-FR" dirty="0" err="1" smtClean="0"/>
+              <a:t>Foreign</a:t>
+            </a:r>
+            <a:r>
+              <a:rPr lang="fr-FR" dirty="0" smtClean="0"/>
+              <a:t> </a:t>
+            </a:r>
+            <a:r>
+              <a:rPr lang="fr-FR" dirty="0" smtClean="0"/>
+              <a:t>Key (Rouge)</a:t>
+            </a:r>
+            <a:endParaRPr lang="fr-FR" dirty="0" smtClean="0"/>
+          </a:p>
+        </p:txBody>
+      </p:sp>
+      <p:sp>
+        <p:nvSpPr>
+          <p:cNvPr id="13" name="Rectangle 12"/>
+          <p:cNvSpPr/>
+          <p:nvPr/>
+        </p:nvSpPr>
+        <p:spPr>
+          <a:xfrm>
+            <a:off x="3635896" y="4015503"/>
+            <a:ext cx="5040560" cy="646331"/>
+          </a:xfrm>
+          <a:prstGeom prst="rect">
+            <a:avLst/>
+          </a:prstGeom>
+        </p:spPr>
+        <p:txBody>
+          <a:bodyPr wrap="square">
+            <a:spAutoFit/>
+          </a:bodyPr>
+          <a:lstStyle/>
+          <a:p>
+            <a:pPr>
+              <a:spcBef>
+                <a:spcPts val="300"/>
+              </a:spcBef>
+              <a:spcAft>
+                <a:spcPts val="300"/>
+              </a:spcAft>
+            </a:pPr>
+            <a:r>
+              <a:rPr lang="fr-FR" b="1" dirty="0" smtClean="0">
+                <a:solidFill>
+                  <a:schemeClr val="accent2"/>
+                </a:solidFill>
+              </a:rPr>
+              <a:t>Module Marché Fi : Pour les </a:t>
+            </a:r>
+            <a:r>
+              <a:rPr lang="fr-FR" b="1" dirty="0" err="1" smtClean="0">
+                <a:solidFill>
+                  <a:schemeClr val="accent2"/>
+                </a:solidFill>
+              </a:rPr>
+              <a:t>societé</a:t>
+            </a:r>
+            <a:r>
+              <a:rPr lang="fr-FR" b="1" dirty="0" err="1" smtClean="0">
+                <a:solidFill>
+                  <a:schemeClr val="accent2"/>
+                </a:solidFill>
+              </a:rPr>
+              <a:t>s</a:t>
+            </a:r>
+            <a:r>
+              <a:rPr lang="fr-FR" b="1" dirty="0" smtClean="0">
+                <a:solidFill>
+                  <a:schemeClr val="accent2"/>
+                </a:solidFill>
+              </a:rPr>
+              <a:t> cotées, o</a:t>
+            </a:r>
+            <a:r>
+              <a:rPr lang="fr-FR" dirty="0" smtClean="0">
+                <a:solidFill>
+                  <a:schemeClr val="accent2"/>
+                </a:solidFill>
+              </a:rPr>
+              <a:t>bligation par trimestre [?]</a:t>
+            </a:r>
+            <a:endParaRPr lang="fr-FR" dirty="0" smtClean="0">
+              <a:solidFill>
+                <a:schemeClr val="accent2"/>
+              </a:solidFill>
+            </a:endParaRPr>
           </a:p>
         </p:txBody>
       </p:sp>
@@ -5681,8 +5849,16 @@
           <a:lstStyle/>
           <a:p>
             <a:r>
+              <a:rPr lang="fr-FR" sz="1400" dirty="0" smtClean="0">
+                <a:solidFill>
+                  <a:srgbClr val="00B050"/>
+                </a:solidFill>
+              </a:rPr>
+              <a:t>LIEU_PK</a:t>
+            </a:r>
+            <a:r>
               <a:rPr lang="fr-FR" sz="1400" dirty="0" smtClean="0"/>
-              <a:t>LIEU_PK		</a:t>
+              <a:t>		</a:t>
             </a:r>
             <a:r>
               <a:rPr lang="fr-FR" sz="1400" dirty="0" err="1" smtClean="0"/>
@@ -5770,8 +5946,16 @@
           <a:lstStyle/>
           <a:p>
             <a:r>
+              <a:rPr lang="fr-FR" sz="1400" dirty="0">
+                <a:solidFill>
+                  <a:schemeClr val="accent2"/>
+                </a:solidFill>
+              </a:rPr>
+              <a:t>VILLE_FK</a:t>
+            </a:r>
+            <a:r>
               <a:rPr lang="fr-FR" sz="1400" dirty="0"/>
-              <a:t>VILLE_FK		</a:t>
+              <a:t>		</a:t>
             </a:r>
             <a:r>
               <a:rPr lang="fr-FR" sz="1400" dirty="0" err="1" smtClean="0"/>
@@ -6112,6 +6296,141 @@
           </a:p>
           <a:p>
             <a:endParaRPr lang="fr-FR" dirty="0"/>
+          </a:p>
+        </p:txBody>
+      </p:sp>
+      <p:sp>
+        <p:nvSpPr>
+          <p:cNvPr id="11" name="Rectangle 10"/>
+          <p:cNvSpPr/>
+          <p:nvPr/>
+        </p:nvSpPr>
+        <p:spPr>
+          <a:xfrm>
+            <a:off x="6156176" y="169119"/>
+            <a:ext cx="2452198" cy="723275"/>
+          </a:xfrm>
+          <a:prstGeom prst="rect">
+            <a:avLst/>
+          </a:prstGeom>
+        </p:spPr>
+        <p:txBody>
+          <a:bodyPr wrap="square">
+            <a:spAutoFit/>
+          </a:bodyPr>
+          <a:lstStyle/>
+          <a:p>
+            <a:pPr>
+              <a:spcBef>
+                <a:spcPts val="300"/>
+              </a:spcBef>
+              <a:spcAft>
+                <a:spcPts val="300"/>
+              </a:spcAft>
+            </a:pPr>
+            <a:r>
+              <a:rPr lang="fr-FR" b="1" dirty="0" smtClean="0"/>
+              <a:t>PK</a:t>
+            </a:r>
+            <a:r>
+              <a:rPr lang="fr-FR" dirty="0" smtClean="0"/>
+              <a:t> : </a:t>
+            </a:r>
+            <a:r>
+              <a:rPr lang="fr-FR" dirty="0" err="1" smtClean="0"/>
+              <a:t>Primary</a:t>
+            </a:r>
+            <a:r>
+              <a:rPr lang="fr-FR" dirty="0" smtClean="0"/>
+              <a:t> </a:t>
+            </a:r>
+            <a:r>
+              <a:rPr lang="fr-FR" dirty="0" smtClean="0"/>
+              <a:t>Key (Vert)</a:t>
+            </a:r>
+            <a:endParaRPr lang="fr-FR" dirty="0" smtClean="0"/>
+          </a:p>
+          <a:p>
+            <a:pPr>
+              <a:spcBef>
+                <a:spcPts val="300"/>
+              </a:spcBef>
+              <a:spcAft>
+                <a:spcPts val="300"/>
+              </a:spcAft>
+            </a:pPr>
+            <a:r>
+              <a:rPr lang="fr-FR" b="1" dirty="0" smtClean="0"/>
+              <a:t>FK</a:t>
+            </a:r>
+            <a:r>
+              <a:rPr lang="fr-FR" dirty="0" smtClean="0"/>
+              <a:t> : </a:t>
+            </a:r>
+            <a:r>
+              <a:rPr lang="fr-FR" dirty="0" err="1" smtClean="0"/>
+              <a:t>Foreign</a:t>
+            </a:r>
+            <a:r>
+              <a:rPr lang="fr-FR" dirty="0" smtClean="0"/>
+              <a:t> </a:t>
+            </a:r>
+            <a:r>
+              <a:rPr lang="fr-FR" dirty="0" smtClean="0"/>
+              <a:t>Key (Rouge)</a:t>
+            </a:r>
+            <a:endParaRPr lang="fr-FR" dirty="0" smtClean="0"/>
+          </a:p>
+        </p:txBody>
+      </p:sp>
+      <p:sp>
+        <p:nvSpPr>
+          <p:cNvPr id="12" name="Rectangle 11"/>
+          <p:cNvSpPr/>
+          <p:nvPr/>
+        </p:nvSpPr>
+        <p:spPr>
+          <a:xfrm>
+            <a:off x="3707904" y="3269765"/>
+            <a:ext cx="5326645" cy="1000274"/>
+          </a:xfrm>
+          <a:prstGeom prst="rect">
+            <a:avLst/>
+          </a:prstGeom>
+        </p:spPr>
+        <p:txBody>
+          <a:bodyPr wrap="square">
+            <a:spAutoFit/>
+          </a:bodyPr>
+          <a:lstStyle/>
+          <a:p>
+            <a:pPr>
+              <a:spcBef>
+                <a:spcPts val="300"/>
+              </a:spcBef>
+              <a:spcAft>
+                <a:spcPts val="300"/>
+              </a:spcAft>
+            </a:pPr>
+            <a:r>
+              <a:rPr lang="fr-FR" b="1" dirty="0" smtClean="0"/>
+              <a:t>Surface : Rendement par M² ?</a:t>
+            </a:r>
+          </a:p>
+          <a:p>
+            <a:pPr>
+              <a:spcBef>
+                <a:spcPts val="300"/>
+              </a:spcBef>
+              <a:spcAft>
+                <a:spcPts val="300"/>
+              </a:spcAft>
+            </a:pPr>
+            <a:r>
+              <a:rPr lang="fr-FR" b="1" dirty="0" smtClean="0"/>
+              <a:t>Dates : Voir si ajout de dimension « Horaires d’ouverture » ?</a:t>
+            </a:r>
+            <a:endParaRPr lang="fr-FR" dirty="0" smtClean="0"/>
           </a:p>
         </p:txBody>
       </p:sp>
@@ -6223,8 +6542,16 @@
           <a:lstStyle/>
           <a:p>
             <a:r>
+              <a:rPr lang="fr-FR" sz="1400" dirty="0" smtClean="0">
+                <a:solidFill>
+                  <a:srgbClr val="00B050"/>
+                </a:solidFill>
+              </a:rPr>
+              <a:t>CLIENT_PK	</a:t>
+            </a:r>
+            <a:r>
               <a:rPr lang="fr-FR" sz="1400" dirty="0" smtClean="0"/>
-              <a:t>CLIENT_PK		</a:t>
+              <a:t>	</a:t>
             </a:r>
             <a:r>
               <a:rPr lang="fr-FR" sz="1400" dirty="0" err="1" smtClean="0"/>
@@ -6312,8 +6639,16 @@
           <a:lstStyle/>
           <a:p>
             <a:r>
+              <a:rPr lang="fr-FR" sz="1400" dirty="0" smtClean="0">
+                <a:solidFill>
+                  <a:schemeClr val="accent2"/>
+                </a:solidFill>
+              </a:rPr>
+              <a:t>VILLE_FK</a:t>
+            </a:r>
+            <a:r>
               <a:rPr lang="fr-FR" sz="1400" dirty="0" smtClean="0"/>
-              <a:t>VILLE_FK	 	</a:t>
+              <a:t>	 	</a:t>
             </a:r>
             <a:r>
               <a:rPr lang="fr-FR" sz="1400" dirty="0" err="1" smtClean="0"/>
@@ -6557,6 +6892,127 @@
               <a:rPr lang="fr-FR" dirty="0"/>
               <a:t> »}</a:t>
             </a:r>
+          </a:p>
+        </p:txBody>
+      </p:sp>
+      <p:sp>
+        <p:nvSpPr>
+          <p:cNvPr id="11" name="Rectangle 10"/>
+          <p:cNvSpPr/>
+          <p:nvPr/>
+        </p:nvSpPr>
+        <p:spPr>
+          <a:xfrm>
+            <a:off x="6514253" y="87231"/>
+            <a:ext cx="2452198" cy="723275"/>
+          </a:xfrm>
+          <a:prstGeom prst="rect">
+            <a:avLst/>
+          </a:prstGeom>
+        </p:spPr>
+        <p:txBody>
+          <a:bodyPr wrap="square">
+            <a:spAutoFit/>
+          </a:bodyPr>
+          <a:lstStyle/>
+          <a:p>
+            <a:pPr>
+              <a:spcBef>
+                <a:spcPts val="300"/>
+              </a:spcBef>
+              <a:spcAft>
+                <a:spcPts val="300"/>
+              </a:spcAft>
+            </a:pPr>
+            <a:r>
+              <a:rPr lang="fr-FR" b="1" dirty="0" smtClean="0"/>
+              <a:t>PK</a:t>
+            </a:r>
+            <a:r>
+              <a:rPr lang="fr-FR" dirty="0" smtClean="0"/>
+              <a:t> : </a:t>
+            </a:r>
+            <a:r>
+              <a:rPr lang="fr-FR" dirty="0" err="1" smtClean="0"/>
+              <a:t>Primary</a:t>
+            </a:r>
+            <a:r>
+              <a:rPr lang="fr-FR" dirty="0" smtClean="0"/>
+              <a:t> </a:t>
+            </a:r>
+            <a:r>
+              <a:rPr lang="fr-FR" dirty="0" smtClean="0"/>
+              <a:t>Key (Vert)</a:t>
+            </a:r>
+            <a:endParaRPr lang="fr-FR" dirty="0" smtClean="0"/>
+          </a:p>
+          <a:p>
+            <a:pPr>
+              <a:spcBef>
+                <a:spcPts val="300"/>
+              </a:spcBef>
+              <a:spcAft>
+                <a:spcPts val="300"/>
+              </a:spcAft>
+            </a:pPr>
+            <a:r>
+              <a:rPr lang="fr-FR" b="1" dirty="0" smtClean="0"/>
+              <a:t>FK</a:t>
+            </a:r>
+            <a:r>
+              <a:rPr lang="fr-FR" dirty="0" smtClean="0"/>
+              <a:t> : </a:t>
+            </a:r>
+            <a:r>
+              <a:rPr lang="fr-FR" dirty="0" err="1" smtClean="0"/>
+              <a:t>Foreign</a:t>
+            </a:r>
+            <a:r>
+              <a:rPr lang="fr-FR" dirty="0" smtClean="0"/>
+              <a:t> </a:t>
+            </a:r>
+            <a:r>
+              <a:rPr lang="fr-FR" dirty="0" smtClean="0"/>
+              <a:t>Key (Rouge)</a:t>
+            </a:r>
+            <a:endParaRPr lang="fr-FR" dirty="0" smtClean="0"/>
+          </a:p>
+        </p:txBody>
+      </p:sp>
+      <p:sp>
+        <p:nvSpPr>
+          <p:cNvPr id="12" name="Rectangle 11"/>
+          <p:cNvSpPr/>
+          <p:nvPr/>
+        </p:nvSpPr>
+        <p:spPr>
+          <a:xfrm>
+            <a:off x="3707904" y="3269765"/>
+            <a:ext cx="5326645" cy="369332"/>
+          </a:xfrm>
+          <a:prstGeom prst="rect">
+            <a:avLst/>
+          </a:prstGeom>
+        </p:spPr>
+        <p:txBody>
+          <a:bodyPr wrap="square">
+            <a:spAutoFit/>
+          </a:bodyPr>
+          <a:lstStyle/>
+          <a:p>
+            <a:pPr>
+              <a:spcBef>
+                <a:spcPts val="300"/>
+              </a:spcBef>
+              <a:spcAft>
+                <a:spcPts val="300"/>
+              </a:spcAft>
+            </a:pPr>
+            <a:r>
+              <a:rPr lang="fr-FR" b="1" dirty="0" smtClean="0"/>
+              <a:t>BI : Ouverture vers les SIG (Dans le rapport final)</a:t>
+            </a:r>
+            <a:endParaRPr lang="fr-FR" dirty="0" smtClean="0"/>
           </a:p>
         </p:txBody>
       </p:sp>
@@ -6668,8 +7124,16 @@
           <a:lstStyle/>
           <a:p>
             <a:r>
+              <a:rPr lang="fr-FR" sz="1400" dirty="0" smtClean="0">
+                <a:solidFill>
+                  <a:srgbClr val="00B050"/>
+                </a:solidFill>
+              </a:rPr>
+              <a:t>VILLE_PK</a:t>
+            </a:r>
+            <a:r>
               <a:rPr lang="fr-FR" sz="1400" dirty="0" smtClean="0"/>
-              <a:t>VILLE_PK	</a:t>
+              <a:t>	</a:t>
             </a:r>
             <a:r>
               <a:rPr lang="fr-FR" sz="1400" dirty="0" err="1" smtClean="0"/>
@@ -6738,7 +7202,7 @@
         <p:spPr>
           <a:xfrm>
             <a:off x="539552" y="2237821"/>
-            <a:ext cx="2664296" cy="954107"/>
+            <a:ext cx="2664296" cy="2031325"/>
           </a:xfrm>
           <a:prstGeom prst="rect">
             <a:avLst/>
@@ -6769,7 +7233,62 @@
           <a:p>
             <a:r>
               <a:rPr lang="fr-FR" sz="1400" dirty="0" smtClean="0"/>
-              <a:t>NOM_VILLE		</a:t>
+              <a:t>CODE_COMMUNE	</a:t>
+            </a:r>
+            <a:r>
+              <a:rPr lang="fr-FR" sz="1400" dirty="0" err="1" smtClean="0"/>
+              <a:t>int</a:t>
+            </a:r>
+            <a:endParaRPr lang="fr-FR" sz="1400" dirty="0" smtClean="0"/>
+          </a:p>
+          <a:p>
+            <a:r>
+              <a:rPr lang="fr-FR" sz="1400" dirty="0" smtClean="0"/>
+              <a:t>CODE_REGION	</a:t>
+            </a:r>
+            <a:r>
+              <a:rPr lang="fr-FR" sz="1400" dirty="0" err="1" smtClean="0"/>
+              <a:t>int</a:t>
+            </a:r>
+            <a:endParaRPr lang="fr-FR" sz="1400" dirty="0" smtClean="0"/>
+          </a:p>
+          <a:p>
+            <a:r>
+              <a:rPr lang="fr-FR" sz="1400" dirty="0" smtClean="0"/>
+              <a:t>CODE_DEPARTEMENT	</a:t>
+            </a:r>
+            <a:r>
+              <a:rPr lang="fr-FR" sz="1400" dirty="0" err="1" smtClean="0"/>
+              <a:t>int</a:t>
+            </a:r>
+            <a:endParaRPr lang="fr-FR" sz="1400" dirty="0" smtClean="0"/>
+          </a:p>
+          <a:p>
+            <a:r>
+              <a:rPr lang="fr-FR" sz="1400" dirty="0" smtClean="0"/>
+              <a:t>CODE_ARRONDISEMENT	</a:t>
+            </a:r>
+            <a:r>
+              <a:rPr lang="fr-FR" sz="1400" dirty="0" err="1" smtClean="0"/>
+              <a:t>int</a:t>
+            </a:r>
+            <a:endParaRPr lang="fr-FR" sz="1400" dirty="0" smtClean="0"/>
+          </a:p>
+          <a:p>
+            <a:r>
+              <a:rPr lang="fr-FR" sz="1400" dirty="0" smtClean="0"/>
+              <a:t>CODE_CANTON	</a:t>
+            </a:r>
+            <a:r>
+              <a:rPr lang="fr-FR" sz="1400" dirty="0" err="1" smtClean="0"/>
+              <a:t>int</a:t>
+            </a:r>
+            <a:endParaRPr lang="fr-FR" sz="1400" dirty="0" smtClean="0"/>
+          </a:p>
+          <a:p>
+            <a:r>
+              <a:rPr lang="fr-FR" sz="1400" dirty="0" smtClean="0"/>
+              <a:t>NOM_VILLE_MAJ	</a:t>
             </a:r>
             <a:r>
               <a:rPr lang="fr-FR" sz="1400" dirty="0" err="1" smtClean="0"/>
@@ -6780,7 +7299,7 @@
           <a:p>
             <a:r>
               <a:rPr lang="fr-FR" sz="1400" dirty="0" smtClean="0"/>
-              <a:t>DEPARTEMENT	</a:t>
+              <a:t>NOM_VILLE_MIN	</a:t>
             </a:r>
             <a:r>
               <a:rPr lang="fr-FR" sz="1400" dirty="0" err="1" smtClean="0"/>
@@ -6791,11 +7310,11 @@
           <a:p>
             <a:r>
               <a:rPr lang="fr-FR" sz="1400" dirty="0" smtClean="0"/>
-              <a:t>REGION		</a:t>
+              <a:t>POPULATION	</a:t>
             </a:r>
             <a:r>
               <a:rPr lang="fr-FR" sz="1400" dirty="0" err="1" smtClean="0"/>
-              <a:t>varchar</a:t>
+              <a:t>int</a:t>
             </a:r>
             <a:endParaRPr lang="fr-FR" sz="1400" dirty="0" smtClean="0"/>
           </a:p>
@@ -6978,6 +7497,176 @@
               <a:t>»}</a:t>
             </a:r>
             <a:endParaRPr lang="fr-FR" dirty="0"/>
+          </a:p>
+        </p:txBody>
+      </p:sp>
+      <p:sp>
+        <p:nvSpPr>
+          <p:cNvPr id="2" name="Rectangle 1"/>
+          <p:cNvSpPr/>
+          <p:nvPr/>
+        </p:nvSpPr>
+        <p:spPr>
+          <a:xfrm>
+            <a:off x="2420888" y="107340"/>
+            <a:ext cx="6606480" cy="923330"/>
+          </a:xfrm>
+          <a:prstGeom prst="rect">
+            <a:avLst/>
+          </a:prstGeom>
+        </p:spPr>
+        <p:txBody>
+          <a:bodyPr wrap="square">
+            <a:spAutoFit/>
+          </a:bodyPr>
+          <a:lstStyle/>
+          <a:p>
+            <a:r>
+              <a:rPr lang="fr-FR" dirty="0" smtClean="0"/>
+              <a:t>Source : Données CSV INSEE</a:t>
+            </a:r>
+          </a:p>
+          <a:p>
+            <a:r>
+              <a:rPr lang="fr-FR" dirty="0" smtClean="0">
+                <a:hlinkClick r:id="rId3"/>
+              </a:rPr>
+              <a:t>http</a:t>
+            </a:r>
+            <a:r>
+              <a:rPr lang="fr-FR" dirty="0">
+                <a:hlinkClick r:id="rId3"/>
+              </a:rPr>
+              <a:t>://</a:t>
+            </a:r>
+            <a:r>
+              <a:rPr lang="fr-FR" dirty="0" smtClean="0">
+                <a:hlinkClick r:id="rId3"/>
+              </a:rPr>
+              <a:t>www.insee.fr/fr/methodes/nomenclatures/cog/telechargement.asp</a:t>
+            </a:r>
+            <a:endParaRPr lang="fr-FR" dirty="0" smtClean="0"/>
+          </a:p>
+        </p:txBody>
+      </p:sp>
+      <p:sp>
+        <p:nvSpPr>
+          <p:cNvPr id="11" name="Rectangle 10"/>
+          <p:cNvSpPr/>
+          <p:nvPr/>
+        </p:nvSpPr>
+        <p:spPr>
+          <a:xfrm>
+            <a:off x="4860032" y="3043345"/>
+            <a:ext cx="2452198" cy="723275"/>
+          </a:xfrm>
+          <a:prstGeom prst="rect">
+            <a:avLst/>
+          </a:prstGeom>
+        </p:spPr>
+        <p:txBody>
+          <a:bodyPr wrap="square">
+            <a:spAutoFit/>
+          </a:bodyPr>
+          <a:lstStyle/>
+          <a:p>
+            <a:pPr>
+              <a:spcBef>
+                <a:spcPts val="300"/>
+              </a:spcBef>
+              <a:spcAft>
+                <a:spcPts val="300"/>
+              </a:spcAft>
+            </a:pPr>
+            <a:r>
+              <a:rPr lang="fr-FR" b="1" dirty="0" smtClean="0"/>
+              <a:t>PK</a:t>
+            </a:r>
+            <a:r>
+              <a:rPr lang="fr-FR" dirty="0" smtClean="0"/>
+              <a:t> : </a:t>
+            </a:r>
+            <a:r>
+              <a:rPr lang="fr-FR" dirty="0" err="1" smtClean="0"/>
+              <a:t>Primary</a:t>
+            </a:r>
+            <a:r>
+              <a:rPr lang="fr-FR" dirty="0" smtClean="0"/>
+              <a:t> </a:t>
+            </a:r>
+            <a:r>
+              <a:rPr lang="fr-FR" dirty="0" smtClean="0"/>
+              <a:t>Key (Vert)</a:t>
+            </a:r>
+            <a:endParaRPr lang="fr-FR" dirty="0" smtClean="0"/>
+          </a:p>
+          <a:p>
+            <a:pPr>
+              <a:spcBef>
+                <a:spcPts val="300"/>
+              </a:spcBef>
+              <a:spcAft>
+                <a:spcPts val="300"/>
+              </a:spcAft>
+            </a:pPr>
+            <a:r>
+              <a:rPr lang="fr-FR" b="1" dirty="0" smtClean="0"/>
+              <a:t>FK</a:t>
+            </a:r>
+            <a:r>
+              <a:rPr lang="fr-FR" dirty="0" smtClean="0"/>
+              <a:t> : </a:t>
+            </a:r>
+            <a:r>
+              <a:rPr lang="fr-FR" dirty="0" err="1" smtClean="0"/>
+              <a:t>Foreign</a:t>
+            </a:r>
+            <a:r>
+              <a:rPr lang="fr-FR" dirty="0" smtClean="0"/>
+              <a:t> </a:t>
+            </a:r>
+            <a:r>
+              <a:rPr lang="fr-FR" dirty="0" smtClean="0"/>
+              <a:t>Key (Rouge)</a:t>
+            </a:r>
+            <a:endParaRPr lang="fr-FR" dirty="0" smtClean="0"/>
+          </a:p>
+        </p:txBody>
+      </p:sp>
+      <p:sp>
+        <p:nvSpPr>
+          <p:cNvPr id="12" name="Rectangle 11"/>
+          <p:cNvSpPr/>
+          <p:nvPr/>
+        </p:nvSpPr>
+        <p:spPr>
+          <a:xfrm>
+            <a:off x="3923928" y="3991741"/>
+            <a:ext cx="4536504" cy="369332"/>
+          </a:xfrm>
+          <a:prstGeom prst="rect">
+            <a:avLst/>
+          </a:prstGeom>
+        </p:spPr>
+        <p:txBody>
+          <a:bodyPr wrap="square">
+            <a:spAutoFit/>
+          </a:bodyPr>
+          <a:lstStyle/>
+          <a:p>
+            <a:pPr>
+              <a:spcBef>
+                <a:spcPts val="300"/>
+              </a:spcBef>
+              <a:spcAft>
+                <a:spcPts val="300"/>
+              </a:spcAft>
+            </a:pPr>
+            <a:r>
+              <a:rPr lang="fr-FR" b="1" dirty="0" smtClean="0"/>
+              <a:t>POPULATION : « Taux de percé » (Par ville)</a:t>
+            </a:r>
+            <a:endParaRPr lang="fr-FR" dirty="0" smtClean="0"/>
           </a:p>
         </p:txBody>
       </p:sp>
@@ -7548,9 +8237,9 @@
         <p:grpSpPr>
           <a:xfrm>
             <a:off x="2754040" y="928191"/>
-            <a:ext cx="1352570" cy="871256"/>
+            <a:ext cx="1352570" cy="1086700"/>
             <a:chOff x="723454" y="1367937"/>
-            <a:chExt cx="1352570" cy="871256"/>
+            <a:chExt cx="1352570" cy="1086700"/>
           </a:xfrm>
         </p:grpSpPr>
         <p:sp>
@@ -7562,7 +8251,7 @@
           <p:spPr>
             <a:xfrm>
               <a:off x="723454" y="1715973"/>
-              <a:ext cx="1352570" cy="523220"/>
+              <a:ext cx="1352570" cy="738664"/>
             </a:xfrm>
             <a:prstGeom prst="rect">
               <a:avLst/>
@@ -7589,6 +8278,12 @@
               <a:r>
                 <a:rPr lang="fr-FR" sz="1400" dirty="0" smtClean="0"/>
                 <a:t>NOM_VILLE</a:t>
+              </a:r>
+            </a:p>
+            <a:p>
+              <a:r>
+                <a:rPr lang="fr-FR" sz="1400" dirty="0" smtClean="0"/>
+                <a:t>CODE_INSEE</a:t>
               </a:r>
             </a:p>
           </p:txBody>
@@ -7786,7 +8481,15 @@
             <a:p>
               <a:r>
                 <a:rPr lang="fr-FR" sz="1400" dirty="0" smtClean="0"/>
-                <a:t>LIBEL_RAYON ID_UNIVERS_RAYON</a:t>
+                <a:t>LIBEL_RAYON </a:t>
+              </a:r>
+              <a:r>
+                <a:rPr lang="fr-FR" sz="1400" dirty="0" smtClean="0">
+                  <a:solidFill>
+                    <a:srgbClr val="FF0000"/>
+                  </a:solidFill>
+                </a:rPr>
+                <a:t>ID_UNIVERS_RAYON</a:t>
               </a:r>
             </a:p>
           </p:txBody>
@@ -7889,10 +8592,18 @@
             </a:p>
             <a:p>
               <a:r>
-                <a:rPr lang="fr-FR" sz="1400" dirty="0"/>
+                <a:rPr lang="fr-FR" sz="1400" dirty="0">
+                  <a:solidFill>
+                    <a:srgbClr val="FF0000"/>
+                  </a:solidFill>
+                </a:rPr>
                 <a:t>ID_RAYON_FAMILLE</a:t>
               </a:r>
-              <a:endParaRPr lang="fr-FR" sz="1400" dirty="0" smtClean="0"/>
+              <a:endParaRPr lang="fr-FR" sz="1400" dirty="0" smtClean="0">
+                <a:solidFill>
+                  <a:srgbClr val="FF0000"/>
+                </a:solidFill>
+              </a:endParaRPr>
             </a:p>
           </p:txBody>
         </p:sp>
@@ -7994,7 +8705,11 @@
             </a:p>
             <a:p>
               <a:r>
-                <a:rPr lang="fr-FR" sz="1400" dirty="0" smtClean="0"/>
+                <a:rPr lang="fr-FR" sz="1400" dirty="0" smtClean="0">
+                  <a:solidFill>
+                    <a:srgbClr val="FF0000"/>
+                  </a:solidFill>
+                </a:rPr>
                 <a:t>ID_SSFAMILLE_PRODUIT</a:t>
               </a:r>
             </a:p>
@@ -8117,7 +8832,11 @@
             <a:lstStyle/>
             <a:p>
               <a:r>
-                <a:rPr lang="fr-FR" sz="1400" dirty="0" smtClean="0"/>
+                <a:rPr lang="fr-FR" sz="1400" dirty="0" smtClean="0">
+                  <a:solidFill>
+                    <a:srgbClr val="FF0000"/>
+                  </a:solidFill>
+                </a:rPr>
                 <a:t>ID_VILLE_CLIENT</a:t>
               </a:r>
             </a:p>
@@ -8240,10 +8959,18 @@
             </a:p>
             <a:p>
               <a:r>
-                <a:rPr lang="fr-FR" sz="1400" dirty="0"/>
+                <a:rPr lang="fr-FR" sz="1400" dirty="0">
+                  <a:solidFill>
+                    <a:srgbClr val="FF0000"/>
+                  </a:solidFill>
+                </a:rPr>
                 <a:t>ID_VILLE</a:t>
               </a:r>
-              <a:endParaRPr lang="fr-FR" sz="1400" dirty="0" smtClean="0"/>
+              <a:endParaRPr lang="fr-FR" sz="1400" dirty="0" smtClean="0">
+                <a:solidFill>
+                  <a:srgbClr val="FF0000"/>
+                </a:solidFill>
+              </a:endParaRPr>
             </a:p>
           </p:txBody>
         </p:sp>
@@ -8340,7 +9067,11 @@
             <a:lstStyle/>
             <a:p>
               <a:r>
-                <a:rPr lang="fr-FR" sz="1400" dirty="0"/>
+                <a:rPr lang="fr-FR" sz="1400" dirty="0">
+                  <a:solidFill>
+                    <a:srgbClr val="FF0000"/>
+                  </a:solidFill>
+                </a:rPr>
                 <a:t>ID_LIEU</a:t>
               </a:r>
             </a:p>
@@ -8451,20 +9182,36 @@
             <a:lstStyle/>
             <a:p>
               <a:r>
-                <a:rPr lang="fr-FR" sz="1400" dirty="0" smtClean="0"/>
+                <a:rPr lang="fr-FR" sz="1400" dirty="0" smtClean="0">
+                  <a:solidFill>
+                    <a:srgbClr val="FF0000"/>
+                  </a:solidFill>
+                </a:rPr>
                 <a:t>ID_TICKET</a:t>
               </a:r>
-              <a:endParaRPr lang="fr-FR" sz="1400" dirty="0"/>
+              <a:endParaRPr lang="fr-FR" sz="1400" dirty="0">
+                <a:solidFill>
+                  <a:srgbClr val="FF0000"/>
+                </a:solidFill>
+              </a:endParaRPr>
             </a:p>
             <a:p>
               <a:r>
-                <a:rPr lang="fr-FR" sz="1400" dirty="0"/>
+                <a:rPr lang="fr-FR" sz="1400" dirty="0">
+                  <a:solidFill>
+                    <a:srgbClr val="FF0000"/>
+                  </a:solidFill>
+                </a:rPr>
                 <a:t>ID_CLIENT</a:t>
               </a:r>
             </a:p>
             <a:p>
               <a:r>
-                <a:rPr lang="fr-FR" sz="1400" dirty="0"/>
+                <a:rPr lang="fr-FR" sz="1400" dirty="0">
+                  <a:solidFill>
+                    <a:srgbClr val="FF0000"/>
+                  </a:solidFill>
+                </a:rPr>
                 <a:t>ID_LIEU</a:t>
               </a:r>
             </a:p>
@@ -8576,7 +9323,11 @@
             <a:lstStyle/>
             <a:p>
               <a:r>
-                <a:rPr lang="fr-FR" sz="1400" dirty="0" smtClean="0"/>
+                <a:rPr lang="fr-FR" sz="1400" dirty="0" smtClean="0">
+                  <a:solidFill>
+                    <a:srgbClr val="FF0000"/>
+                  </a:solidFill>
+                </a:rPr>
                 <a:t>ID_PRIXPRODUIT</a:t>
               </a:r>
             </a:p>
@@ -8674,13 +9425,21 @@
             <a:lstStyle/>
             <a:p>
               <a:r>
-                <a:rPr lang="fr-FR" sz="1400" dirty="0"/>
+                <a:rPr lang="fr-FR" sz="1400" dirty="0">
+                  <a:solidFill>
+                    <a:srgbClr val="FF0000"/>
+                  </a:solidFill>
+                </a:rPr>
                 <a:t>ID_LIEU</a:t>
               </a:r>
             </a:p>
             <a:p>
               <a:r>
-                <a:rPr lang="fr-FR" sz="1400" dirty="0"/>
+                <a:rPr lang="fr-FR" sz="1400" dirty="0">
+                  <a:solidFill>
+                    <a:srgbClr val="FF0000"/>
+                  </a:solidFill>
+                </a:rPr>
                 <a:t>ID_PRODUIT</a:t>
               </a:r>
             </a:p>
@@ -8898,8 +9657,8 @@
         </p:nvCxnSpPr>
         <p:spPr>
           <a:xfrm>
-            <a:off x="3430325" y="1799447"/>
-            <a:ext cx="0" cy="304037"/>
+            <a:off x="3430325" y="2014891"/>
+            <a:ext cx="0" cy="88593"/>
           </a:xfrm>
           <a:prstGeom prst="line">
             <a:avLst/>
@@ -9199,7 +9958,11 @@
             </a:p>
             <a:p>
               <a:r>
-                <a:rPr lang="fr-FR" sz="1400" dirty="0" smtClean="0"/>
+                <a:rPr lang="fr-FR" sz="1400" dirty="0" smtClean="0">
+                  <a:solidFill>
+                    <a:srgbClr val="FF0000"/>
+                  </a:solidFill>
+                </a:rPr>
                 <a:t>ID_FAMILLE_SSFAMILLE</a:t>
               </a:r>
             </a:p>
@@ -9373,6 +10136,74 @@
           </a:fontRef>
         </p:style>
       </p:cxnSp>
+      <p:sp>
+        <p:nvSpPr>
+          <p:cNvPr id="56" name="Rectangle 55"/>
+          <p:cNvSpPr/>
+          <p:nvPr/>
+        </p:nvSpPr>
+        <p:spPr>
+          <a:xfrm>
+            <a:off x="4583648" y="1403034"/>
+            <a:ext cx="1872208" cy="723275"/>
+          </a:xfrm>
+          <a:prstGeom prst="rect">
+            <a:avLst/>
+          </a:prstGeom>
+        </p:spPr>
+        <p:txBody>
+          <a:bodyPr wrap="square">
+            <a:spAutoFit/>
+          </a:bodyPr>
+          <a:lstStyle/>
+          <a:p>
+            <a:pPr>
+              <a:spcBef>
+                <a:spcPts val="300"/>
+              </a:spcBef>
+              <a:spcAft>
+                <a:spcPts val="300"/>
+              </a:spcAft>
+            </a:pPr>
+            <a:r>
+              <a:rPr lang="fr-FR" b="1" dirty="0" smtClean="0"/>
+              <a:t>PK</a:t>
+            </a:r>
+            <a:r>
+              <a:rPr lang="fr-FR" dirty="0" smtClean="0"/>
+              <a:t> : </a:t>
+            </a:r>
+            <a:r>
+              <a:rPr lang="fr-FR" dirty="0" smtClean="0"/>
+              <a:t>En vert</a:t>
+            </a:r>
+            <a:endParaRPr lang="fr-FR" dirty="0" smtClean="0"/>
+          </a:p>
+          <a:p>
+            <a:pPr>
+              <a:spcBef>
+                <a:spcPts val="300"/>
+              </a:spcBef>
+              <a:spcAft>
+                <a:spcPts val="300"/>
+              </a:spcAft>
+            </a:pPr>
+            <a:r>
+              <a:rPr lang="fr-FR" b="1" dirty="0" smtClean="0"/>
+              <a:t>FK</a:t>
+            </a:r>
+            <a:r>
+              <a:rPr lang="fr-FR" dirty="0" smtClean="0"/>
+              <a:t> : </a:t>
+            </a:r>
+            <a:r>
+              <a:rPr lang="fr-FR" dirty="0" smtClean="0"/>
+              <a:t>En rouge</a:t>
+            </a:r>
+            <a:endParaRPr lang="fr-FR" dirty="0" smtClean="0"/>
+          </a:p>
+        </p:txBody>
+      </p:sp>
     </p:spTree>
     <p:extLst>
       <p:ext uri="{BB962C8B-B14F-4D97-AF65-F5344CB8AC3E}">
@@ -9993,7 +10824,7 @@
         <p:spPr>
           <a:xfrm>
             <a:off x="9088" y="567002"/>
-            <a:ext cx="1872208" cy="723275"/>
+            <a:ext cx="2452198" cy="723275"/>
           </a:xfrm>
           <a:prstGeom prst="rect">
             <a:avLst/>
@@ -10027,8 +10858,13 @@
             </a:r>
             <a:r>
               <a:rPr lang="fr-FR" dirty="0" smtClean="0"/>
-              <a:t> Key</a:t>
-            </a:r>
+              <a:t> </a:t>
+            </a:r>
+            <a:r>
+              <a:rPr lang="fr-FR" dirty="0" smtClean="0"/>
+              <a:t>Key (Vert)</a:t>
+            </a:r>
+            <a:endParaRPr lang="fr-FR" dirty="0" smtClean="0"/>
           </a:p>
           <a:p>
             <a:pPr>
@@ -10053,8 +10889,13 @@
             </a:r>
             <a:r>
               <a:rPr lang="fr-FR" dirty="0" smtClean="0"/>
-              <a:t> Key</a:t>
-            </a:r>
+              <a:t> </a:t>
+            </a:r>
+            <a:r>
+              <a:rPr lang="fr-FR" dirty="0" smtClean="0"/>
+              <a:t>Key (Rouge)</a:t>
+            </a:r>
+            <a:endParaRPr lang="fr-FR" dirty="0" smtClean="0"/>
           </a:p>
         </p:txBody>
       </p:sp>
@@ -11178,8 +12019,16 @@
           <a:lstStyle/>
           <a:p>
             <a:r>
+              <a:rPr lang="fr-FR" sz="1400" dirty="0" smtClean="0">
+                <a:solidFill>
+                  <a:schemeClr val="accent2"/>
+                </a:solidFill>
+              </a:rPr>
+              <a:t>DATE_VENTE_FK</a:t>
+            </a:r>
+            <a:r>
               <a:rPr lang="fr-FR" sz="1400" dirty="0" smtClean="0"/>
-              <a:t>DATE_VENTE_FK	</a:t>
+              <a:t>	</a:t>
             </a:r>
             <a:r>
               <a:rPr lang="fr-FR" sz="1400" dirty="0" err="1" smtClean="0"/>
@@ -11189,8 +12038,16 @@
           </a:p>
           <a:p>
             <a:r>
+              <a:rPr lang="fr-FR" sz="1400" dirty="0" smtClean="0">
+                <a:solidFill>
+                  <a:schemeClr val="accent2"/>
+                </a:solidFill>
+              </a:rPr>
+              <a:t>PRODUIT_FK</a:t>
+            </a:r>
+            <a:r>
               <a:rPr lang="fr-FR" sz="1400" dirty="0" smtClean="0"/>
-              <a:t>PRODUIT_FK	</a:t>
+              <a:t>	</a:t>
             </a:r>
             <a:r>
               <a:rPr lang="fr-FR" sz="1400" dirty="0" err="1" smtClean="0"/>
@@ -11200,8 +12057,16 @@
           </a:p>
           <a:p>
             <a:r>
+              <a:rPr lang="fr-FR" sz="1400" dirty="0" smtClean="0">
+                <a:solidFill>
+                  <a:schemeClr val="accent2"/>
+                </a:solidFill>
+              </a:rPr>
+              <a:t>CLIENT_FK</a:t>
+            </a:r>
+            <a:r>
               <a:rPr lang="fr-FR" sz="1400" dirty="0" smtClean="0"/>
-              <a:t>CLIENT_FK		</a:t>
+              <a:t>		</a:t>
             </a:r>
             <a:r>
               <a:rPr lang="fr-FR" sz="1400" dirty="0" err="1" smtClean="0"/>
@@ -11211,8 +12076,16 @@
           </a:p>
           <a:p>
             <a:r>
+              <a:rPr lang="fr-FR" sz="1400" dirty="0" smtClean="0">
+                <a:solidFill>
+                  <a:schemeClr val="accent2"/>
+                </a:solidFill>
+              </a:rPr>
+              <a:t>LIEU_FK</a:t>
+            </a:r>
+            <a:r>
               <a:rPr lang="fr-FR" sz="1400" dirty="0" smtClean="0"/>
-              <a:t>LIEU_FK		</a:t>
+              <a:t>		</a:t>
             </a:r>
             <a:r>
               <a:rPr lang="fr-FR" sz="1400" dirty="0" err="1" smtClean="0"/>
@@ -11280,8 +12153,8 @@
         </p:nvSpPr>
         <p:spPr>
           <a:xfrm>
-            <a:off x="2843808" y="2860207"/>
-            <a:ext cx="2664296" cy="738664"/>
+            <a:off x="2843808" y="2858259"/>
+            <a:ext cx="2664296" cy="954107"/>
           </a:xfrm>
           <a:prstGeom prst="rect">
             <a:avLst/>
@@ -11335,6 +12208,17 @@
             </a:r>
             <a:endParaRPr lang="fr-FR" sz="1400" dirty="0" smtClean="0"/>
           </a:p>
+          <a:p>
+            <a:r>
+              <a:rPr lang="fr-FR" sz="1400" dirty="0" smtClean="0"/>
+              <a:t>UNITES_VENDUES             </a:t>
+            </a:r>
+            <a:r>
+              <a:rPr lang="fr-FR" sz="1400" dirty="0" err="1" smtClean="0"/>
+              <a:t>int</a:t>
+            </a:r>
+            <a:endParaRPr lang="fr-FR" sz="1400" dirty="0" smtClean="0"/>
+          </a:p>
         </p:txBody>
       </p:sp>
       <p:sp>
@@ -11484,7 +12368,7 @@
         </p:nvSpPr>
         <p:spPr>
           <a:xfrm>
-            <a:off x="2843808" y="3669073"/>
+            <a:off x="2843808" y="3880620"/>
             <a:ext cx="2664296" cy="307777"/>
           </a:xfrm>
           <a:prstGeom prst="rect">
@@ -11505,7 +12389,11 @@
           <a:p>
             <a:r>
               <a:rPr lang="fr-FR" sz="1400" dirty="0" smtClean="0"/>
-              <a:t>NUM_TICKET	</a:t>
+              <a:t>NUM_TICKET [?]</a:t>
+            </a:r>
+            <a:r>
+              <a:rPr lang="fr-FR" sz="1400" dirty="0" smtClean="0"/>
+              <a:t>	</a:t>
             </a:r>
             <a:r>
               <a:rPr lang="fr-FR" sz="1400" dirty="0" err="1" smtClean="0"/>
@@ -11548,6 +12436,90 @@
               <a:rPr lang="fr-FR" dirty="0" smtClean="0"/>
               <a:t>Un ticket de caisse correspond à [1 .. N] produits, donc  [1 .. N] lignes dans la table de faits (1 par produit) avec le même NUM_TICKET</a:t>
             </a:r>
+          </a:p>
+        </p:txBody>
+      </p:sp>
+      <p:sp>
+        <p:nvSpPr>
+          <p:cNvPr id="12" name="Rectangle 11"/>
+          <p:cNvSpPr/>
+          <p:nvPr/>
+        </p:nvSpPr>
+        <p:spPr>
+          <a:xfrm>
+            <a:off x="211590" y="1832926"/>
+            <a:ext cx="2452198" cy="723275"/>
+          </a:xfrm>
+          <a:prstGeom prst="rect">
+            <a:avLst/>
+          </a:prstGeom>
+        </p:spPr>
+        <p:txBody>
+          <a:bodyPr wrap="square">
+            <a:spAutoFit/>
+          </a:bodyPr>
+          <a:lstStyle/>
+          <a:p>
+            <a:pPr>
+              <a:spcBef>
+                <a:spcPts val="300"/>
+              </a:spcBef>
+              <a:spcAft>
+                <a:spcPts val="300"/>
+              </a:spcAft>
+            </a:pPr>
+            <a:r>
+              <a:rPr lang="fr-FR" b="1" dirty="0" smtClean="0"/>
+              <a:t>PK</a:t>
+            </a:r>
+            <a:r>
+              <a:rPr lang="fr-FR" dirty="0" smtClean="0"/>
+              <a:t> : </a:t>
+            </a:r>
+            <a:r>
+              <a:rPr lang="fr-FR" dirty="0" err="1" smtClean="0"/>
+              <a:t>Primary</a:t>
+            </a:r>
+            <a:r>
+              <a:rPr lang="fr-FR" dirty="0" smtClean="0"/>
+              <a:t> </a:t>
+            </a:r>
+            <a:r>
+              <a:rPr lang="fr-FR" dirty="0" smtClean="0"/>
+              <a:t>Key (Vert)</a:t>
+            </a:r>
+            <a:endParaRPr lang="fr-FR" dirty="0" smtClean="0"/>
+          </a:p>
+          <a:p>
+            <a:pPr>
+              <a:spcBef>
+                <a:spcPts val="300"/>
+              </a:spcBef>
+              <a:spcAft>
+                <a:spcPts val="300"/>
+              </a:spcAft>
+            </a:pPr>
+            <a:r>
+              <a:rPr lang="fr-FR" b="1" dirty="0" smtClean="0"/>
+              <a:t>FK</a:t>
+            </a:r>
+            <a:r>
+              <a:rPr lang="fr-FR" dirty="0" smtClean="0"/>
+              <a:t> : </a:t>
+            </a:r>
+            <a:r>
+              <a:rPr lang="fr-FR" dirty="0" err="1" smtClean="0"/>
+              <a:t>Foreign</a:t>
+            </a:r>
+            <a:r>
+              <a:rPr lang="fr-FR" dirty="0" smtClean="0"/>
+              <a:t> </a:t>
+            </a:r>
+            <a:r>
+              <a:rPr lang="fr-FR" dirty="0" smtClean="0"/>
+              <a:t>Key (Rouge)</a:t>
+            </a:r>
+            <a:endParaRPr lang="fr-FR" dirty="0" smtClean="0"/>
           </a:p>
         </p:txBody>
       </p:sp>
@@ -11727,8 +12699,16 @@
           <a:lstStyle/>
           <a:p>
             <a:r>
+              <a:rPr lang="fr-FR" sz="1400" dirty="0" smtClean="0">
+                <a:solidFill>
+                  <a:schemeClr val="accent2"/>
+                </a:solidFill>
+              </a:rPr>
+              <a:t>DATE_INVENTAIRE_FK</a:t>
+            </a:r>
+            <a:r>
               <a:rPr lang="fr-FR" sz="1400" dirty="0" smtClean="0"/>
-              <a:t>DATE_INVENTAIRE_FK	</a:t>
+              <a:t>	</a:t>
             </a:r>
             <a:r>
               <a:rPr lang="fr-FR" sz="1400" dirty="0" err="1" smtClean="0"/>
@@ -11738,8 +12718,16 @@
           </a:p>
           <a:p>
             <a:r>
+              <a:rPr lang="fr-FR" sz="1400" dirty="0" smtClean="0">
+                <a:solidFill>
+                  <a:schemeClr val="accent2"/>
+                </a:solidFill>
+              </a:rPr>
+              <a:t>PRODUIT_FK</a:t>
+            </a:r>
+            <a:r>
               <a:rPr lang="fr-FR" sz="1400" dirty="0" smtClean="0"/>
-              <a:t>PRODUIT_FK	</a:t>
+              <a:t>	</a:t>
             </a:r>
             <a:r>
               <a:rPr lang="fr-FR" sz="1400" dirty="0" err="1" smtClean="0"/>
@@ -11749,8 +12737,16 @@
           </a:p>
           <a:p>
             <a:r>
+              <a:rPr lang="fr-FR" sz="1400" dirty="0" smtClean="0">
+                <a:solidFill>
+                  <a:schemeClr val="accent2"/>
+                </a:solidFill>
+              </a:rPr>
+              <a:t>LIEU_FK</a:t>
+            </a:r>
+            <a:r>
               <a:rPr lang="fr-FR" sz="1400" dirty="0" smtClean="0"/>
-              <a:t>LIEU_FK		</a:t>
+              <a:t>		</a:t>
             </a:r>
             <a:r>
               <a:rPr lang="fr-FR" sz="1400" dirty="0" err="1" smtClean="0"/>
@@ -11819,7 +12815,7 @@
         <p:spPr>
           <a:xfrm>
             <a:off x="2843808" y="2629113"/>
-            <a:ext cx="2664296" cy="307777"/>
+            <a:ext cx="2664296" cy="523220"/>
           </a:xfrm>
           <a:prstGeom prst="rect">
             <a:avLst/>
@@ -11847,6 +12843,17 @@
             </a:r>
             <a:endParaRPr lang="fr-FR" sz="1400" dirty="0" smtClean="0"/>
           </a:p>
+          <a:p>
+            <a:r>
+              <a:rPr lang="fr-FR" sz="1400" dirty="0" smtClean="0"/>
+              <a:t>NBR_DEFECTUEUX	</a:t>
+            </a:r>
+            <a:r>
+              <a:rPr lang="fr-FR" sz="1400" dirty="0" err="1" smtClean="0"/>
+              <a:t>int</a:t>
+            </a:r>
+            <a:endParaRPr lang="fr-FR" sz="1400" dirty="0" smtClean="0"/>
+          </a:p>
         </p:txBody>
       </p:sp>
       <p:sp>
@@ -11996,7 +13003,7 @@
         </p:nvSpPr>
         <p:spPr>
           <a:xfrm>
-            <a:off x="2843808" y="2998038"/>
+            <a:off x="2843808" y="3206884"/>
             <a:ext cx="2664296" cy="307777"/>
           </a:xfrm>
           <a:prstGeom prst="rect">
@@ -12024,6 +13031,90 @@
               <a:t>varchar</a:t>
             </a:r>
             <a:endParaRPr lang="fr-FR" sz="1400" dirty="0" smtClean="0"/>
+          </a:p>
+        </p:txBody>
+      </p:sp>
+      <p:sp>
+        <p:nvSpPr>
+          <p:cNvPr id="11" name="Rectangle 10"/>
+          <p:cNvSpPr/>
+          <p:nvPr/>
+        </p:nvSpPr>
+        <p:spPr>
+          <a:xfrm>
+            <a:off x="9088" y="567002"/>
+            <a:ext cx="2452198" cy="723275"/>
+          </a:xfrm>
+          <a:prstGeom prst="rect">
+            <a:avLst/>
+          </a:prstGeom>
+        </p:spPr>
+        <p:txBody>
+          <a:bodyPr wrap="square">
+            <a:spAutoFit/>
+          </a:bodyPr>
+          <a:lstStyle/>
+          <a:p>
+            <a:pPr>
+              <a:spcBef>
+                <a:spcPts val="300"/>
+              </a:spcBef>
+              <a:spcAft>
+                <a:spcPts val="300"/>
+              </a:spcAft>
+            </a:pPr>
+            <a:r>
+              <a:rPr lang="fr-FR" b="1" dirty="0" smtClean="0"/>
+              <a:t>PK</a:t>
+            </a:r>
+            <a:r>
+              <a:rPr lang="fr-FR" dirty="0" smtClean="0"/>
+              <a:t> : </a:t>
+            </a:r>
+            <a:r>
+              <a:rPr lang="fr-FR" dirty="0" err="1" smtClean="0"/>
+              <a:t>Primary</a:t>
+            </a:r>
+            <a:r>
+              <a:rPr lang="fr-FR" dirty="0" smtClean="0"/>
+              <a:t> </a:t>
+            </a:r>
+            <a:r>
+              <a:rPr lang="fr-FR" dirty="0" smtClean="0"/>
+              <a:t>Key (Vert)</a:t>
+            </a:r>
+            <a:endParaRPr lang="fr-FR" dirty="0" smtClean="0"/>
+          </a:p>
+          <a:p>
+            <a:pPr>
+              <a:spcBef>
+                <a:spcPts val="300"/>
+              </a:spcBef>
+              <a:spcAft>
+                <a:spcPts val="300"/>
+              </a:spcAft>
+            </a:pPr>
+            <a:r>
+              <a:rPr lang="fr-FR" b="1" dirty="0" smtClean="0"/>
+              <a:t>FK</a:t>
+            </a:r>
+            <a:r>
+              <a:rPr lang="fr-FR" dirty="0" smtClean="0"/>
+              <a:t> : </a:t>
+            </a:r>
+            <a:r>
+              <a:rPr lang="fr-FR" dirty="0" err="1" smtClean="0"/>
+              <a:t>Foreign</a:t>
+            </a:r>
+            <a:r>
+              <a:rPr lang="fr-FR" dirty="0" smtClean="0"/>
+              <a:t> </a:t>
+            </a:r>
+            <a:r>
+              <a:rPr lang="fr-FR" dirty="0" smtClean="0"/>
+              <a:t>Key (Rouge)</a:t>
+            </a:r>
+            <a:endParaRPr lang="fr-FR" dirty="0" smtClean="0"/>
           </a:p>
         </p:txBody>
       </p:sp>
@@ -12135,8 +13226,16 @@
           <a:lstStyle/>
           <a:p>
             <a:r>
+              <a:rPr lang="fr-FR" sz="1400" dirty="0" smtClean="0">
+                <a:solidFill>
+                  <a:srgbClr val="00B050"/>
+                </a:solidFill>
+              </a:rPr>
+              <a:t>PRODUIT_PK</a:t>
+            </a:r>
+            <a:r>
               <a:rPr lang="fr-FR" sz="1400" dirty="0" smtClean="0"/>
-              <a:t>PRODUIT_PK	</a:t>
+              <a:t>	</a:t>
             </a:r>
             <a:r>
               <a:rPr lang="fr-FR" sz="1400" dirty="0" err="1" smtClean="0"/>
@@ -12224,8 +13323,16 @@
           <a:lstStyle/>
           <a:p>
             <a:r>
+              <a:rPr lang="fr-FR" sz="1400" dirty="0" smtClean="0">
+                <a:solidFill>
+                  <a:schemeClr val="accent2"/>
+                </a:solidFill>
+              </a:rPr>
+              <a:t>CATEGORIE_FK</a:t>
+            </a:r>
+            <a:r>
               <a:rPr lang="fr-FR" sz="1400" dirty="0" smtClean="0"/>
-              <a:t>CATEGORIE_FK	</a:t>
+              <a:t>	</a:t>
             </a:r>
             <a:r>
               <a:rPr lang="fr-FR" sz="1400" dirty="0" err="1" smtClean="0"/>
@@ -12497,6 +13604,90 @@
               <a:t>}</a:t>
             </a:r>
             <a:endParaRPr lang="fr-FR" dirty="0"/>
+          </a:p>
+        </p:txBody>
+      </p:sp>
+      <p:sp>
+        <p:nvSpPr>
+          <p:cNvPr id="9" name="Rectangle 8"/>
+          <p:cNvSpPr/>
+          <p:nvPr/>
+        </p:nvSpPr>
+        <p:spPr>
+          <a:xfrm>
+            <a:off x="6514253" y="95940"/>
+            <a:ext cx="2452198" cy="723275"/>
+          </a:xfrm>
+          <a:prstGeom prst="rect">
+            <a:avLst/>
+          </a:prstGeom>
+        </p:spPr>
+        <p:txBody>
+          <a:bodyPr wrap="square">
+            <a:spAutoFit/>
+          </a:bodyPr>
+          <a:lstStyle/>
+          <a:p>
+            <a:pPr>
+              <a:spcBef>
+                <a:spcPts val="300"/>
+              </a:spcBef>
+              <a:spcAft>
+                <a:spcPts val="300"/>
+              </a:spcAft>
+            </a:pPr>
+            <a:r>
+              <a:rPr lang="fr-FR" b="1" dirty="0" smtClean="0"/>
+              <a:t>PK</a:t>
+            </a:r>
+            <a:r>
+              <a:rPr lang="fr-FR" dirty="0" smtClean="0"/>
+              <a:t> : </a:t>
+            </a:r>
+            <a:r>
+              <a:rPr lang="fr-FR" dirty="0" err="1" smtClean="0"/>
+              <a:t>Primary</a:t>
+            </a:r>
+            <a:r>
+              <a:rPr lang="fr-FR" dirty="0" smtClean="0"/>
+              <a:t> </a:t>
+            </a:r>
+            <a:r>
+              <a:rPr lang="fr-FR" dirty="0" smtClean="0"/>
+              <a:t>Key (Vert)</a:t>
+            </a:r>
+            <a:endParaRPr lang="fr-FR" dirty="0" smtClean="0"/>
+          </a:p>
+          <a:p>
+            <a:pPr>
+              <a:spcBef>
+                <a:spcPts val="300"/>
+              </a:spcBef>
+              <a:spcAft>
+                <a:spcPts val="300"/>
+              </a:spcAft>
+            </a:pPr>
+            <a:r>
+              <a:rPr lang="fr-FR" b="1" dirty="0" smtClean="0"/>
+              <a:t>FK</a:t>
+            </a:r>
+            <a:r>
+              <a:rPr lang="fr-FR" dirty="0" smtClean="0"/>
+              <a:t> : </a:t>
+            </a:r>
+            <a:r>
+              <a:rPr lang="fr-FR" dirty="0" err="1" smtClean="0"/>
+              <a:t>Foreign</a:t>
+            </a:r>
+            <a:r>
+              <a:rPr lang="fr-FR" dirty="0" smtClean="0"/>
+              <a:t> </a:t>
+            </a:r>
+            <a:r>
+              <a:rPr lang="fr-FR" dirty="0" smtClean="0"/>
+              <a:t>Key (Rouge)</a:t>
+            </a:r>
+            <a:endParaRPr lang="fr-FR" dirty="0" smtClean="0"/>
           </a:p>
         </p:txBody>
       </p:sp>
@@ -12644,8 +13835,16 @@
           <a:lstStyle/>
           <a:p>
             <a:r>
+              <a:rPr lang="fr-FR" sz="1400" dirty="0" smtClean="0">
+                <a:solidFill>
+                  <a:srgbClr val="00B050"/>
+                </a:solidFill>
+              </a:rPr>
+              <a:t>CATEGORIE_PK</a:t>
+            </a:r>
+            <a:r>
               <a:rPr lang="fr-FR" sz="1400" dirty="0" smtClean="0"/>
-              <a:t>CATEGORIE_PK	</a:t>
+              <a:t>	</a:t>
             </a:r>
             <a:r>
               <a:rPr lang="fr-FR" sz="1400" dirty="0" err="1" smtClean="0"/>
@@ -13016,6 +14215,90 @@
               <a:t>}</a:t>
             </a:r>
             <a:endParaRPr lang="fr-FR" dirty="0"/>
+          </a:p>
+        </p:txBody>
+      </p:sp>
+      <p:sp>
+        <p:nvSpPr>
+          <p:cNvPr id="10" name="Rectangle 9"/>
+          <p:cNvSpPr/>
+          <p:nvPr/>
+        </p:nvSpPr>
+        <p:spPr>
+          <a:xfrm>
+            <a:off x="6582351" y="95723"/>
+            <a:ext cx="2452198" cy="723275"/>
+          </a:xfrm>
+          <a:prstGeom prst="rect">
+            <a:avLst/>
+          </a:prstGeom>
+        </p:spPr>
+        <p:txBody>
+          <a:bodyPr wrap="square">
+            <a:spAutoFit/>
+          </a:bodyPr>
+          <a:lstStyle/>
+          <a:p>
+            <a:pPr>
+              <a:spcBef>
+                <a:spcPts val="300"/>
+              </a:spcBef>
+              <a:spcAft>
+                <a:spcPts val="300"/>
+              </a:spcAft>
+            </a:pPr>
+            <a:r>
+              <a:rPr lang="fr-FR" b="1" dirty="0" smtClean="0"/>
+              <a:t>PK</a:t>
+            </a:r>
+            <a:r>
+              <a:rPr lang="fr-FR" dirty="0" smtClean="0"/>
+              <a:t> : </a:t>
+            </a:r>
+            <a:r>
+              <a:rPr lang="fr-FR" dirty="0" err="1" smtClean="0"/>
+              <a:t>Primary</a:t>
+            </a:r>
+            <a:r>
+              <a:rPr lang="fr-FR" dirty="0" smtClean="0"/>
+              <a:t> </a:t>
+            </a:r>
+            <a:r>
+              <a:rPr lang="fr-FR" dirty="0" smtClean="0"/>
+              <a:t>Key (Vert)</a:t>
+            </a:r>
+            <a:endParaRPr lang="fr-FR" dirty="0" smtClean="0"/>
+          </a:p>
+          <a:p>
+            <a:pPr>
+              <a:spcBef>
+                <a:spcPts val="300"/>
+              </a:spcBef>
+              <a:spcAft>
+                <a:spcPts val="300"/>
+              </a:spcAft>
+            </a:pPr>
+            <a:r>
+              <a:rPr lang="fr-FR" b="1" dirty="0" smtClean="0"/>
+              <a:t>FK</a:t>
+            </a:r>
+            <a:r>
+              <a:rPr lang="fr-FR" dirty="0" smtClean="0"/>
+              <a:t> : </a:t>
+            </a:r>
+            <a:r>
+              <a:rPr lang="fr-FR" dirty="0" err="1" smtClean="0"/>
+              <a:t>Foreign</a:t>
+            </a:r>
+            <a:r>
+              <a:rPr lang="fr-FR" dirty="0" smtClean="0"/>
+              <a:t> </a:t>
+            </a:r>
+            <a:r>
+              <a:rPr lang="fr-FR" dirty="0" smtClean="0"/>
+              <a:t>Key (Rouge)</a:t>
+            </a:r>
+            <a:endParaRPr lang="fr-FR" dirty="0" smtClean="0"/>
           </a:p>
         </p:txBody>
       </p:sp>

--- a/Documentation/3 - Documentation technique/Modelisation_EntrepotDeDonnées.pptx
+++ b/Documentation/3 - Documentation technique/Modelisation_EntrepotDeDonnées.pptx
@@ -220,7 +220,7 @@
           <a:p>
             <a:fld id="{E52630F6-BB7E-4BB0-B3A1-C739EB574077}" type="datetimeFigureOut">
               <a:rPr lang="fr-FR" smtClean="0"/>
-              <a:t>29/06/2015</a:t>
+              <a:t>02/07/2015</a:t>
             </a:fld>
             <a:endParaRPr lang="fr-FR"/>
           </a:p>
@@ -1775,7 +1775,7 @@
                 </a:solidFill>
               </a:rPr>
               <a:pPr/>
-              <a:t>29/06/2015</a:t>
+              <a:t>02/07/2015</a:t>
             </a:fld>
             <a:endParaRPr lang="fr-FR" b="1" dirty="0">
               <a:solidFill>
@@ -2048,7 +2048,7 @@
           <a:p>
             <a:fld id="{CE5A5207-E07B-4FCF-99F6-F8833A3BB3D7}" type="datetime1">
               <a:rPr lang="fr-FR" smtClean="0"/>
-              <a:t>29/06/2015</a:t>
+              <a:t>02/07/2015</a:t>
             </a:fld>
             <a:endParaRPr lang="fr-FR"/>
           </a:p>
@@ -2228,7 +2228,7 @@
           <a:p>
             <a:fld id="{D68965C6-0898-43EA-9A99-A4039BB22876}" type="datetime1">
               <a:rPr lang="fr-FR" smtClean="0"/>
-              <a:t>29/06/2015</a:t>
+              <a:t>02/07/2015</a:t>
             </a:fld>
             <a:endParaRPr lang="fr-FR"/>
           </a:p>
@@ -2398,7 +2398,7 @@
           <a:p>
             <a:fld id="{94B2F636-2596-4D20-BE75-DC7667EB0908}" type="datetime1">
               <a:rPr lang="fr-FR" smtClean="0"/>
-              <a:t>29/06/2015</a:t>
+              <a:t>02/07/2015</a:t>
             </a:fld>
             <a:endParaRPr lang="fr-FR"/>
           </a:p>
@@ -2644,7 +2644,7 @@
           <a:p>
             <a:fld id="{3941AF55-5B35-49D2-89B7-6A012C2F0023}" type="datetime1">
               <a:rPr lang="fr-FR" smtClean="0"/>
-              <a:t>29/06/2015</a:t>
+              <a:t>02/07/2015</a:t>
             </a:fld>
             <a:endParaRPr lang="fr-FR"/>
           </a:p>
@@ -2932,7 +2932,7 @@
           <a:p>
             <a:fld id="{B36C4D42-2F73-4BB2-8416-8B3A3DDD3EE7}" type="datetime1">
               <a:rPr lang="fr-FR" smtClean="0"/>
-              <a:t>29/06/2015</a:t>
+              <a:t>02/07/2015</a:t>
             </a:fld>
             <a:endParaRPr lang="fr-FR"/>
           </a:p>
@@ -3354,7 +3354,7 @@
           <a:p>
             <a:fld id="{E456F79D-CD5D-4224-B1FA-5F7F3BAA4104}" type="datetime1">
               <a:rPr lang="fr-FR" smtClean="0"/>
-              <a:t>29/06/2015</a:t>
+              <a:t>02/07/2015</a:t>
             </a:fld>
             <a:endParaRPr lang="fr-FR"/>
           </a:p>
@@ -3472,7 +3472,7 @@
           <a:p>
             <a:fld id="{0E910143-4D2C-4FF6-B0A6-06989F9BDBAC}" type="datetime1">
               <a:rPr lang="fr-FR" smtClean="0"/>
-              <a:t>29/06/2015</a:t>
+              <a:t>02/07/2015</a:t>
             </a:fld>
             <a:endParaRPr lang="fr-FR"/>
           </a:p>
@@ -3567,7 +3567,7 @@
           <a:p>
             <a:fld id="{1E0A4A73-C55A-4735-A06F-415E5CC28EBA}" type="datetime1">
               <a:rPr lang="fr-FR" smtClean="0"/>
-              <a:t>29/06/2015</a:t>
+              <a:t>02/07/2015</a:t>
             </a:fld>
             <a:endParaRPr lang="fr-FR"/>
           </a:p>
@@ -3844,7 +3844,7 @@
           <a:p>
             <a:fld id="{B73FC597-E398-43B4-BDF9-08A9085F6959}" type="datetime1">
               <a:rPr lang="fr-FR" smtClean="0"/>
-              <a:t>29/06/2015</a:t>
+              <a:t>02/07/2015</a:t>
             </a:fld>
             <a:endParaRPr lang="fr-FR"/>
           </a:p>
@@ -4097,7 +4097,7 @@
           <a:p>
             <a:fld id="{D6C9D74D-BD35-47D9-98F8-EE91FA02EBB2}" type="datetime1">
               <a:rPr lang="fr-FR" smtClean="0"/>
-              <a:t>29/06/2015</a:t>
+              <a:t>02/07/2015</a:t>
             </a:fld>
             <a:endParaRPr lang="fr-FR"/>
           </a:p>
@@ -4310,7 +4310,7 @@
           <a:p>
             <a:fld id="{C8E6BC2D-0CAC-4C60-B0A8-88D3FE659C6F}" type="datetime1">
               <a:rPr lang="fr-FR" smtClean="0"/>
-              <a:t>29/06/2015</a:t>
+              <a:t>02/07/2015</a:t>
             </a:fld>
             <a:endParaRPr lang="fr-FR"/>
           </a:p>
@@ -4849,8 +4849,17 @@
             </a:pPr>
             <a:r>
               <a:rPr lang="fr-FR" sz="1800" b="1" dirty="0" smtClean="0"/>
-              <a:t>Projet Master 2 MIAGE – Bordeaux 1</a:t>
-            </a:r>
+              <a:t>Projet Master 2 MIAGE – </a:t>
+            </a:r>
+            <a:r>
+              <a:rPr lang="fr-FR" sz="1800" b="1" smtClean="0"/>
+              <a:t>Bordeaux </a:t>
+            </a:r>
+            <a:r>
+              <a:rPr lang="fr-FR" sz="1800" b="1" smtClean="0"/>
+              <a:t>1 </a:t>
+            </a:r>
+            <a:endParaRPr lang="fr-FR" sz="1800" b="1" dirty="0" smtClean="0"/>
           </a:p>
           <a:p>
             <a:pPr lvl="1">
@@ -5339,11 +5348,7 @@
           <a:p>
             <a:r>
               <a:rPr lang="fr-FR" sz="1400" dirty="0" smtClean="0"/>
-              <a:t>MOIS_CODE</a:t>
-            </a:r>
-            <a:r>
-              <a:rPr lang="fr-FR" sz="1400" dirty="0" smtClean="0"/>
-              <a:t>		</a:t>
+              <a:t>MOIS_CODE		</a:t>
             </a:r>
             <a:r>
               <a:rPr lang="fr-FR" sz="1400" dirty="0" err="1" smtClean="0"/>
@@ -5623,13 +5628,8 @@
             </a:r>
             <a:r>
               <a:rPr lang="fr-FR" dirty="0" smtClean="0"/>
-              <a:t> </a:t>
-            </a:r>
-            <a:r>
-              <a:rPr lang="fr-FR" dirty="0" smtClean="0"/>
-              <a:t>Key (Vert)</a:t>
-            </a:r>
-            <a:endParaRPr lang="fr-FR" dirty="0" smtClean="0"/>
+              <a:t> Key (Vert)</a:t>
+            </a:r>
           </a:p>
           <a:p>
             <a:pPr>
@@ -5654,13 +5654,8 @@
             </a:r>
             <a:r>
               <a:rPr lang="fr-FR" dirty="0" smtClean="0"/>
-              <a:t> </a:t>
-            </a:r>
-            <a:r>
-              <a:rPr lang="fr-FR" dirty="0" smtClean="0"/>
-              <a:t>Key (Rouge)</a:t>
-            </a:r>
-            <a:endParaRPr lang="fr-FR" dirty="0" smtClean="0"/>
+              <a:t> Key (Rouge)</a:t>
+            </a:r>
           </a:p>
         </p:txBody>
       </p:sp>
@@ -5707,15 +5702,7 @@
                   <a:schemeClr val="accent2"/>
                 </a:solidFill>
               </a:rPr>
-              <a:t>societé</a:t>
-            </a:r>
-            <a:r>
-              <a:rPr lang="fr-FR" b="1" dirty="0" err="1" smtClean="0">
-                <a:solidFill>
-                  <a:schemeClr val="accent2"/>
-                </a:solidFill>
-              </a:rPr>
-              <a:t>s</a:t>
+              <a:t>societés</a:t>
             </a:r>
             <a:r>
               <a:rPr lang="fr-FR" b="1" dirty="0" smtClean="0">
@@ -5733,11 +5720,6 @@
               </a:rPr>
               <a:t>bligation par trimestre [?]</a:t>
             </a:r>
-            <a:endParaRPr lang="fr-FR" dirty="0" smtClean="0">
-              <a:solidFill>
-                <a:schemeClr val="accent2"/>
-              </a:solidFill>
-            </a:endParaRPr>
           </a:p>
         </p:txBody>
       </p:sp>
@@ -6342,13 +6324,8 @@
             </a:r>
             <a:r>
               <a:rPr lang="fr-FR" dirty="0" smtClean="0"/>
-              <a:t> </a:t>
-            </a:r>
-            <a:r>
-              <a:rPr lang="fr-FR" dirty="0" smtClean="0"/>
-              <a:t>Key (Vert)</a:t>
-            </a:r>
-            <a:endParaRPr lang="fr-FR" dirty="0" smtClean="0"/>
+              <a:t> Key (Vert)</a:t>
+            </a:r>
           </a:p>
           <a:p>
             <a:pPr>
@@ -6373,13 +6350,8 @@
             </a:r>
             <a:r>
               <a:rPr lang="fr-FR" dirty="0" smtClean="0"/>
-              <a:t> </a:t>
-            </a:r>
-            <a:r>
-              <a:rPr lang="fr-FR" dirty="0" smtClean="0"/>
-              <a:t>Key (Rouge)</a:t>
-            </a:r>
-            <a:endParaRPr lang="fr-FR" dirty="0" smtClean="0"/>
+              <a:t> Key (Rouge)</a:t>
+            </a:r>
           </a:p>
         </p:txBody>
       </p:sp>
@@ -6938,13 +6910,8 @@
             </a:r>
             <a:r>
               <a:rPr lang="fr-FR" dirty="0" smtClean="0"/>
-              <a:t> </a:t>
-            </a:r>
-            <a:r>
-              <a:rPr lang="fr-FR" dirty="0" smtClean="0"/>
-              <a:t>Key (Vert)</a:t>
-            </a:r>
-            <a:endParaRPr lang="fr-FR" dirty="0" smtClean="0"/>
+              <a:t> Key (Vert)</a:t>
+            </a:r>
           </a:p>
           <a:p>
             <a:pPr>
@@ -6969,13 +6936,8 @@
             </a:r>
             <a:r>
               <a:rPr lang="fr-FR" dirty="0" smtClean="0"/>
-              <a:t> </a:t>
-            </a:r>
-            <a:r>
-              <a:rPr lang="fr-FR" dirty="0" smtClean="0"/>
-              <a:t>Key (Rouge)</a:t>
-            </a:r>
-            <a:endParaRPr lang="fr-FR" dirty="0" smtClean="0"/>
+              <a:t> Key (Rouge)</a:t>
+            </a:r>
           </a:p>
         </p:txBody>
       </p:sp>
@@ -7592,13 +7554,8 @@
             </a:r>
             <a:r>
               <a:rPr lang="fr-FR" dirty="0" smtClean="0"/>
-              <a:t> </a:t>
-            </a:r>
-            <a:r>
-              <a:rPr lang="fr-FR" dirty="0" smtClean="0"/>
-              <a:t>Key (Vert)</a:t>
-            </a:r>
-            <a:endParaRPr lang="fr-FR" dirty="0" smtClean="0"/>
+              <a:t> Key (Vert)</a:t>
+            </a:r>
           </a:p>
           <a:p>
             <a:pPr>
@@ -7623,13 +7580,8 @@
             </a:r>
             <a:r>
               <a:rPr lang="fr-FR" dirty="0" smtClean="0"/>
-              <a:t> </a:t>
-            </a:r>
-            <a:r>
-              <a:rPr lang="fr-FR" dirty="0" smtClean="0"/>
-              <a:t>Key (Rouge)</a:t>
-            </a:r>
-            <a:endParaRPr lang="fr-FR" dirty="0" smtClean="0"/>
+              <a:t> Key (Rouge)</a:t>
+            </a:r>
           </a:p>
         </p:txBody>
       </p:sp>
@@ -10171,13 +10123,8 @@
             </a:r>
             <a:r>
               <a:rPr lang="fr-FR" dirty="0" smtClean="0"/>
-              <a:t> : </a:t>
-            </a:r>
-            <a:r>
-              <a:rPr lang="fr-FR" dirty="0" smtClean="0"/>
-              <a:t>En vert</a:t>
-            </a:r>
-            <a:endParaRPr lang="fr-FR" dirty="0" smtClean="0"/>
+              <a:t> : En vert</a:t>
+            </a:r>
           </a:p>
           <a:p>
             <a:pPr>
@@ -10194,13 +10141,8 @@
             </a:r>
             <a:r>
               <a:rPr lang="fr-FR" dirty="0" smtClean="0"/>
-              <a:t> : </a:t>
-            </a:r>
-            <a:r>
-              <a:rPr lang="fr-FR" dirty="0" smtClean="0"/>
-              <a:t>En rouge</a:t>
-            </a:r>
-            <a:endParaRPr lang="fr-FR" dirty="0" smtClean="0"/>
+              <a:t> : En rouge</a:t>
+            </a:r>
           </a:p>
         </p:txBody>
       </p:sp>
@@ -10858,13 +10800,8 @@
             </a:r>
             <a:r>
               <a:rPr lang="fr-FR" dirty="0" smtClean="0"/>
-              <a:t> </a:t>
-            </a:r>
-            <a:r>
-              <a:rPr lang="fr-FR" dirty="0" smtClean="0"/>
-              <a:t>Key (Vert)</a:t>
-            </a:r>
-            <a:endParaRPr lang="fr-FR" dirty="0" smtClean="0"/>
+              <a:t> Key (Vert)</a:t>
+            </a:r>
           </a:p>
           <a:p>
             <a:pPr>
@@ -10889,13 +10826,8 @@
             </a:r>
             <a:r>
               <a:rPr lang="fr-FR" dirty="0" smtClean="0"/>
-              <a:t> </a:t>
-            </a:r>
-            <a:r>
-              <a:rPr lang="fr-FR" dirty="0" smtClean="0"/>
-              <a:t>Key (Rouge)</a:t>
-            </a:r>
-            <a:endParaRPr lang="fr-FR" dirty="0" smtClean="0"/>
+              <a:t> Key (Rouge)</a:t>
+            </a:r>
           </a:p>
         </p:txBody>
       </p:sp>
@@ -12389,11 +12321,7 @@
           <a:p>
             <a:r>
               <a:rPr lang="fr-FR" sz="1400" dirty="0" smtClean="0"/>
-              <a:t>NUM_TICKET [?]</a:t>
-            </a:r>
-            <a:r>
-              <a:rPr lang="fr-FR" sz="1400" dirty="0" smtClean="0"/>
-              <a:t>	</a:t>
+              <a:t>NUM_TICKET [?]	</a:t>
             </a:r>
             <a:r>
               <a:rPr lang="fr-FR" sz="1400" dirty="0" err="1" smtClean="0"/>
@@ -12482,13 +12410,8 @@
             </a:r>
             <a:r>
               <a:rPr lang="fr-FR" dirty="0" smtClean="0"/>
-              <a:t> </a:t>
-            </a:r>
-            <a:r>
-              <a:rPr lang="fr-FR" dirty="0" smtClean="0"/>
-              <a:t>Key (Vert)</a:t>
-            </a:r>
-            <a:endParaRPr lang="fr-FR" dirty="0" smtClean="0"/>
+              <a:t> Key (Vert)</a:t>
+            </a:r>
           </a:p>
           <a:p>
             <a:pPr>
@@ -12513,13 +12436,8 @@
             </a:r>
             <a:r>
               <a:rPr lang="fr-FR" dirty="0" smtClean="0"/>
-              <a:t> </a:t>
-            </a:r>
-            <a:r>
-              <a:rPr lang="fr-FR" dirty="0" smtClean="0"/>
-              <a:t>Key (Rouge)</a:t>
-            </a:r>
-            <a:endParaRPr lang="fr-FR" dirty="0" smtClean="0"/>
+              <a:t> Key (Rouge)</a:t>
+            </a:r>
           </a:p>
         </p:txBody>
       </p:sp>
@@ -13077,13 +12995,8 @@
             </a:r>
             <a:r>
               <a:rPr lang="fr-FR" dirty="0" smtClean="0"/>
-              <a:t> </a:t>
-            </a:r>
-            <a:r>
-              <a:rPr lang="fr-FR" dirty="0" smtClean="0"/>
-              <a:t>Key (Vert)</a:t>
-            </a:r>
-            <a:endParaRPr lang="fr-FR" dirty="0" smtClean="0"/>
+              <a:t> Key (Vert)</a:t>
+            </a:r>
           </a:p>
           <a:p>
             <a:pPr>
@@ -13108,13 +13021,8 @@
             </a:r>
             <a:r>
               <a:rPr lang="fr-FR" dirty="0" smtClean="0"/>
-              <a:t> </a:t>
-            </a:r>
-            <a:r>
-              <a:rPr lang="fr-FR" dirty="0" smtClean="0"/>
-              <a:t>Key (Rouge)</a:t>
-            </a:r>
-            <a:endParaRPr lang="fr-FR" dirty="0" smtClean="0"/>
+              <a:t> Key (Rouge)</a:t>
+            </a:r>
           </a:p>
         </p:txBody>
       </p:sp>
@@ -13650,13 +13558,8 @@
             </a:r>
             <a:r>
               <a:rPr lang="fr-FR" dirty="0" smtClean="0"/>
-              <a:t> </a:t>
-            </a:r>
-            <a:r>
-              <a:rPr lang="fr-FR" dirty="0" smtClean="0"/>
-              <a:t>Key (Vert)</a:t>
-            </a:r>
-            <a:endParaRPr lang="fr-FR" dirty="0" smtClean="0"/>
+              <a:t> Key (Vert)</a:t>
+            </a:r>
           </a:p>
           <a:p>
             <a:pPr>
@@ -13681,13 +13584,8 @@
             </a:r>
             <a:r>
               <a:rPr lang="fr-FR" dirty="0" smtClean="0"/>
-              <a:t> </a:t>
-            </a:r>
-            <a:r>
-              <a:rPr lang="fr-FR" dirty="0" smtClean="0"/>
-              <a:t>Key (Rouge)</a:t>
-            </a:r>
-            <a:endParaRPr lang="fr-FR" dirty="0" smtClean="0"/>
+              <a:t> Key (Rouge)</a:t>
+            </a:r>
           </a:p>
         </p:txBody>
       </p:sp>
@@ -14261,13 +14159,8 @@
             </a:r>
             <a:r>
               <a:rPr lang="fr-FR" dirty="0" smtClean="0"/>
-              <a:t> </a:t>
-            </a:r>
-            <a:r>
-              <a:rPr lang="fr-FR" dirty="0" smtClean="0"/>
-              <a:t>Key (Vert)</a:t>
-            </a:r>
-            <a:endParaRPr lang="fr-FR" dirty="0" smtClean="0"/>
+              <a:t> Key (Vert)</a:t>
+            </a:r>
           </a:p>
           <a:p>
             <a:pPr>
@@ -14292,13 +14185,8 @@
             </a:r>
             <a:r>
               <a:rPr lang="fr-FR" dirty="0" smtClean="0"/>
-              <a:t> </a:t>
-            </a:r>
-            <a:r>
-              <a:rPr lang="fr-FR" dirty="0" smtClean="0"/>
-              <a:t>Key (Rouge)</a:t>
-            </a:r>
-            <a:endParaRPr lang="fr-FR" dirty="0" smtClean="0"/>
+              <a:t> Key (Rouge)</a:t>
+            </a:r>
           </a:p>
         </p:txBody>
       </p:sp>

--- a/Documentation/3 - Documentation technique/Modelisation_EntrepotDeDonnées.pptx
+++ b/Documentation/3 - Documentation technique/Modelisation_EntrepotDeDonnées.pptx
@@ -4853,11 +4853,7 @@
             </a:r>
             <a:r>
               <a:rPr lang="fr-FR" sz="1800" b="1" smtClean="0"/>
-              <a:t>Bordeaux </a:t>
-            </a:r>
-            <a:r>
-              <a:rPr lang="fr-FR" sz="1800" b="1" smtClean="0"/>
-              <a:t>1 </a:t>
+              <a:t>Bordeaux 1 </a:t>
             </a:r>
             <a:endParaRPr lang="fr-FR" sz="1800" b="1" dirty="0" smtClean="0"/>
           </a:p>
